--- a/Documents/8_24_2020.pptx
+++ b/Documents/8_24_2020.pptx
@@ -5,7 +5,7 @@
     <p:sldMasterId id="2147483648" r:id="rId1"/>
   </p:sldMasterIdLst>
   <p:notesMasterIdLst>
-    <p:notesMasterId r:id="rId19"/>
+    <p:notesMasterId r:id="rId20"/>
   </p:notesMasterIdLst>
   <p:sldIdLst>
     <p:sldId id="257" r:id="rId2"/>
@@ -25,6 +25,7 @@
     <p:sldId id="271" r:id="rId16"/>
     <p:sldId id="270" r:id="rId17"/>
     <p:sldId id="273" r:id="rId18"/>
+    <p:sldId id="280" r:id="rId19"/>
   </p:sldIdLst>
   <p:sldSz cx="12192000" cy="6858000"/>
   <p:notesSz cx="6858000" cy="9144000"/>
@@ -213,7 +214,7 @@
           <a:p>
             <a:fld id="{D403D8EA-6F56-4F99-9909-FDE052401F0A}" type="datetimeFigureOut">
               <a:rPr lang="en-US" smtClean="0"/>
-              <a:t>8/22/2020</a:t>
+              <a:t>8/23/2020</a:t>
             </a:fld>
             <a:endParaRPr lang="en-US"/>
           </a:p>
@@ -924,7 +925,7 @@
           <a:p>
             <a:fld id="{54DDAE87-B9B2-4AB2-82B0-23EE33EE440A}" type="datetimeFigureOut">
               <a:rPr lang="en-US" smtClean="0"/>
-              <a:t>8/22/2020</a:t>
+              <a:t>8/23/2020</a:t>
             </a:fld>
             <a:endParaRPr lang="en-US"/>
           </a:p>
@@ -1122,7 +1123,7 @@
           <a:p>
             <a:fld id="{54DDAE87-B9B2-4AB2-82B0-23EE33EE440A}" type="datetimeFigureOut">
               <a:rPr lang="en-US" smtClean="0"/>
-              <a:t>8/22/2020</a:t>
+              <a:t>8/23/2020</a:t>
             </a:fld>
             <a:endParaRPr lang="en-US"/>
           </a:p>
@@ -1330,7 +1331,7 @@
           <a:p>
             <a:fld id="{54DDAE87-B9B2-4AB2-82B0-23EE33EE440A}" type="datetimeFigureOut">
               <a:rPr lang="en-US" smtClean="0"/>
-              <a:t>8/22/2020</a:t>
+              <a:t>8/23/2020</a:t>
             </a:fld>
             <a:endParaRPr lang="en-US"/>
           </a:p>
@@ -1528,7 +1529,7 @@
           <a:p>
             <a:fld id="{54DDAE87-B9B2-4AB2-82B0-23EE33EE440A}" type="datetimeFigureOut">
               <a:rPr lang="en-US" smtClean="0"/>
-              <a:t>8/22/2020</a:t>
+              <a:t>8/23/2020</a:t>
             </a:fld>
             <a:endParaRPr lang="en-US"/>
           </a:p>
@@ -1803,7 +1804,7 @@
           <a:p>
             <a:fld id="{54DDAE87-B9B2-4AB2-82B0-23EE33EE440A}" type="datetimeFigureOut">
               <a:rPr lang="en-US" smtClean="0"/>
-              <a:t>8/22/2020</a:t>
+              <a:t>8/23/2020</a:t>
             </a:fld>
             <a:endParaRPr lang="en-US"/>
           </a:p>
@@ -2068,7 +2069,7 @@
           <a:p>
             <a:fld id="{54DDAE87-B9B2-4AB2-82B0-23EE33EE440A}" type="datetimeFigureOut">
               <a:rPr lang="en-US" smtClean="0"/>
-              <a:t>8/22/2020</a:t>
+              <a:t>8/23/2020</a:t>
             </a:fld>
             <a:endParaRPr lang="en-US"/>
           </a:p>
@@ -2480,7 +2481,7 @@
           <a:p>
             <a:fld id="{54DDAE87-B9B2-4AB2-82B0-23EE33EE440A}" type="datetimeFigureOut">
               <a:rPr lang="en-US" smtClean="0"/>
-              <a:t>8/22/2020</a:t>
+              <a:t>8/23/2020</a:t>
             </a:fld>
             <a:endParaRPr lang="en-US"/>
           </a:p>
@@ -2621,7 +2622,7 @@
           <a:p>
             <a:fld id="{54DDAE87-B9B2-4AB2-82B0-23EE33EE440A}" type="datetimeFigureOut">
               <a:rPr lang="en-US" smtClean="0"/>
-              <a:t>8/22/2020</a:t>
+              <a:t>8/23/2020</a:t>
             </a:fld>
             <a:endParaRPr lang="en-US"/>
           </a:p>
@@ -2734,7 +2735,7 @@
           <a:p>
             <a:fld id="{54DDAE87-B9B2-4AB2-82B0-23EE33EE440A}" type="datetimeFigureOut">
               <a:rPr lang="en-US" smtClean="0"/>
-              <a:t>8/22/2020</a:t>
+              <a:t>8/23/2020</a:t>
             </a:fld>
             <a:endParaRPr lang="en-US"/>
           </a:p>
@@ -3045,7 +3046,7 @@
           <a:p>
             <a:fld id="{54DDAE87-B9B2-4AB2-82B0-23EE33EE440A}" type="datetimeFigureOut">
               <a:rPr lang="en-US" smtClean="0"/>
-              <a:t>8/22/2020</a:t>
+              <a:t>8/23/2020</a:t>
             </a:fld>
             <a:endParaRPr lang="en-US"/>
           </a:p>
@@ -3333,7 +3334,7 @@
           <a:p>
             <a:fld id="{54DDAE87-B9B2-4AB2-82B0-23EE33EE440A}" type="datetimeFigureOut">
               <a:rPr lang="en-US" smtClean="0"/>
-              <a:t>8/22/2020</a:t>
+              <a:t>8/23/2020</a:t>
             </a:fld>
             <a:endParaRPr lang="en-US"/>
           </a:p>
@@ -3574,7 +3575,7 @@
           <a:p>
             <a:fld id="{54DDAE87-B9B2-4AB2-82B0-23EE33EE440A}" type="datetimeFigureOut">
               <a:rPr lang="en-US" smtClean="0"/>
-              <a:t>8/22/2020</a:t>
+              <a:t>8/23/2020</a:t>
             </a:fld>
             <a:endParaRPr lang="en-US"/>
           </a:p>
@@ -4405,7 +4406,7 @@
             </a:pPr>
             <a:r>
               <a:rPr lang="en-US" dirty="0"/>
-              <a:t>This allows for parts of the FPGA to be reprogrammed and swapped out with reconfigurable modules of the same partition definition</a:t>
+              <a:t>This allows for partitions of the FPGA to be reprogrammed. Reprogrammable partitions a can be loaded with many module types for different functionality</a:t>
             </a:r>
           </a:p>
           <a:p>
@@ -4881,41 +4882,6 @@
       </p:pic>
       <p:sp>
         <p:nvSpPr>
-          <p:cNvPr id="9" name="Title 1">
-            <a:extLst>
-              <a:ext uri="{FF2B5EF4-FFF2-40B4-BE49-F238E27FC236}">
-                <a16:creationId xmlns:a16="http://schemas.microsoft.com/office/drawing/2014/main" id="{0D33FBEC-93F2-4846-8F3C-11B43208D807}"/>
-              </a:ext>
-            </a:extLst>
-          </p:cNvPr>
-          <p:cNvSpPr>
-            <a:spLocks noGrp="1"/>
-          </p:cNvSpPr>
-          <p:nvPr>
-            <p:ph type="title"/>
-          </p:nvPr>
-        </p:nvSpPr>
-        <p:spPr>
-          <a:xfrm>
-            <a:off x="838200" y="365125"/>
-            <a:ext cx="11125692" cy="1325563"/>
-          </a:xfrm>
-        </p:spPr>
-        <p:txBody>
-          <a:bodyPr>
-            <a:normAutofit/>
-          </a:bodyPr>
-          <a:lstStyle/>
-          <a:p>
-            <a:r>
-              <a:rPr lang="en-US" sz="4000" dirty="0"/>
-              <a:t>Design Step 2: Partial Reconfig Multipliers (cont.)</a:t>
-            </a:r>
-          </a:p>
-        </p:txBody>
-      </p:sp>
-      <p:sp>
-        <p:nvSpPr>
           <p:cNvPr id="10" name="TextBox 9">
             <a:extLst>
               <a:ext uri="{FF2B5EF4-FFF2-40B4-BE49-F238E27FC236}">
@@ -4929,7 +4895,7 @@
         <p:spPr>
           <a:xfrm>
             <a:off x="838200" y="1690688"/>
-            <a:ext cx="5562846" cy="3748719"/>
+            <a:ext cx="5562846" cy="4081117"/>
           </a:xfrm>
           <a:prstGeom prst="rect">
             <a:avLst/>
@@ -4997,15 +4963,15 @@
             </a:pPr>
             <a:r>
               <a:rPr lang="en-US" sz="2400" dirty="0"/>
-              <a:t>This is a screenshot of the floorplan for a design with 8 </a:t>
+              <a:t>This is a screenshot of the floorplan for a design with 8 pBlocks to enable 8 </a:t>
             </a:r>
             <a:r>
               <a:rPr lang="en-US" sz="2400" dirty="0" err="1"/>
-              <a:t>pBlocks</a:t>
+              <a:t>seperate</a:t>
             </a:r>
             <a:r>
               <a:rPr lang="en-US" sz="2400" dirty="0"/>
-              <a:t> to enable 8 multiply compute modules.</a:t>
+              <a:t> reconfigurable multiply compute partitions.</a:t>
             </a:r>
           </a:p>
         </p:txBody>
@@ -5286,6 +5252,41 @@
           </a:p>
         </p:txBody>
       </p:sp>
+      <p:sp>
+        <p:nvSpPr>
+          <p:cNvPr id="13" name="Title 1">
+            <a:extLst>
+              <a:ext uri="{FF2B5EF4-FFF2-40B4-BE49-F238E27FC236}">
+                <a16:creationId xmlns:a16="http://schemas.microsoft.com/office/drawing/2014/main" id="{3B945FA9-5BDC-45FD-B36F-7132DE81B153}"/>
+              </a:ext>
+            </a:extLst>
+          </p:cNvPr>
+          <p:cNvSpPr>
+            <a:spLocks noGrp="1"/>
+          </p:cNvSpPr>
+          <p:nvPr>
+            <p:ph type="title"/>
+          </p:nvPr>
+        </p:nvSpPr>
+        <p:spPr>
+          <a:xfrm>
+            <a:off x="838200" y="365125"/>
+            <a:ext cx="10312400" cy="1325563"/>
+          </a:xfrm>
+        </p:spPr>
+        <p:txBody>
+          <a:bodyPr>
+            <a:normAutofit/>
+          </a:bodyPr>
+          <a:lstStyle/>
+          <a:p>
+            <a:r>
+              <a:rPr lang="en-US" sz="4000" dirty="0"/>
+              <a:t>Design Step 3: Enabling Partial Reconfig (cont.)</a:t>
+            </a:r>
+          </a:p>
+        </p:txBody>
+      </p:sp>
     </p:spTree>
     <p:extLst>
       <p:ext uri="{BB962C8B-B14F-4D97-AF65-F5344CB8AC3E}">
@@ -5341,7 +5342,7 @@
           <a:p>
             <a:r>
               <a:rPr lang="en-US" sz="4000" dirty="0"/>
-              <a:t>Design Step 3: Crossbar Data Switch</a:t>
+              <a:t>Design Step 4: Crossbar Data Switch</a:t>
             </a:r>
           </a:p>
         </p:txBody>
@@ -5491,7 +5492,7 @@
           <a:p>
             <a:r>
               <a:rPr lang="en-US" sz="4000" dirty="0"/>
-              <a:t>Design Step 3: Crossbar Data Switch (cont.)</a:t>
+              <a:t>Design Step 4: Crossbar Data Switch (cont.)</a:t>
             </a:r>
           </a:p>
         </p:txBody>
@@ -5541,42 +5542,6 @@
           </a:p>
         </p:txBody>
       </p:sp>
-      <p:pic>
-        <p:nvPicPr>
-          <p:cNvPr id="8" name="Picture 7" descr="A picture containing large&#10;&#10;Description automatically generated">
-            <a:extLst>
-              <a:ext uri="{FF2B5EF4-FFF2-40B4-BE49-F238E27FC236}">
-                <a16:creationId xmlns:a16="http://schemas.microsoft.com/office/drawing/2014/main" id="{46F152D7-2AD0-4112-93EA-51FDB5E7D8BB}"/>
-              </a:ext>
-            </a:extLst>
-          </p:cNvPr>
-          <p:cNvPicPr>
-            <a:picLocks noChangeAspect="1"/>
-          </p:cNvPicPr>
-          <p:nvPr/>
-        </p:nvPicPr>
-        <p:blipFill>
-          <a:blip r:embed="rId2">
-            <a:extLst>
-              <a:ext uri="{28A0092B-C50C-407E-A947-70E740481C1C}">
-                <a14:useLocalDpi xmlns:a14="http://schemas.microsoft.com/office/drawing/2010/main" val="0"/>
-              </a:ext>
-            </a:extLst>
-          </a:blip>
-          <a:stretch>
-            <a:fillRect/>
-          </a:stretch>
-        </p:blipFill>
-        <p:spPr>
-          <a:xfrm>
-            <a:off x="7591425" y="2709863"/>
-            <a:ext cx="3762375" cy="3467100"/>
-          </a:xfrm>
-          <a:prstGeom prst="rect">
-            <a:avLst/>
-          </a:prstGeom>
-        </p:spPr>
-      </p:pic>
       <p:sp>
         <p:nvSpPr>
           <p:cNvPr id="9" name="Content Placeholder 2">
@@ -5820,12 +5785,743 @@
           </a:p>
         </p:txBody>
       </p:sp>
-      <p:sp>
-        <p:nvSpPr>
-          <p:cNvPr id="10" name="TextBox 9">
-            <a:extLst>
-              <a:ext uri="{FF2B5EF4-FFF2-40B4-BE49-F238E27FC236}">
-                <a16:creationId xmlns:a16="http://schemas.microsoft.com/office/drawing/2014/main" id="{AF9E4D8D-174C-4829-AEC5-07148CE77346}"/>
+      <p:grpSp>
+        <p:nvGrpSpPr>
+          <p:cNvPr id="7" name="Group 6">
+            <a:extLst>
+              <a:ext uri="{FF2B5EF4-FFF2-40B4-BE49-F238E27FC236}">
+                <a16:creationId xmlns:a16="http://schemas.microsoft.com/office/drawing/2014/main" id="{91621B61-3590-4734-8E84-A40C25AC0D64}"/>
+              </a:ext>
+            </a:extLst>
+          </p:cNvPr>
+          <p:cNvGrpSpPr/>
+          <p:nvPr/>
+        </p:nvGrpSpPr>
+        <p:grpSpPr>
+          <a:xfrm>
+            <a:off x="7518666" y="3025775"/>
+            <a:ext cx="4673334" cy="3524250"/>
+            <a:chOff x="7518666" y="3025775"/>
+            <a:chExt cx="4673334" cy="3524250"/>
+          </a:xfrm>
+        </p:grpSpPr>
+        <p:grpSp>
+          <p:nvGrpSpPr>
+            <p:cNvPr id="4" name="Group 3">
+              <a:extLst>
+                <a:ext uri="{FF2B5EF4-FFF2-40B4-BE49-F238E27FC236}">
+                  <a16:creationId xmlns:a16="http://schemas.microsoft.com/office/drawing/2014/main" id="{06B66D41-32D6-44AA-85EC-B847C774132A}"/>
+                </a:ext>
+              </a:extLst>
+            </p:cNvPr>
+            <p:cNvGrpSpPr/>
+            <p:nvPr/>
+          </p:nvGrpSpPr>
+          <p:grpSpPr>
+            <a:xfrm>
+              <a:off x="7518666" y="3025775"/>
+              <a:ext cx="4673334" cy="3467100"/>
+              <a:chOff x="7591425" y="2730138"/>
+              <a:chExt cx="4673334" cy="3467100"/>
+            </a:xfrm>
+          </p:grpSpPr>
+          <p:pic>
+            <p:nvPicPr>
+              <p:cNvPr id="8" name="Picture 7" descr="A picture containing large&#10;&#10;Description automatically generated">
+                <a:extLst>
+                  <a:ext uri="{FF2B5EF4-FFF2-40B4-BE49-F238E27FC236}">
+                    <a16:creationId xmlns:a16="http://schemas.microsoft.com/office/drawing/2014/main" id="{46F152D7-2AD0-4112-93EA-51FDB5E7D8BB}"/>
+                  </a:ext>
+                </a:extLst>
+              </p:cNvPr>
+              <p:cNvPicPr>
+                <a:picLocks noChangeAspect="1"/>
+              </p:cNvPicPr>
+              <p:nvPr/>
+            </p:nvPicPr>
+            <p:blipFill>
+              <a:blip r:embed="rId2">
+                <a:extLst>
+                  <a:ext uri="{28A0092B-C50C-407E-A947-70E740481C1C}">
+                    <a14:useLocalDpi xmlns:a14="http://schemas.microsoft.com/office/drawing/2010/main" val="0"/>
+                  </a:ext>
+                </a:extLst>
+              </a:blip>
+              <a:stretch>
+                <a:fillRect/>
+              </a:stretch>
+            </p:blipFill>
+            <p:spPr>
+              <a:xfrm>
+                <a:off x="7591425" y="2730138"/>
+                <a:ext cx="3762375" cy="3467100"/>
+              </a:xfrm>
+              <a:prstGeom prst="rect">
+                <a:avLst/>
+              </a:prstGeom>
+            </p:spPr>
+          </p:pic>
+          <p:sp>
+            <p:nvSpPr>
+              <p:cNvPr id="10" name="TextBox 9">
+                <a:extLst>
+                  <a:ext uri="{FF2B5EF4-FFF2-40B4-BE49-F238E27FC236}">
+                    <a16:creationId xmlns:a16="http://schemas.microsoft.com/office/drawing/2014/main" id="{AF9E4D8D-174C-4829-AEC5-07148CE77346}"/>
+                  </a:ext>
+                </a:extLst>
+              </p:cNvPr>
+              <p:cNvSpPr txBox="1"/>
+              <p:nvPr/>
+            </p:nvSpPr>
+            <p:spPr>
+              <a:xfrm>
+                <a:off x="8931622" y="3839339"/>
+                <a:ext cx="289068" cy="307777"/>
+              </a:xfrm>
+              <a:prstGeom prst="rect">
+                <a:avLst/>
+              </a:prstGeom>
+              <a:noFill/>
+            </p:spPr>
+            <p:txBody>
+              <a:bodyPr wrap="square" rtlCol="0">
+                <a:spAutoFit/>
+              </a:bodyPr>
+              <a:lstStyle/>
+              <a:p>
+                <a:r>
+                  <a:rPr lang="en-US" sz="1400" dirty="0"/>
+                  <a:t>1</a:t>
+                </a:r>
+              </a:p>
+            </p:txBody>
+          </p:sp>
+          <p:sp>
+            <p:nvSpPr>
+              <p:cNvPr id="12" name="TextBox 11">
+                <a:extLst>
+                  <a:ext uri="{FF2B5EF4-FFF2-40B4-BE49-F238E27FC236}">
+                    <a16:creationId xmlns:a16="http://schemas.microsoft.com/office/drawing/2014/main" id="{F3077A48-9996-4A03-AB14-60775ECD4867}"/>
+                  </a:ext>
+                </a:extLst>
+              </p:cNvPr>
+              <p:cNvSpPr txBox="1"/>
+              <p:nvPr/>
+            </p:nvSpPr>
+            <p:spPr>
+              <a:xfrm>
+                <a:off x="9620863" y="3821908"/>
+                <a:ext cx="289068" cy="307777"/>
+              </a:xfrm>
+              <a:prstGeom prst="rect">
+                <a:avLst/>
+              </a:prstGeom>
+              <a:noFill/>
+            </p:spPr>
+            <p:txBody>
+              <a:bodyPr wrap="square" rtlCol="0">
+                <a:spAutoFit/>
+              </a:bodyPr>
+              <a:lstStyle/>
+              <a:p>
+                <a:r>
+                  <a:rPr lang="en-US" sz="1400" dirty="0"/>
+                  <a:t>2</a:t>
+                </a:r>
+              </a:p>
+            </p:txBody>
+          </p:sp>
+          <p:sp>
+            <p:nvSpPr>
+              <p:cNvPr id="14" name="TextBox 13">
+                <a:extLst>
+                  <a:ext uri="{FF2B5EF4-FFF2-40B4-BE49-F238E27FC236}">
+                    <a16:creationId xmlns:a16="http://schemas.microsoft.com/office/drawing/2014/main" id="{8F82306F-5D04-4730-9FBB-C83ACA798844}"/>
+                  </a:ext>
+                </a:extLst>
+              </p:cNvPr>
+              <p:cNvSpPr txBox="1"/>
+              <p:nvPr/>
+            </p:nvSpPr>
+            <p:spPr>
+              <a:xfrm>
+                <a:off x="10310104" y="3821908"/>
+                <a:ext cx="289068" cy="307777"/>
+              </a:xfrm>
+              <a:prstGeom prst="rect">
+                <a:avLst/>
+              </a:prstGeom>
+              <a:noFill/>
+            </p:spPr>
+            <p:txBody>
+              <a:bodyPr wrap="square" rtlCol="0">
+                <a:spAutoFit/>
+              </a:bodyPr>
+              <a:lstStyle/>
+              <a:p>
+                <a:r>
+                  <a:rPr lang="en-US" sz="1400" dirty="0"/>
+                  <a:t>3</a:t>
+                </a:r>
+              </a:p>
+            </p:txBody>
+          </p:sp>
+          <p:sp>
+            <p:nvSpPr>
+              <p:cNvPr id="16" name="TextBox 15">
+                <a:extLst>
+                  <a:ext uri="{FF2B5EF4-FFF2-40B4-BE49-F238E27FC236}">
+                    <a16:creationId xmlns:a16="http://schemas.microsoft.com/office/drawing/2014/main" id="{D704D2F2-E98A-4098-96CD-022424D6D7CC}"/>
+                  </a:ext>
+                </a:extLst>
+              </p:cNvPr>
+              <p:cNvSpPr txBox="1"/>
+              <p:nvPr/>
+            </p:nvSpPr>
+            <p:spPr>
+              <a:xfrm>
+                <a:off x="10999345" y="3816276"/>
+                <a:ext cx="289068" cy="307777"/>
+              </a:xfrm>
+              <a:prstGeom prst="rect">
+                <a:avLst/>
+              </a:prstGeom>
+              <a:noFill/>
+            </p:spPr>
+            <p:txBody>
+              <a:bodyPr wrap="square" rtlCol="0">
+                <a:spAutoFit/>
+              </a:bodyPr>
+              <a:lstStyle/>
+              <a:p>
+                <a:r>
+                  <a:rPr lang="en-US" sz="1400" dirty="0"/>
+                  <a:t>4</a:t>
+                </a:r>
+              </a:p>
+            </p:txBody>
+          </p:sp>
+          <p:sp>
+            <p:nvSpPr>
+              <p:cNvPr id="26" name="TextBox 25">
+                <a:extLst>
+                  <a:ext uri="{FF2B5EF4-FFF2-40B4-BE49-F238E27FC236}">
+                    <a16:creationId xmlns:a16="http://schemas.microsoft.com/office/drawing/2014/main" id="{6C298E57-7778-4162-B455-AB210615DC71}"/>
+                  </a:ext>
+                </a:extLst>
+              </p:cNvPr>
+              <p:cNvSpPr txBox="1"/>
+              <p:nvPr/>
+            </p:nvSpPr>
+            <p:spPr>
+              <a:xfrm>
+                <a:off x="8931622" y="4463688"/>
+                <a:ext cx="289068" cy="307777"/>
+              </a:xfrm>
+              <a:prstGeom prst="rect">
+                <a:avLst/>
+              </a:prstGeom>
+              <a:noFill/>
+            </p:spPr>
+            <p:txBody>
+              <a:bodyPr wrap="square" rtlCol="0">
+                <a:spAutoFit/>
+              </a:bodyPr>
+              <a:lstStyle/>
+              <a:p>
+                <a:r>
+                  <a:rPr lang="en-US" sz="1400" dirty="0"/>
+                  <a:t>5</a:t>
+                </a:r>
+              </a:p>
+            </p:txBody>
+          </p:sp>
+          <p:sp>
+            <p:nvSpPr>
+              <p:cNvPr id="28" name="TextBox 27">
+                <a:extLst>
+                  <a:ext uri="{FF2B5EF4-FFF2-40B4-BE49-F238E27FC236}">
+                    <a16:creationId xmlns:a16="http://schemas.microsoft.com/office/drawing/2014/main" id="{68DCE277-65F8-4194-87C6-1387AA8FEF1E}"/>
+                  </a:ext>
+                </a:extLst>
+              </p:cNvPr>
+              <p:cNvSpPr txBox="1"/>
+              <p:nvPr/>
+            </p:nvSpPr>
+            <p:spPr>
+              <a:xfrm>
+                <a:off x="9620863" y="4446257"/>
+                <a:ext cx="289068" cy="307777"/>
+              </a:xfrm>
+              <a:prstGeom prst="rect">
+                <a:avLst/>
+              </a:prstGeom>
+              <a:noFill/>
+            </p:spPr>
+            <p:txBody>
+              <a:bodyPr wrap="square" rtlCol="0">
+                <a:spAutoFit/>
+              </a:bodyPr>
+              <a:lstStyle/>
+              <a:p>
+                <a:r>
+                  <a:rPr lang="en-US" sz="1400" dirty="0"/>
+                  <a:t>6</a:t>
+                </a:r>
+              </a:p>
+            </p:txBody>
+          </p:sp>
+          <p:sp>
+            <p:nvSpPr>
+              <p:cNvPr id="30" name="TextBox 29">
+                <a:extLst>
+                  <a:ext uri="{FF2B5EF4-FFF2-40B4-BE49-F238E27FC236}">
+                    <a16:creationId xmlns:a16="http://schemas.microsoft.com/office/drawing/2014/main" id="{9D742DA9-8E23-427D-B909-7A203AAB6CC9}"/>
+                  </a:ext>
+                </a:extLst>
+              </p:cNvPr>
+              <p:cNvSpPr txBox="1"/>
+              <p:nvPr/>
+            </p:nvSpPr>
+            <p:spPr>
+              <a:xfrm>
+                <a:off x="10310104" y="4446257"/>
+                <a:ext cx="289068" cy="307777"/>
+              </a:xfrm>
+              <a:prstGeom prst="rect">
+                <a:avLst/>
+              </a:prstGeom>
+              <a:noFill/>
+            </p:spPr>
+            <p:txBody>
+              <a:bodyPr wrap="square" rtlCol="0">
+                <a:spAutoFit/>
+              </a:bodyPr>
+              <a:lstStyle/>
+              <a:p>
+                <a:r>
+                  <a:rPr lang="en-US" sz="1400" dirty="0"/>
+                  <a:t>7</a:t>
+                </a:r>
+              </a:p>
+            </p:txBody>
+          </p:sp>
+          <p:sp>
+            <p:nvSpPr>
+              <p:cNvPr id="32" name="TextBox 31">
+                <a:extLst>
+                  <a:ext uri="{FF2B5EF4-FFF2-40B4-BE49-F238E27FC236}">
+                    <a16:creationId xmlns:a16="http://schemas.microsoft.com/office/drawing/2014/main" id="{6C647C04-EDD2-4D9A-ACC9-8492F9FF7EA4}"/>
+                  </a:ext>
+                </a:extLst>
+              </p:cNvPr>
+              <p:cNvSpPr txBox="1"/>
+              <p:nvPr/>
+            </p:nvSpPr>
+            <p:spPr>
+              <a:xfrm>
+                <a:off x="10999345" y="4440625"/>
+                <a:ext cx="289068" cy="307777"/>
+              </a:xfrm>
+              <a:prstGeom prst="rect">
+                <a:avLst/>
+              </a:prstGeom>
+              <a:noFill/>
+            </p:spPr>
+            <p:txBody>
+              <a:bodyPr wrap="square" rtlCol="0">
+                <a:spAutoFit/>
+              </a:bodyPr>
+              <a:lstStyle/>
+              <a:p>
+                <a:r>
+                  <a:rPr lang="en-US" sz="1400" dirty="0"/>
+                  <a:t>8</a:t>
+                </a:r>
+              </a:p>
+            </p:txBody>
+          </p:sp>
+          <p:sp>
+            <p:nvSpPr>
+              <p:cNvPr id="34" name="TextBox 33">
+                <a:extLst>
+                  <a:ext uri="{FF2B5EF4-FFF2-40B4-BE49-F238E27FC236}">
+                    <a16:creationId xmlns:a16="http://schemas.microsoft.com/office/drawing/2014/main" id="{A34650F1-580E-4C2B-82A7-FD9613C1C5E0}"/>
+                  </a:ext>
+                </a:extLst>
+              </p:cNvPr>
+              <p:cNvSpPr txBox="1"/>
+              <p:nvPr/>
+            </p:nvSpPr>
+            <p:spPr>
+              <a:xfrm>
+                <a:off x="8931622" y="5183811"/>
+                <a:ext cx="289068" cy="307777"/>
+              </a:xfrm>
+              <a:prstGeom prst="rect">
+                <a:avLst/>
+              </a:prstGeom>
+              <a:noFill/>
+            </p:spPr>
+            <p:txBody>
+              <a:bodyPr wrap="square" rtlCol="0">
+                <a:spAutoFit/>
+              </a:bodyPr>
+              <a:lstStyle/>
+              <a:p>
+                <a:r>
+                  <a:rPr lang="en-US" sz="1400" dirty="0"/>
+                  <a:t>9</a:t>
+                </a:r>
+              </a:p>
+            </p:txBody>
+          </p:sp>
+          <p:sp>
+            <p:nvSpPr>
+              <p:cNvPr id="36" name="TextBox 35">
+                <a:extLst>
+                  <a:ext uri="{FF2B5EF4-FFF2-40B4-BE49-F238E27FC236}">
+                    <a16:creationId xmlns:a16="http://schemas.microsoft.com/office/drawing/2014/main" id="{37ABC9AD-9576-4AAC-BE2D-589B6020278F}"/>
+                  </a:ext>
+                </a:extLst>
+              </p:cNvPr>
+              <p:cNvSpPr txBox="1"/>
+              <p:nvPr/>
+            </p:nvSpPr>
+            <p:spPr>
+              <a:xfrm>
+                <a:off x="9620863" y="5166380"/>
+                <a:ext cx="390342" cy="307777"/>
+              </a:xfrm>
+              <a:prstGeom prst="rect">
+                <a:avLst/>
+              </a:prstGeom>
+              <a:noFill/>
+            </p:spPr>
+            <p:txBody>
+              <a:bodyPr wrap="square" rtlCol="0">
+                <a:spAutoFit/>
+              </a:bodyPr>
+              <a:lstStyle/>
+              <a:p>
+                <a:r>
+                  <a:rPr lang="en-US" sz="1400" dirty="0"/>
+                  <a:t>10</a:t>
+                </a:r>
+              </a:p>
+            </p:txBody>
+          </p:sp>
+          <p:sp>
+            <p:nvSpPr>
+              <p:cNvPr id="38" name="TextBox 37">
+                <a:extLst>
+                  <a:ext uri="{FF2B5EF4-FFF2-40B4-BE49-F238E27FC236}">
+                    <a16:creationId xmlns:a16="http://schemas.microsoft.com/office/drawing/2014/main" id="{07F337EE-7D7E-42D5-91A5-02AD82DADBDA}"/>
+                  </a:ext>
+                </a:extLst>
+              </p:cNvPr>
+              <p:cNvSpPr txBox="1"/>
+              <p:nvPr/>
+            </p:nvSpPr>
+            <p:spPr>
+              <a:xfrm>
+                <a:off x="10310103" y="5166380"/>
+                <a:ext cx="390341" cy="307777"/>
+              </a:xfrm>
+              <a:prstGeom prst="rect">
+                <a:avLst/>
+              </a:prstGeom>
+              <a:noFill/>
+            </p:spPr>
+            <p:txBody>
+              <a:bodyPr wrap="square" rtlCol="0">
+                <a:spAutoFit/>
+              </a:bodyPr>
+              <a:lstStyle/>
+              <a:p>
+                <a:r>
+                  <a:rPr lang="en-US" sz="1400" dirty="0"/>
+                  <a:t>11</a:t>
+                </a:r>
+              </a:p>
+            </p:txBody>
+          </p:sp>
+          <p:sp>
+            <p:nvSpPr>
+              <p:cNvPr id="40" name="TextBox 39">
+                <a:extLst>
+                  <a:ext uri="{FF2B5EF4-FFF2-40B4-BE49-F238E27FC236}">
+                    <a16:creationId xmlns:a16="http://schemas.microsoft.com/office/drawing/2014/main" id="{9B06DA7F-2180-43A3-93A9-5CF19290A22F}"/>
+                  </a:ext>
+                </a:extLst>
+              </p:cNvPr>
+              <p:cNvSpPr txBox="1"/>
+              <p:nvPr/>
+            </p:nvSpPr>
+            <p:spPr>
+              <a:xfrm>
+                <a:off x="10999345" y="5160748"/>
+                <a:ext cx="390340" cy="307777"/>
+              </a:xfrm>
+              <a:prstGeom prst="rect">
+                <a:avLst/>
+              </a:prstGeom>
+              <a:noFill/>
+            </p:spPr>
+            <p:txBody>
+              <a:bodyPr wrap="square" rtlCol="0">
+                <a:spAutoFit/>
+              </a:bodyPr>
+              <a:lstStyle/>
+              <a:p>
+                <a:r>
+                  <a:rPr lang="en-US" sz="1400" dirty="0"/>
+                  <a:t>12</a:t>
+                </a:r>
+              </a:p>
+            </p:txBody>
+          </p:sp>
+          <p:sp>
+            <p:nvSpPr>
+              <p:cNvPr id="42" name="TextBox 41">
+                <a:extLst>
+                  <a:ext uri="{FF2B5EF4-FFF2-40B4-BE49-F238E27FC236}">
+                    <a16:creationId xmlns:a16="http://schemas.microsoft.com/office/drawing/2014/main" id="{4D88E76D-B596-4C6C-964B-C43B9781F172}"/>
+                  </a:ext>
+                </a:extLst>
+              </p:cNvPr>
+              <p:cNvSpPr txBox="1"/>
+              <p:nvPr/>
+            </p:nvSpPr>
+            <p:spPr>
+              <a:xfrm>
+                <a:off x="8931622" y="5838472"/>
+                <a:ext cx="430654" cy="307777"/>
+              </a:xfrm>
+              <a:prstGeom prst="rect">
+                <a:avLst/>
+              </a:prstGeom>
+              <a:noFill/>
+            </p:spPr>
+            <p:txBody>
+              <a:bodyPr wrap="square" rtlCol="0">
+                <a:spAutoFit/>
+              </a:bodyPr>
+              <a:lstStyle/>
+              <a:p>
+                <a:r>
+                  <a:rPr lang="en-US" sz="1400" dirty="0"/>
+                  <a:t>13</a:t>
+                </a:r>
+              </a:p>
+            </p:txBody>
+          </p:sp>
+          <p:sp>
+            <p:nvSpPr>
+              <p:cNvPr id="44" name="TextBox 43">
+                <a:extLst>
+                  <a:ext uri="{FF2B5EF4-FFF2-40B4-BE49-F238E27FC236}">
+                    <a16:creationId xmlns:a16="http://schemas.microsoft.com/office/drawing/2014/main" id="{A420DD1B-53BA-4757-96A3-289819A89515}"/>
+                  </a:ext>
+                </a:extLst>
+              </p:cNvPr>
+              <p:cNvSpPr txBox="1"/>
+              <p:nvPr/>
+            </p:nvSpPr>
+            <p:spPr>
+              <a:xfrm>
+                <a:off x="9620862" y="5821041"/>
+                <a:ext cx="390341" cy="307777"/>
+              </a:xfrm>
+              <a:prstGeom prst="rect">
+                <a:avLst/>
+              </a:prstGeom>
+              <a:noFill/>
+            </p:spPr>
+            <p:txBody>
+              <a:bodyPr wrap="square" rtlCol="0">
+                <a:spAutoFit/>
+              </a:bodyPr>
+              <a:lstStyle/>
+              <a:p>
+                <a:r>
+                  <a:rPr lang="en-US" sz="1400" dirty="0"/>
+                  <a:t>14</a:t>
+                </a:r>
+              </a:p>
+            </p:txBody>
+          </p:sp>
+          <p:sp>
+            <p:nvSpPr>
+              <p:cNvPr id="46" name="TextBox 45">
+                <a:extLst>
+                  <a:ext uri="{FF2B5EF4-FFF2-40B4-BE49-F238E27FC236}">
+                    <a16:creationId xmlns:a16="http://schemas.microsoft.com/office/drawing/2014/main" id="{580F883F-3918-49CB-8F80-AFE074386E63}"/>
+                  </a:ext>
+                </a:extLst>
+              </p:cNvPr>
+              <p:cNvSpPr txBox="1"/>
+              <p:nvPr/>
+            </p:nvSpPr>
+            <p:spPr>
+              <a:xfrm>
+                <a:off x="10348449" y="5838472"/>
+                <a:ext cx="390340" cy="307777"/>
+              </a:xfrm>
+              <a:prstGeom prst="rect">
+                <a:avLst/>
+              </a:prstGeom>
+              <a:noFill/>
+            </p:spPr>
+            <p:txBody>
+              <a:bodyPr wrap="square" rtlCol="0">
+                <a:spAutoFit/>
+              </a:bodyPr>
+              <a:lstStyle/>
+              <a:p>
+                <a:r>
+                  <a:rPr lang="en-US" sz="1400" dirty="0"/>
+                  <a:t>15</a:t>
+                </a:r>
+              </a:p>
+            </p:txBody>
+          </p:sp>
+          <p:sp>
+            <p:nvSpPr>
+              <p:cNvPr id="48" name="TextBox 47">
+                <a:extLst>
+                  <a:ext uri="{FF2B5EF4-FFF2-40B4-BE49-F238E27FC236}">
+                    <a16:creationId xmlns:a16="http://schemas.microsoft.com/office/drawing/2014/main" id="{F0AC2528-99E4-4B62-A747-B85A0D9CDE0B}"/>
+                  </a:ext>
+                </a:extLst>
+              </p:cNvPr>
+              <p:cNvSpPr txBox="1"/>
+              <p:nvPr/>
+            </p:nvSpPr>
+            <p:spPr>
+              <a:xfrm>
+                <a:off x="10999344" y="5815409"/>
+                <a:ext cx="1265415" cy="307777"/>
+              </a:xfrm>
+              <a:prstGeom prst="rect">
+                <a:avLst/>
+              </a:prstGeom>
+              <a:noFill/>
+            </p:spPr>
+            <p:txBody>
+              <a:bodyPr wrap="square" rtlCol="0">
+                <a:spAutoFit/>
+              </a:bodyPr>
+              <a:lstStyle/>
+              <a:p>
+                <a:r>
+                  <a:rPr lang="en-US" sz="1400" dirty="0">
+                    <a:highlight>
+                      <a:srgbClr val="FFFF00"/>
+                    </a:highlight>
+                  </a:rPr>
+                  <a:t>16 Addresses</a:t>
+                </a:r>
+              </a:p>
+            </p:txBody>
+          </p:sp>
+          <p:sp>
+            <p:nvSpPr>
+              <p:cNvPr id="3" name="TextBox 2">
+                <a:extLst>
+                  <a:ext uri="{FF2B5EF4-FFF2-40B4-BE49-F238E27FC236}">
+                    <a16:creationId xmlns:a16="http://schemas.microsoft.com/office/drawing/2014/main" id="{9EFEEC52-F670-4289-ABAE-15CE703E0A16}"/>
+                  </a:ext>
+                </a:extLst>
+              </p:cNvPr>
+              <p:cNvSpPr txBox="1"/>
+              <p:nvPr/>
+            </p:nvSpPr>
+            <p:spPr>
+              <a:xfrm>
+                <a:off x="7591425" y="3064069"/>
+                <a:ext cx="850531" cy="369332"/>
+              </a:xfrm>
+              <a:prstGeom prst="rect">
+                <a:avLst/>
+              </a:prstGeom>
+              <a:noFill/>
+            </p:spPr>
+            <p:txBody>
+              <a:bodyPr wrap="square" rtlCol="0">
+                <a:spAutoFit/>
+              </a:bodyPr>
+              <a:lstStyle/>
+              <a:p>
+                <a:r>
+                  <a:rPr lang="en-US" dirty="0"/>
+                  <a:t>N = 4</a:t>
+                </a:r>
+              </a:p>
+            </p:txBody>
+          </p:sp>
+        </p:grpSp>
+        <p:sp>
+          <p:nvSpPr>
+            <p:cNvPr id="6" name="Rectangle 5">
+              <a:extLst>
+                <a:ext uri="{FF2B5EF4-FFF2-40B4-BE49-F238E27FC236}">
+                  <a16:creationId xmlns:a16="http://schemas.microsoft.com/office/drawing/2014/main" id="{4DD327EB-A943-4794-98A4-882B4EDD63BD}"/>
+                </a:ext>
+              </a:extLst>
+            </p:cNvPr>
+            <p:cNvSpPr/>
+            <p:nvPr/>
+          </p:nvSpPr>
+          <p:spPr>
+            <a:xfrm>
+              <a:off x="7648575" y="6305550"/>
+              <a:ext cx="501650" cy="244475"/>
+            </a:xfrm>
+            <a:prstGeom prst="rect">
+              <a:avLst/>
+            </a:prstGeom>
+            <a:solidFill>
+              <a:schemeClr val="bg1"/>
+            </a:solidFill>
+            <a:ln>
+              <a:solidFill>
+                <a:schemeClr val="bg1"/>
+              </a:solidFill>
+            </a:ln>
+          </p:spPr>
+          <p:style>
+            <a:lnRef idx="2">
+              <a:schemeClr val="accent1">
+                <a:shade val="50000"/>
+              </a:schemeClr>
+            </a:lnRef>
+            <a:fillRef idx="1">
+              <a:schemeClr val="accent1"/>
+            </a:fillRef>
+            <a:effectRef idx="0">
+              <a:schemeClr val="accent1"/>
+            </a:effectRef>
+            <a:fontRef idx="minor">
+              <a:schemeClr val="lt1"/>
+            </a:fontRef>
+          </p:style>
+          <p:txBody>
+            <a:bodyPr rtlCol="0" anchor="ctr"/>
+            <a:lstStyle/>
+            <a:p>
+              <a:pPr algn="ctr"/>
+              <a:endParaRPr lang="en-US"/>
+            </a:p>
+          </p:txBody>
+        </p:sp>
+      </p:grpSp>
+      <p:sp>
+        <p:nvSpPr>
+          <p:cNvPr id="11" name="TextBox 10">
+            <a:extLst>
+              <a:ext uri="{FF2B5EF4-FFF2-40B4-BE49-F238E27FC236}">
+                <a16:creationId xmlns:a16="http://schemas.microsoft.com/office/drawing/2014/main" id="{B35DBC5C-B3F7-448A-94EA-E61120E2135B}"/>
               </a:ext>
             </a:extLst>
           </p:cNvPr>
@@ -5834,8 +6530,8 @@
         </p:nvSpPr>
         <p:spPr>
           <a:xfrm>
-            <a:off x="8931622" y="3839339"/>
-            <a:ext cx="289068" cy="307777"/>
+            <a:off x="8369197" y="2673802"/>
+            <a:ext cx="850531" cy="369332"/>
           </a:xfrm>
           <a:prstGeom prst="rect">
             <a:avLst/>
@@ -5849,537 +6545,8 @@
           <a:lstStyle/>
           <a:p>
             <a:r>
-              <a:rPr lang="en-US" sz="1400" dirty="0"/>
-              <a:t>1</a:t>
-            </a:r>
-          </a:p>
-        </p:txBody>
-      </p:sp>
-      <p:sp>
-        <p:nvSpPr>
-          <p:cNvPr id="12" name="TextBox 11">
-            <a:extLst>
-              <a:ext uri="{FF2B5EF4-FFF2-40B4-BE49-F238E27FC236}">
-                <a16:creationId xmlns:a16="http://schemas.microsoft.com/office/drawing/2014/main" id="{F3077A48-9996-4A03-AB14-60775ECD4867}"/>
-              </a:ext>
-            </a:extLst>
-          </p:cNvPr>
-          <p:cNvSpPr txBox="1"/>
-          <p:nvPr/>
-        </p:nvSpPr>
-        <p:spPr>
-          <a:xfrm>
-            <a:off x="9620863" y="3821908"/>
-            <a:ext cx="289068" cy="307777"/>
-          </a:xfrm>
-          <a:prstGeom prst="rect">
-            <a:avLst/>
-          </a:prstGeom>
-          <a:noFill/>
-        </p:spPr>
-        <p:txBody>
-          <a:bodyPr wrap="square" rtlCol="0">
-            <a:spAutoFit/>
-          </a:bodyPr>
-          <a:lstStyle/>
-          <a:p>
-            <a:r>
-              <a:rPr lang="en-US" sz="1400" dirty="0"/>
-              <a:t>2</a:t>
-            </a:r>
-          </a:p>
-        </p:txBody>
-      </p:sp>
-      <p:sp>
-        <p:nvSpPr>
-          <p:cNvPr id="14" name="TextBox 13">
-            <a:extLst>
-              <a:ext uri="{FF2B5EF4-FFF2-40B4-BE49-F238E27FC236}">
-                <a16:creationId xmlns:a16="http://schemas.microsoft.com/office/drawing/2014/main" id="{8F82306F-5D04-4730-9FBB-C83ACA798844}"/>
-              </a:ext>
-            </a:extLst>
-          </p:cNvPr>
-          <p:cNvSpPr txBox="1"/>
-          <p:nvPr/>
-        </p:nvSpPr>
-        <p:spPr>
-          <a:xfrm>
-            <a:off x="10310104" y="3821908"/>
-            <a:ext cx="289068" cy="307777"/>
-          </a:xfrm>
-          <a:prstGeom prst="rect">
-            <a:avLst/>
-          </a:prstGeom>
-          <a:noFill/>
-        </p:spPr>
-        <p:txBody>
-          <a:bodyPr wrap="square" rtlCol="0">
-            <a:spAutoFit/>
-          </a:bodyPr>
-          <a:lstStyle/>
-          <a:p>
-            <a:r>
-              <a:rPr lang="en-US" sz="1400" dirty="0"/>
-              <a:t>3</a:t>
-            </a:r>
-          </a:p>
-        </p:txBody>
-      </p:sp>
-      <p:sp>
-        <p:nvSpPr>
-          <p:cNvPr id="16" name="TextBox 15">
-            <a:extLst>
-              <a:ext uri="{FF2B5EF4-FFF2-40B4-BE49-F238E27FC236}">
-                <a16:creationId xmlns:a16="http://schemas.microsoft.com/office/drawing/2014/main" id="{D704D2F2-E98A-4098-96CD-022424D6D7CC}"/>
-              </a:ext>
-            </a:extLst>
-          </p:cNvPr>
-          <p:cNvSpPr txBox="1"/>
-          <p:nvPr/>
-        </p:nvSpPr>
-        <p:spPr>
-          <a:xfrm>
-            <a:off x="10999345" y="3816276"/>
-            <a:ext cx="289068" cy="307777"/>
-          </a:xfrm>
-          <a:prstGeom prst="rect">
-            <a:avLst/>
-          </a:prstGeom>
-          <a:noFill/>
-        </p:spPr>
-        <p:txBody>
-          <a:bodyPr wrap="square" rtlCol="0">
-            <a:spAutoFit/>
-          </a:bodyPr>
-          <a:lstStyle/>
-          <a:p>
-            <a:r>
-              <a:rPr lang="en-US" sz="1400" dirty="0"/>
-              <a:t>4</a:t>
-            </a:r>
-          </a:p>
-        </p:txBody>
-      </p:sp>
-      <p:sp>
-        <p:nvSpPr>
-          <p:cNvPr id="26" name="TextBox 25">
-            <a:extLst>
-              <a:ext uri="{FF2B5EF4-FFF2-40B4-BE49-F238E27FC236}">
-                <a16:creationId xmlns:a16="http://schemas.microsoft.com/office/drawing/2014/main" id="{6C298E57-7778-4162-B455-AB210615DC71}"/>
-              </a:ext>
-            </a:extLst>
-          </p:cNvPr>
-          <p:cNvSpPr txBox="1"/>
-          <p:nvPr/>
-        </p:nvSpPr>
-        <p:spPr>
-          <a:xfrm>
-            <a:off x="8931622" y="4463688"/>
-            <a:ext cx="289068" cy="307777"/>
-          </a:xfrm>
-          <a:prstGeom prst="rect">
-            <a:avLst/>
-          </a:prstGeom>
-          <a:noFill/>
-        </p:spPr>
-        <p:txBody>
-          <a:bodyPr wrap="square" rtlCol="0">
-            <a:spAutoFit/>
-          </a:bodyPr>
-          <a:lstStyle/>
-          <a:p>
-            <a:r>
-              <a:rPr lang="en-US" sz="1400" dirty="0"/>
-              <a:t>5</a:t>
-            </a:r>
-          </a:p>
-        </p:txBody>
-      </p:sp>
-      <p:sp>
-        <p:nvSpPr>
-          <p:cNvPr id="28" name="TextBox 27">
-            <a:extLst>
-              <a:ext uri="{FF2B5EF4-FFF2-40B4-BE49-F238E27FC236}">
-                <a16:creationId xmlns:a16="http://schemas.microsoft.com/office/drawing/2014/main" id="{68DCE277-65F8-4194-87C6-1387AA8FEF1E}"/>
-              </a:ext>
-            </a:extLst>
-          </p:cNvPr>
-          <p:cNvSpPr txBox="1"/>
-          <p:nvPr/>
-        </p:nvSpPr>
-        <p:spPr>
-          <a:xfrm>
-            <a:off x="9620863" y="4446257"/>
-            <a:ext cx="289068" cy="307777"/>
-          </a:xfrm>
-          <a:prstGeom prst="rect">
-            <a:avLst/>
-          </a:prstGeom>
-          <a:noFill/>
-        </p:spPr>
-        <p:txBody>
-          <a:bodyPr wrap="square" rtlCol="0">
-            <a:spAutoFit/>
-          </a:bodyPr>
-          <a:lstStyle/>
-          <a:p>
-            <a:r>
-              <a:rPr lang="en-US" sz="1400" dirty="0"/>
-              <a:t>6</a:t>
-            </a:r>
-          </a:p>
-        </p:txBody>
-      </p:sp>
-      <p:sp>
-        <p:nvSpPr>
-          <p:cNvPr id="30" name="TextBox 29">
-            <a:extLst>
-              <a:ext uri="{FF2B5EF4-FFF2-40B4-BE49-F238E27FC236}">
-                <a16:creationId xmlns:a16="http://schemas.microsoft.com/office/drawing/2014/main" id="{9D742DA9-8E23-427D-B909-7A203AAB6CC9}"/>
-              </a:ext>
-            </a:extLst>
-          </p:cNvPr>
-          <p:cNvSpPr txBox="1"/>
-          <p:nvPr/>
-        </p:nvSpPr>
-        <p:spPr>
-          <a:xfrm>
-            <a:off x="10310104" y="4446257"/>
-            <a:ext cx="289068" cy="307777"/>
-          </a:xfrm>
-          <a:prstGeom prst="rect">
-            <a:avLst/>
-          </a:prstGeom>
-          <a:noFill/>
-        </p:spPr>
-        <p:txBody>
-          <a:bodyPr wrap="square" rtlCol="0">
-            <a:spAutoFit/>
-          </a:bodyPr>
-          <a:lstStyle/>
-          <a:p>
-            <a:r>
-              <a:rPr lang="en-US" sz="1400" dirty="0"/>
-              <a:t>7</a:t>
-            </a:r>
-          </a:p>
-        </p:txBody>
-      </p:sp>
-      <p:sp>
-        <p:nvSpPr>
-          <p:cNvPr id="32" name="TextBox 31">
-            <a:extLst>
-              <a:ext uri="{FF2B5EF4-FFF2-40B4-BE49-F238E27FC236}">
-                <a16:creationId xmlns:a16="http://schemas.microsoft.com/office/drawing/2014/main" id="{6C647C04-EDD2-4D9A-ACC9-8492F9FF7EA4}"/>
-              </a:ext>
-            </a:extLst>
-          </p:cNvPr>
-          <p:cNvSpPr txBox="1"/>
-          <p:nvPr/>
-        </p:nvSpPr>
-        <p:spPr>
-          <a:xfrm>
-            <a:off x="10999345" y="4440625"/>
-            <a:ext cx="289068" cy="307777"/>
-          </a:xfrm>
-          <a:prstGeom prst="rect">
-            <a:avLst/>
-          </a:prstGeom>
-          <a:noFill/>
-        </p:spPr>
-        <p:txBody>
-          <a:bodyPr wrap="square" rtlCol="0">
-            <a:spAutoFit/>
-          </a:bodyPr>
-          <a:lstStyle/>
-          <a:p>
-            <a:r>
-              <a:rPr lang="en-US" sz="1400" dirty="0"/>
-              <a:t>8</a:t>
-            </a:r>
-          </a:p>
-        </p:txBody>
-      </p:sp>
-      <p:sp>
-        <p:nvSpPr>
-          <p:cNvPr id="34" name="TextBox 33">
-            <a:extLst>
-              <a:ext uri="{FF2B5EF4-FFF2-40B4-BE49-F238E27FC236}">
-                <a16:creationId xmlns:a16="http://schemas.microsoft.com/office/drawing/2014/main" id="{A34650F1-580E-4C2B-82A7-FD9613C1C5E0}"/>
-              </a:ext>
-            </a:extLst>
-          </p:cNvPr>
-          <p:cNvSpPr txBox="1"/>
-          <p:nvPr/>
-        </p:nvSpPr>
-        <p:spPr>
-          <a:xfrm>
-            <a:off x="8931622" y="5183811"/>
-            <a:ext cx="289068" cy="307777"/>
-          </a:xfrm>
-          <a:prstGeom prst="rect">
-            <a:avLst/>
-          </a:prstGeom>
-          <a:noFill/>
-        </p:spPr>
-        <p:txBody>
-          <a:bodyPr wrap="square" rtlCol="0">
-            <a:spAutoFit/>
-          </a:bodyPr>
-          <a:lstStyle/>
-          <a:p>
-            <a:r>
-              <a:rPr lang="en-US" sz="1400" dirty="0"/>
-              <a:t>9</a:t>
-            </a:r>
-          </a:p>
-        </p:txBody>
-      </p:sp>
-      <p:sp>
-        <p:nvSpPr>
-          <p:cNvPr id="36" name="TextBox 35">
-            <a:extLst>
-              <a:ext uri="{FF2B5EF4-FFF2-40B4-BE49-F238E27FC236}">
-                <a16:creationId xmlns:a16="http://schemas.microsoft.com/office/drawing/2014/main" id="{37ABC9AD-9576-4AAC-BE2D-589B6020278F}"/>
-              </a:ext>
-            </a:extLst>
-          </p:cNvPr>
-          <p:cNvSpPr txBox="1"/>
-          <p:nvPr/>
-        </p:nvSpPr>
-        <p:spPr>
-          <a:xfrm>
-            <a:off x="9620863" y="5166380"/>
-            <a:ext cx="390342" cy="307777"/>
-          </a:xfrm>
-          <a:prstGeom prst="rect">
-            <a:avLst/>
-          </a:prstGeom>
-          <a:noFill/>
-        </p:spPr>
-        <p:txBody>
-          <a:bodyPr wrap="square" rtlCol="0">
-            <a:spAutoFit/>
-          </a:bodyPr>
-          <a:lstStyle/>
-          <a:p>
-            <a:r>
-              <a:rPr lang="en-US" sz="1400" dirty="0"/>
-              <a:t>10</a:t>
-            </a:r>
-          </a:p>
-        </p:txBody>
-      </p:sp>
-      <p:sp>
-        <p:nvSpPr>
-          <p:cNvPr id="38" name="TextBox 37">
-            <a:extLst>
-              <a:ext uri="{FF2B5EF4-FFF2-40B4-BE49-F238E27FC236}">
-                <a16:creationId xmlns:a16="http://schemas.microsoft.com/office/drawing/2014/main" id="{07F337EE-7D7E-42D5-91A5-02AD82DADBDA}"/>
-              </a:ext>
-            </a:extLst>
-          </p:cNvPr>
-          <p:cNvSpPr txBox="1"/>
-          <p:nvPr/>
-        </p:nvSpPr>
-        <p:spPr>
-          <a:xfrm>
-            <a:off x="10310103" y="5166380"/>
-            <a:ext cx="390341" cy="307777"/>
-          </a:xfrm>
-          <a:prstGeom prst="rect">
-            <a:avLst/>
-          </a:prstGeom>
-          <a:noFill/>
-        </p:spPr>
-        <p:txBody>
-          <a:bodyPr wrap="square" rtlCol="0">
-            <a:spAutoFit/>
-          </a:bodyPr>
-          <a:lstStyle/>
-          <a:p>
-            <a:r>
-              <a:rPr lang="en-US" sz="1400" dirty="0"/>
-              <a:t>11</a:t>
-            </a:r>
-          </a:p>
-        </p:txBody>
-      </p:sp>
-      <p:sp>
-        <p:nvSpPr>
-          <p:cNvPr id="40" name="TextBox 39">
-            <a:extLst>
-              <a:ext uri="{FF2B5EF4-FFF2-40B4-BE49-F238E27FC236}">
-                <a16:creationId xmlns:a16="http://schemas.microsoft.com/office/drawing/2014/main" id="{9B06DA7F-2180-43A3-93A9-5CF19290A22F}"/>
-              </a:ext>
-            </a:extLst>
-          </p:cNvPr>
-          <p:cNvSpPr txBox="1"/>
-          <p:nvPr/>
-        </p:nvSpPr>
-        <p:spPr>
-          <a:xfrm>
-            <a:off x="10999345" y="5160748"/>
-            <a:ext cx="390340" cy="307777"/>
-          </a:xfrm>
-          <a:prstGeom prst="rect">
-            <a:avLst/>
-          </a:prstGeom>
-          <a:noFill/>
-        </p:spPr>
-        <p:txBody>
-          <a:bodyPr wrap="square" rtlCol="0">
-            <a:spAutoFit/>
-          </a:bodyPr>
-          <a:lstStyle/>
-          <a:p>
-            <a:r>
-              <a:rPr lang="en-US" sz="1400" dirty="0"/>
-              <a:t>12</a:t>
-            </a:r>
-          </a:p>
-        </p:txBody>
-      </p:sp>
-      <p:sp>
-        <p:nvSpPr>
-          <p:cNvPr id="42" name="TextBox 41">
-            <a:extLst>
-              <a:ext uri="{FF2B5EF4-FFF2-40B4-BE49-F238E27FC236}">
-                <a16:creationId xmlns:a16="http://schemas.microsoft.com/office/drawing/2014/main" id="{4D88E76D-B596-4C6C-964B-C43B9781F172}"/>
-              </a:ext>
-            </a:extLst>
-          </p:cNvPr>
-          <p:cNvSpPr txBox="1"/>
-          <p:nvPr/>
-        </p:nvSpPr>
-        <p:spPr>
-          <a:xfrm>
-            <a:off x="8931622" y="5838472"/>
-            <a:ext cx="430654" cy="307777"/>
-          </a:xfrm>
-          <a:prstGeom prst="rect">
-            <a:avLst/>
-          </a:prstGeom>
-          <a:noFill/>
-        </p:spPr>
-        <p:txBody>
-          <a:bodyPr wrap="square" rtlCol="0">
-            <a:spAutoFit/>
-          </a:bodyPr>
-          <a:lstStyle/>
-          <a:p>
-            <a:r>
-              <a:rPr lang="en-US" sz="1400" dirty="0"/>
-              <a:t>13</a:t>
-            </a:r>
-          </a:p>
-        </p:txBody>
-      </p:sp>
-      <p:sp>
-        <p:nvSpPr>
-          <p:cNvPr id="44" name="TextBox 43">
-            <a:extLst>
-              <a:ext uri="{FF2B5EF4-FFF2-40B4-BE49-F238E27FC236}">
-                <a16:creationId xmlns:a16="http://schemas.microsoft.com/office/drawing/2014/main" id="{A420DD1B-53BA-4757-96A3-289819A89515}"/>
-              </a:ext>
-            </a:extLst>
-          </p:cNvPr>
-          <p:cNvSpPr txBox="1"/>
-          <p:nvPr/>
-        </p:nvSpPr>
-        <p:spPr>
-          <a:xfrm>
-            <a:off x="9620862" y="5821041"/>
-            <a:ext cx="390341" cy="307777"/>
-          </a:xfrm>
-          <a:prstGeom prst="rect">
-            <a:avLst/>
-          </a:prstGeom>
-          <a:noFill/>
-        </p:spPr>
-        <p:txBody>
-          <a:bodyPr wrap="square" rtlCol="0">
-            <a:spAutoFit/>
-          </a:bodyPr>
-          <a:lstStyle/>
-          <a:p>
-            <a:r>
-              <a:rPr lang="en-US" sz="1400" dirty="0"/>
-              <a:t>14</a:t>
-            </a:r>
-          </a:p>
-        </p:txBody>
-      </p:sp>
-      <p:sp>
-        <p:nvSpPr>
-          <p:cNvPr id="46" name="TextBox 45">
-            <a:extLst>
-              <a:ext uri="{FF2B5EF4-FFF2-40B4-BE49-F238E27FC236}">
-                <a16:creationId xmlns:a16="http://schemas.microsoft.com/office/drawing/2014/main" id="{580F883F-3918-49CB-8F80-AFE074386E63}"/>
-              </a:ext>
-            </a:extLst>
-          </p:cNvPr>
-          <p:cNvSpPr txBox="1"/>
-          <p:nvPr/>
-        </p:nvSpPr>
-        <p:spPr>
-          <a:xfrm>
-            <a:off x="10348449" y="5838472"/>
-            <a:ext cx="390340" cy="307777"/>
-          </a:xfrm>
-          <a:prstGeom prst="rect">
-            <a:avLst/>
-          </a:prstGeom>
-          <a:noFill/>
-        </p:spPr>
-        <p:txBody>
-          <a:bodyPr wrap="square" rtlCol="0">
-            <a:spAutoFit/>
-          </a:bodyPr>
-          <a:lstStyle/>
-          <a:p>
-            <a:r>
-              <a:rPr lang="en-US" sz="1400" dirty="0"/>
-              <a:t>15</a:t>
-            </a:r>
-          </a:p>
-        </p:txBody>
-      </p:sp>
-      <p:sp>
-        <p:nvSpPr>
-          <p:cNvPr id="48" name="TextBox 47">
-            <a:extLst>
-              <a:ext uri="{FF2B5EF4-FFF2-40B4-BE49-F238E27FC236}">
-                <a16:creationId xmlns:a16="http://schemas.microsoft.com/office/drawing/2014/main" id="{F0AC2528-99E4-4B62-A747-B85A0D9CDE0B}"/>
-              </a:ext>
-            </a:extLst>
-          </p:cNvPr>
-          <p:cNvSpPr txBox="1"/>
-          <p:nvPr/>
-        </p:nvSpPr>
-        <p:spPr>
-          <a:xfrm>
-            <a:off x="10999344" y="5815409"/>
-            <a:ext cx="1265415" cy="307777"/>
-          </a:xfrm>
-          <a:prstGeom prst="rect">
-            <a:avLst/>
-          </a:prstGeom>
-          <a:noFill/>
-        </p:spPr>
-        <p:txBody>
-          <a:bodyPr wrap="square" rtlCol="0">
-            <a:spAutoFit/>
-          </a:bodyPr>
-          <a:lstStyle/>
-          <a:p>
-            <a:r>
-              <a:rPr lang="en-US" sz="1400" dirty="0">
-                <a:highlight>
-                  <a:srgbClr val="FFFF00"/>
-                </a:highlight>
-              </a:rPr>
-              <a:t>16 Addresses</a:t>
+              <a:rPr lang="en-US" dirty="0"/>
+              <a:t>M = 4</a:t>
             </a:r>
           </a:p>
         </p:txBody>
@@ -6416,36 +6583,6 @@
       </p:grpSpPr>
       <p:sp>
         <p:nvSpPr>
-          <p:cNvPr id="2" name="Title 1">
-            <a:extLst>
-              <a:ext uri="{FF2B5EF4-FFF2-40B4-BE49-F238E27FC236}">
-                <a16:creationId xmlns:a16="http://schemas.microsoft.com/office/drawing/2014/main" id="{225AA634-FC89-4BA3-9CDD-060B6FCF017A}"/>
-              </a:ext>
-            </a:extLst>
-          </p:cNvPr>
-          <p:cNvSpPr>
-            <a:spLocks noGrp="1"/>
-          </p:cNvSpPr>
-          <p:nvPr>
-            <p:ph type="title"/>
-          </p:nvPr>
-        </p:nvSpPr>
-        <p:spPr/>
-        <p:txBody>
-          <a:bodyPr>
-            <a:normAutofit/>
-          </a:bodyPr>
-          <a:lstStyle/>
-          <a:p>
-            <a:r>
-              <a:rPr lang="en-US" sz="4000" dirty="0"/>
-              <a:t>Design Step 3: Crossbar Data Switch (cont.)</a:t>
-            </a:r>
-          </a:p>
-        </p:txBody>
-      </p:sp>
-      <p:sp>
-        <p:nvSpPr>
           <p:cNvPr id="5" name="Content Placeholder 2">
             <a:extLst>
               <a:ext uri="{FF2B5EF4-FFF2-40B4-BE49-F238E27FC236}">
@@ -6484,10 +6621,10 @@
       </p:sp>
       <p:pic>
         <p:nvPicPr>
-          <p:cNvPr id="7" name="Picture 6" descr="A screenshot of a cell phone&#10;&#10;Description automatically generated">
-            <a:extLst>
-              <a:ext uri="{FF2B5EF4-FFF2-40B4-BE49-F238E27FC236}">
-                <a16:creationId xmlns:a16="http://schemas.microsoft.com/office/drawing/2014/main" id="{047064C4-2378-4476-B30D-5FE809530BE4}"/>
+          <p:cNvPr id="10" name="Picture 9" descr="A screenshot of a cell phone&#10;&#10;Description automatically generated">
+            <a:extLst>
+              <a:ext uri="{FF2B5EF4-FFF2-40B4-BE49-F238E27FC236}">
+                <a16:creationId xmlns:a16="http://schemas.microsoft.com/office/drawing/2014/main" id="{307EB480-A609-488C-93F0-4DE0284D8D30}"/>
               </a:ext>
             </a:extLst>
           </p:cNvPr>
@@ -6511,13 +6648,48 @@
         <p:spPr>
           <a:xfrm>
             <a:off x="1620106" y="2159163"/>
-            <a:ext cx="8951788" cy="4333712"/>
+            <a:ext cx="8951789" cy="4333712"/>
           </a:xfrm>
           <a:prstGeom prst="rect">
             <a:avLst/>
           </a:prstGeom>
         </p:spPr>
       </p:pic>
+      <p:sp>
+        <p:nvSpPr>
+          <p:cNvPr id="9" name="Title 1">
+            <a:extLst>
+              <a:ext uri="{FF2B5EF4-FFF2-40B4-BE49-F238E27FC236}">
+                <a16:creationId xmlns:a16="http://schemas.microsoft.com/office/drawing/2014/main" id="{4FB14F2A-38EA-4814-B683-606810247B3D}"/>
+              </a:ext>
+            </a:extLst>
+          </p:cNvPr>
+          <p:cNvSpPr>
+            <a:spLocks noGrp="1"/>
+          </p:cNvSpPr>
+          <p:nvPr>
+            <p:ph type="title"/>
+          </p:nvPr>
+        </p:nvSpPr>
+        <p:spPr>
+          <a:xfrm>
+            <a:off x="838200" y="365125"/>
+            <a:ext cx="10515600" cy="1325563"/>
+          </a:xfrm>
+        </p:spPr>
+        <p:txBody>
+          <a:bodyPr>
+            <a:normAutofit/>
+          </a:bodyPr>
+          <a:lstStyle/>
+          <a:p>
+            <a:r>
+              <a:rPr lang="en-US" sz="4000" dirty="0"/>
+              <a:t>Design Step 4: Crossbar Data Switch (cont.)</a:t>
+            </a:r>
+          </a:p>
+        </p:txBody>
+      </p:sp>
     </p:spTree>
     <p:extLst>
       <p:ext uri="{BB962C8B-B14F-4D97-AF65-F5344CB8AC3E}">
@@ -6578,7 +6750,7 @@
           <a:p>
             <a:r>
               <a:rPr lang="en-US" sz="4000" dirty="0"/>
-              <a:t>Design Step 4: Partial Reconfig Adder</a:t>
+              <a:t>Design Step 5: Partial Reconfig Adder</a:t>
             </a:r>
           </a:p>
         </p:txBody>
@@ -6619,13 +6791,40 @@
             </a:r>
           </a:p>
           <a:p>
+            <a:pPr>
+              <a:buFont typeface="Calibri" panose="020F0502020204030204" pitchFamily="34" charset="0"/>
+              <a:buChar char="⁻"/>
+            </a:pPr>
+            <a:endParaRPr lang="en-US" dirty="0"/>
+          </a:p>
+          <a:p>
+            <a:pPr>
+              <a:buFont typeface="Calibri" panose="020F0502020204030204" pitchFamily="34" charset="0"/>
+              <a:buChar char="⁻"/>
+            </a:pPr>
+            <a:r>
+              <a:rPr lang="en-US" dirty="0"/>
+              <a:t>2 Partition definitions were created:</a:t>
+            </a:r>
+          </a:p>
+          <a:p>
             <a:pPr lvl="1">
               <a:buFont typeface="Calibri" panose="020F0502020204030204" pitchFamily="34" charset="0"/>
               <a:buChar char="⁻"/>
             </a:pPr>
             <a:r>
               <a:rPr lang="en-US" dirty="0"/>
-              <a:t>For the adders, only 2 reconfigurable definitions were needed to handle the three data types. Integer and fixed point can operate with the same definition, but floating point needed a separate definition</a:t>
+              <a:t>Integer/Fixed Point Adder</a:t>
+            </a:r>
+          </a:p>
+          <a:p>
+            <a:pPr lvl="1">
+              <a:buFont typeface="Calibri" panose="020F0502020204030204" pitchFamily="34" charset="0"/>
+              <a:buChar char="⁻"/>
+            </a:pPr>
+            <a:r>
+              <a:rPr lang="en-US" dirty="0"/>
+              <a:t>Floating Point Adder</a:t>
             </a:r>
           </a:p>
           <a:p>
@@ -6642,7 +6841,7 @@
             </a:pPr>
             <a:r>
               <a:rPr lang="en-US" dirty="0"/>
-              <a:t>This </a:t>
+              <a:t>Floating point needs much more logic due to needing to check the magnitude difference, then normalize the values</a:t>
             </a:r>
           </a:p>
         </p:txBody>
@@ -6651,6 +6850,113 @@
     <p:extLst>
       <p:ext uri="{BB962C8B-B14F-4D97-AF65-F5344CB8AC3E}">
         <p14:creationId xmlns:p14="http://schemas.microsoft.com/office/powerpoint/2010/main" val="1167355032"/>
+      </p:ext>
+    </p:extLst>
+  </p:cSld>
+  <p:clrMapOvr>
+    <a:masterClrMapping/>
+  </p:clrMapOvr>
+</p:sld>
+</file>
+
+<file path=ppt/slides/slide18.xml><?xml version="1.0" encoding="utf-8"?>
+<p:sld xmlns:a="http://schemas.openxmlformats.org/drawingml/2006/main" xmlns:r="http://schemas.openxmlformats.org/officeDocument/2006/relationships" xmlns:p="http://schemas.openxmlformats.org/presentationml/2006/main">
+  <p:cSld>
+    <p:spTree>
+      <p:nvGrpSpPr>
+        <p:cNvPr id="1" name=""/>
+        <p:cNvGrpSpPr/>
+        <p:nvPr/>
+      </p:nvGrpSpPr>
+      <p:grpSpPr>
+        <a:xfrm>
+          <a:off x="0" y="0"/>
+          <a:ext cx="0" cy="0"/>
+          <a:chOff x="0" y="0"/>
+          <a:chExt cx="0" cy="0"/>
+        </a:xfrm>
+      </p:grpSpPr>
+      <p:sp>
+        <p:nvSpPr>
+          <p:cNvPr id="2" name="Title 1">
+            <a:extLst>
+              <a:ext uri="{FF2B5EF4-FFF2-40B4-BE49-F238E27FC236}">
+                <a16:creationId xmlns:a16="http://schemas.microsoft.com/office/drawing/2014/main" id="{225AA634-FC89-4BA3-9CDD-060B6FCF017A}"/>
+              </a:ext>
+            </a:extLst>
+          </p:cNvPr>
+          <p:cNvSpPr>
+            <a:spLocks noGrp="1"/>
+          </p:cNvSpPr>
+          <p:nvPr>
+            <p:ph type="title"/>
+          </p:nvPr>
+        </p:nvSpPr>
+        <p:spPr>
+          <a:xfrm>
+            <a:off x="838200" y="365125"/>
+            <a:ext cx="11125692" cy="1325563"/>
+          </a:xfrm>
+        </p:spPr>
+        <p:txBody>
+          <a:bodyPr>
+            <a:normAutofit/>
+          </a:bodyPr>
+          <a:lstStyle/>
+          <a:p>
+            <a:r>
+              <a:rPr lang="en-US" sz="4000" dirty="0"/>
+              <a:t>Design Step 6: Matrix Accelerator</a:t>
+            </a:r>
+          </a:p>
+        </p:txBody>
+      </p:sp>
+      <p:sp>
+        <p:nvSpPr>
+          <p:cNvPr id="4" name="Content Placeholder 2">
+            <a:extLst>
+              <a:ext uri="{FF2B5EF4-FFF2-40B4-BE49-F238E27FC236}">
+                <a16:creationId xmlns:a16="http://schemas.microsoft.com/office/drawing/2014/main" id="{447C0C06-9D20-4E1C-B34C-85D135AC9320}"/>
+              </a:ext>
+            </a:extLst>
+          </p:cNvPr>
+          <p:cNvSpPr>
+            <a:spLocks noGrp="1"/>
+          </p:cNvSpPr>
+          <p:nvPr>
+            <p:ph idx="1"/>
+          </p:nvPr>
+        </p:nvSpPr>
+        <p:spPr>
+          <a:xfrm>
+            <a:off x="838200" y="1690688"/>
+            <a:ext cx="10515600" cy="4486275"/>
+          </a:xfrm>
+        </p:spPr>
+        <p:txBody>
+          <a:bodyPr/>
+          <a:lstStyle/>
+          <a:p>
+            <a:pPr>
+              <a:buFont typeface="Calibri" panose="020F0502020204030204" pitchFamily="34" charset="0"/>
+              <a:buChar char="⁻"/>
+            </a:pPr>
+            <a:r>
+              <a:rPr lang="en-US" dirty="0"/>
+              <a:t>The devices were then packaged into a single IP, </a:t>
+            </a:r>
+            <a:r>
+              <a:rPr lang="en-US" dirty="0" err="1"/>
+              <a:t>matrixAcclerator</a:t>
+            </a:r>
+            <a:endParaRPr lang="en-US" dirty="0"/>
+          </a:p>
+        </p:txBody>
+      </p:sp>
+    </p:spTree>
+    <p:extLst>
+      <p:ext uri="{BB962C8B-B14F-4D97-AF65-F5344CB8AC3E}">
+        <p14:creationId xmlns:p14="http://schemas.microsoft.com/office/powerpoint/2010/main" val="1748149249"/>
       </p:ext>
     </p:extLst>
   </p:cSld>

--- a/Documents/8_24_2020.pptx
+++ b/Documents/8_24_2020.pptx
@@ -5,7 +5,7 @@
     <p:sldMasterId id="2147483648" r:id="rId1"/>
   </p:sldMasterIdLst>
   <p:notesMasterIdLst>
-    <p:notesMasterId r:id="rId20"/>
+    <p:notesMasterId r:id="rId31"/>
   </p:notesMasterIdLst>
   <p:sldIdLst>
     <p:sldId id="257" r:id="rId2"/>
@@ -26,6 +26,17 @@
     <p:sldId id="270" r:id="rId17"/>
     <p:sldId id="273" r:id="rId18"/>
     <p:sldId id="280" r:id="rId19"/>
+    <p:sldId id="281" r:id="rId20"/>
+    <p:sldId id="283" r:id="rId21"/>
+    <p:sldId id="284" r:id="rId22"/>
+    <p:sldId id="286" r:id="rId23"/>
+    <p:sldId id="282" r:id="rId24"/>
+    <p:sldId id="287" r:id="rId25"/>
+    <p:sldId id="290" r:id="rId26"/>
+    <p:sldId id="291" r:id="rId27"/>
+    <p:sldId id="292" r:id="rId28"/>
+    <p:sldId id="293" r:id="rId29"/>
+    <p:sldId id="294" r:id="rId30"/>
   </p:sldIdLst>
   <p:sldSz cx="12192000" cy="6858000"/>
   <p:notesSz cx="6858000" cy="9144000"/>
@@ -125,11 +136,106 @@
     </a:lvl9pPr>
   </p:defaultTextStyle>
   <p:extLst>
+    <p:ext uri="{521415D9-36F7-43E2-AB2F-B90AF26B5E84}">
+      <p14:sectionLst xmlns:p14="http://schemas.microsoft.com/office/powerpoint/2010/main">
+        <p14:section name="Default Section" id="{9E7160CC-9B5A-4946-80F7-650641D347E1}">
+          <p14:sldIdLst>
+            <p14:sldId id="257"/>
+            <p14:sldId id="258"/>
+            <p14:sldId id="259"/>
+            <p14:sldId id="261"/>
+            <p14:sldId id="263"/>
+            <p14:sldId id="262"/>
+            <p14:sldId id="265"/>
+            <p14:sldId id="266"/>
+            <p14:sldId id="267"/>
+            <p14:sldId id="274"/>
+            <p14:sldId id="276"/>
+            <p14:sldId id="278"/>
+            <p14:sldId id="275"/>
+            <p14:sldId id="269"/>
+            <p14:sldId id="271"/>
+            <p14:sldId id="270"/>
+            <p14:sldId id="273"/>
+            <p14:sldId id="280"/>
+            <p14:sldId id="281"/>
+            <p14:sldId id="283"/>
+            <p14:sldId id="284"/>
+            <p14:sldId id="286"/>
+            <p14:sldId id="282"/>
+            <p14:sldId id="287"/>
+            <p14:sldId id="290"/>
+            <p14:sldId id="291"/>
+            <p14:sldId id="292"/>
+            <p14:sldId id="293"/>
+            <p14:sldId id="294"/>
+          </p14:sldIdLst>
+        </p14:section>
+      </p14:sectionLst>
+    </p:ext>
     <p:ext uri="{EFAFB233-063F-42B5-8137-9DF3F51BA10A}">
       <p15:sldGuideLst xmlns:p15="http://schemas.microsoft.com/office/powerpoint/2012/main"/>
     </p:ext>
   </p:extLst>
 </p:presentation>
+</file>
+
+<file path=ppt/commentAuthors.xml><?xml version="1.0" encoding="utf-8"?>
+<p:cmAuthorLst xmlns:a="http://schemas.openxmlformats.org/drawingml/2006/main" xmlns:r="http://schemas.openxmlformats.org/officeDocument/2006/relationships" xmlns:p="http://schemas.openxmlformats.org/presentationml/2006/main">
+  <p:cmAuthor id="1" name="David Cain" initials="DC" lastIdx="2" clrIdx="0">
+    <p:extLst>
+      <p:ext uri="{19B8F6BF-5375-455C-9EA6-DF929625EA0E}">
+        <p15:presenceInfo xmlns:p15="http://schemas.microsoft.com/office/powerpoint/2012/main" userId="72f45ecd30b4ae9f" providerId="Windows Live"/>
+      </p:ext>
+    </p:extLst>
+  </p:cmAuthor>
+</p:cmAuthorLst>
+</file>
+
+<file path=ppt/comments/comment1.xml><?xml version="1.0" encoding="utf-8"?>
+<p:cmLst xmlns:a="http://schemas.openxmlformats.org/drawingml/2006/main" xmlns:r="http://schemas.openxmlformats.org/officeDocument/2006/relationships" xmlns:p="http://schemas.openxmlformats.org/presentationml/2006/main">
+  <p:cm authorId="1" dt="2020-08-24T18:49:09.633" idx="1">
+    <p:pos x="10" y="10"/>
+    <p:text/>
+    <p:extLst>
+      <p:ext uri="{C676402C-5697-4E1C-873F-D02D1690AC5C}">
+        <p15:threadingInfo xmlns:p15="http://schemas.microsoft.com/office/powerpoint/2012/main" timeZoneBias="300"/>
+      </p:ext>
+    </p:extLst>
+  </p:cm>
+  <p:cm authorId="1" dt="2020-08-24T18:49:10.351" idx="2">
+    <p:pos x="106" y="106"/>
+    <p:text/>
+    <p:extLst>
+      <p:ext uri="{C676402C-5697-4E1C-873F-D02D1690AC5C}">
+        <p15:threadingInfo xmlns:p15="http://schemas.microsoft.com/office/powerpoint/2012/main" timeZoneBias="300"/>
+      </p:ext>
+    </p:extLst>
+  </p:cm>
+</p:cmLst>
+</file>
+
+<file path=ppt/comments/comment2.xml><?xml version="1.0" encoding="utf-8"?>
+<p:cmLst xmlns:a="http://schemas.openxmlformats.org/drawingml/2006/main" xmlns:r="http://schemas.openxmlformats.org/officeDocument/2006/relationships" xmlns:p="http://schemas.openxmlformats.org/presentationml/2006/main">
+  <p:cm authorId="1" dt="2020-08-24T18:49:09.633" idx="1">
+    <p:pos x="10" y="10"/>
+    <p:text/>
+    <p:extLst>
+      <p:ext uri="{C676402C-5697-4E1C-873F-D02D1690AC5C}">
+        <p15:threadingInfo xmlns:p15="http://schemas.microsoft.com/office/powerpoint/2012/main" timeZoneBias="300"/>
+      </p:ext>
+    </p:extLst>
+  </p:cm>
+  <p:cm authorId="1" dt="2020-08-24T18:49:10.351" idx="2">
+    <p:pos x="106" y="106"/>
+    <p:text/>
+    <p:extLst>
+      <p:ext uri="{C676402C-5697-4E1C-873F-D02D1690AC5C}">
+        <p15:threadingInfo xmlns:p15="http://schemas.microsoft.com/office/powerpoint/2012/main" timeZoneBias="300"/>
+      </p:ext>
+    </p:extLst>
+  </p:cm>
+</p:cmLst>
 </file>
 
 <file path=ppt/notesMasters/notesMaster1.xml><?xml version="1.0" encoding="utf-8"?>
@@ -214,7 +320,7 @@
           <a:p>
             <a:fld id="{D403D8EA-6F56-4F99-9909-FDE052401F0A}" type="datetimeFigureOut">
               <a:rPr lang="en-US" smtClean="0"/>
-              <a:t>8/23/2020</a:t>
+              <a:t>8/26/2020</a:t>
             </a:fld>
             <a:endParaRPr lang="en-US"/>
           </a:p>
@@ -925,7 +1031,7 @@
           <a:p>
             <a:fld id="{54DDAE87-B9B2-4AB2-82B0-23EE33EE440A}" type="datetimeFigureOut">
               <a:rPr lang="en-US" smtClean="0"/>
-              <a:t>8/23/2020</a:t>
+              <a:t>8/26/2020</a:t>
             </a:fld>
             <a:endParaRPr lang="en-US"/>
           </a:p>
@@ -1123,7 +1229,7 @@
           <a:p>
             <a:fld id="{54DDAE87-B9B2-4AB2-82B0-23EE33EE440A}" type="datetimeFigureOut">
               <a:rPr lang="en-US" smtClean="0"/>
-              <a:t>8/23/2020</a:t>
+              <a:t>8/26/2020</a:t>
             </a:fld>
             <a:endParaRPr lang="en-US"/>
           </a:p>
@@ -1331,7 +1437,7 @@
           <a:p>
             <a:fld id="{54DDAE87-B9B2-4AB2-82B0-23EE33EE440A}" type="datetimeFigureOut">
               <a:rPr lang="en-US" smtClean="0"/>
-              <a:t>8/23/2020</a:t>
+              <a:t>8/26/2020</a:t>
             </a:fld>
             <a:endParaRPr lang="en-US"/>
           </a:p>
@@ -1529,7 +1635,7 @@
           <a:p>
             <a:fld id="{54DDAE87-B9B2-4AB2-82B0-23EE33EE440A}" type="datetimeFigureOut">
               <a:rPr lang="en-US" smtClean="0"/>
-              <a:t>8/23/2020</a:t>
+              <a:t>8/26/2020</a:t>
             </a:fld>
             <a:endParaRPr lang="en-US"/>
           </a:p>
@@ -1804,7 +1910,7 @@
           <a:p>
             <a:fld id="{54DDAE87-B9B2-4AB2-82B0-23EE33EE440A}" type="datetimeFigureOut">
               <a:rPr lang="en-US" smtClean="0"/>
-              <a:t>8/23/2020</a:t>
+              <a:t>8/26/2020</a:t>
             </a:fld>
             <a:endParaRPr lang="en-US"/>
           </a:p>
@@ -2069,7 +2175,7 @@
           <a:p>
             <a:fld id="{54DDAE87-B9B2-4AB2-82B0-23EE33EE440A}" type="datetimeFigureOut">
               <a:rPr lang="en-US" smtClean="0"/>
-              <a:t>8/23/2020</a:t>
+              <a:t>8/26/2020</a:t>
             </a:fld>
             <a:endParaRPr lang="en-US"/>
           </a:p>
@@ -2481,7 +2587,7 @@
           <a:p>
             <a:fld id="{54DDAE87-B9B2-4AB2-82B0-23EE33EE440A}" type="datetimeFigureOut">
               <a:rPr lang="en-US" smtClean="0"/>
-              <a:t>8/23/2020</a:t>
+              <a:t>8/26/2020</a:t>
             </a:fld>
             <a:endParaRPr lang="en-US"/>
           </a:p>
@@ -2622,7 +2728,7 @@
           <a:p>
             <a:fld id="{54DDAE87-B9B2-4AB2-82B0-23EE33EE440A}" type="datetimeFigureOut">
               <a:rPr lang="en-US" smtClean="0"/>
-              <a:t>8/23/2020</a:t>
+              <a:t>8/26/2020</a:t>
             </a:fld>
             <a:endParaRPr lang="en-US"/>
           </a:p>
@@ -2735,7 +2841,7 @@
           <a:p>
             <a:fld id="{54DDAE87-B9B2-4AB2-82B0-23EE33EE440A}" type="datetimeFigureOut">
               <a:rPr lang="en-US" smtClean="0"/>
-              <a:t>8/23/2020</a:t>
+              <a:t>8/26/2020</a:t>
             </a:fld>
             <a:endParaRPr lang="en-US"/>
           </a:p>
@@ -3046,7 +3152,7 @@
           <a:p>
             <a:fld id="{54DDAE87-B9B2-4AB2-82B0-23EE33EE440A}" type="datetimeFigureOut">
               <a:rPr lang="en-US" smtClean="0"/>
-              <a:t>8/23/2020</a:t>
+              <a:t>8/26/2020</a:t>
             </a:fld>
             <a:endParaRPr lang="en-US"/>
           </a:p>
@@ -3334,7 +3440,7 @@
           <a:p>
             <a:fld id="{54DDAE87-B9B2-4AB2-82B0-23EE33EE440A}" type="datetimeFigureOut">
               <a:rPr lang="en-US" smtClean="0"/>
-              <a:t>8/23/2020</a:t>
+              <a:t>8/26/2020</a:t>
             </a:fld>
             <a:endParaRPr lang="en-US"/>
           </a:p>
@@ -3575,7 +3681,7 @@
           <a:p>
             <a:fld id="{54DDAE87-B9B2-4AB2-82B0-23EE33EE440A}" type="datetimeFigureOut">
               <a:rPr lang="en-US" smtClean="0"/>
-              <a:t>8/23/2020</a:t>
+              <a:t>8/26/2020</a:t>
             </a:fld>
             <a:endParaRPr lang="en-US"/>
           </a:p>
@@ -4135,7 +4241,7 @@
           <a:p>
             <a:r>
               <a:rPr lang="en-US" sz="4000" dirty="0"/>
-              <a:t>Design Step 3: Enabling Partial Reconfig</a:t>
+              <a:t>Enabling Partial Reconfig</a:t>
             </a:r>
           </a:p>
         </p:txBody>
@@ -4173,7 +4279,7 @@
               <a:buChar char="⁻"/>
             </a:pPr>
             <a:r>
-              <a:rPr lang="en-US" dirty="0"/>
+              <a:rPr lang="en-US" sz="2400" dirty="0"/>
               <a:t>Using Vivado’s partial reconfiguration wizard, designs can become dynamically reconfigurable</a:t>
             </a:r>
           </a:p>
@@ -4405,8 +4511,8 @@
               <a:buChar char="⁻"/>
             </a:pPr>
             <a:r>
-              <a:rPr lang="en-US" dirty="0"/>
-              <a:t>This allows for partitions of the FPGA to be reprogrammed. Reprogrammable partitions a can be loaded with many module types for different functionality</a:t>
+              <a:rPr lang="en-US" sz="2400" dirty="0"/>
+              <a:t>This allows for partitions of the FPGA to be reprogrammed during runtime</a:t>
             </a:r>
           </a:p>
           <a:p>
@@ -4414,8 +4520,15 @@
               <a:buFont typeface="Calibri" panose="020F0502020204030204" pitchFamily="34" charset="0"/>
               <a:buChar char="⁻"/>
             </a:pPr>
-            <a:r>
-              <a:rPr lang="en-US" dirty="0"/>
+            <a:endParaRPr lang="en-US" sz="2400" dirty="0"/>
+          </a:p>
+          <a:p>
+            <a:pPr>
+              <a:buFont typeface="Calibri" panose="020F0502020204030204" pitchFamily="34" charset="0"/>
+              <a:buChar char="⁻"/>
+            </a:pPr>
+            <a:r>
+              <a:rPr lang="en-US" sz="2400" dirty="0"/>
               <a:t>When converting a project to partially reconfigurable, simulation is no longer available</a:t>
             </a:r>
           </a:p>
@@ -4425,7 +4538,7 @@
               <a:buChar char="⁻"/>
             </a:pPr>
             <a:r>
-              <a:rPr lang="en-US" dirty="0"/>
+              <a:rPr lang="en-US" sz="2000" dirty="0"/>
               <a:t>It is recommended to flesh out much of a PR design while static, then create a new project for a dynamic version</a:t>
             </a:r>
           </a:p>
@@ -4491,7 +4604,7 @@
           <a:p>
             <a:r>
               <a:rPr lang="en-US" sz="4000" dirty="0"/>
-              <a:t>Design Step 3: Enabling Partial Reconfig (cont.)</a:t>
+              <a:t>Enabling Partial Reconfig (cont.)</a:t>
             </a:r>
           </a:p>
         </p:txBody>
@@ -4685,7 +4798,7 @@
           <a:p>
             <a:r>
               <a:rPr lang="en-US" sz="4000" dirty="0"/>
-              <a:t>Design Step 3: Enabling Partial Reconfig (cont.)</a:t>
+              <a:t>Enabling Partial Reconfig (cont.)</a:t>
             </a:r>
           </a:p>
         </p:txBody>
@@ -4963,15 +5076,7 @@
             </a:pPr>
             <a:r>
               <a:rPr lang="en-US" sz="2400" dirty="0"/>
-              <a:t>This is a screenshot of the floorplan for a design with 8 pBlocks to enable 8 </a:t>
-            </a:r>
-            <a:r>
-              <a:rPr lang="en-US" sz="2400" dirty="0" err="1"/>
-              <a:t>seperate</a:t>
-            </a:r>
-            <a:r>
-              <a:rPr lang="en-US" sz="2400" dirty="0"/>
-              <a:t> reconfigurable multiply compute partitions.</a:t>
+              <a:t>This is a screenshot of the floorplan for a design with 8 pBlocks to enable 8 separate reconfigurable multiply compute partitions.</a:t>
             </a:r>
           </a:p>
         </p:txBody>
@@ -5282,7 +5387,7 @@
           <a:p>
             <a:r>
               <a:rPr lang="en-US" sz="4000" dirty="0"/>
-              <a:t>Design Step 3: Enabling Partial Reconfig (cont.)</a:t>
+              <a:t>Enabling Partial Reconfig (cont.)</a:t>
             </a:r>
           </a:p>
         </p:txBody>
@@ -5342,7 +5447,7 @@
           <a:p>
             <a:r>
               <a:rPr lang="en-US" sz="4000" dirty="0"/>
-              <a:t>Design Step 4: Crossbar Data Switch</a:t>
+              <a:t>Crossbar Data Switch</a:t>
             </a:r>
           </a:p>
         </p:txBody>
@@ -5370,7 +5475,9 @@
           </a:xfrm>
         </p:spPr>
         <p:txBody>
-          <a:bodyPr/>
+          <a:bodyPr>
+            <a:normAutofit/>
+          </a:bodyPr>
           <a:lstStyle/>
           <a:p>
             <a:pPr>
@@ -5378,7 +5485,7 @@
               <a:buChar char="⁻"/>
             </a:pPr>
             <a:r>
-              <a:rPr lang="en-US" dirty="0"/>
+              <a:rPr lang="en-US" sz="2400" dirty="0"/>
               <a:t>A data link was needed to interface many parallel multiplier outputs to many parallel adder devices</a:t>
             </a:r>
           </a:p>
@@ -5386,7 +5493,7 @@
             <a:pPr marL="0" indent="0">
               <a:buNone/>
             </a:pPr>
-            <a:endParaRPr lang="en-US" dirty="0"/>
+            <a:endParaRPr lang="en-US" sz="2400" dirty="0"/>
           </a:p>
           <a:p>
             <a:pPr>
@@ -5394,7 +5501,7 @@
               <a:buChar char="⁻"/>
             </a:pPr>
             <a:r>
-              <a:rPr lang="en-US" dirty="0"/>
+              <a:rPr lang="en-US" sz="2400" dirty="0"/>
               <a:t>A crossbar switch was designed and implemented. This switch allows for any input port to be selected and connected to any output port.</a:t>
             </a:r>
           </a:p>
@@ -5404,7 +5511,7 @@
               <a:buChar char="⁻"/>
             </a:pPr>
             <a:r>
-              <a:rPr lang="en-US" dirty="0"/>
+              <a:rPr lang="en-US" sz="2000" dirty="0"/>
               <a:t>The crossbar was written from scratch to have variable input and output port counts</a:t>
             </a:r>
           </a:p>
@@ -5414,7 +5521,7 @@
               <a:buChar char="⁻"/>
             </a:pPr>
             <a:r>
-              <a:rPr lang="en-US" dirty="0"/>
+              <a:rPr lang="en-US" sz="2000" dirty="0"/>
               <a:t>These ports are also variable bit length</a:t>
             </a:r>
           </a:p>
@@ -5423,7 +5530,7 @@
               <a:buFont typeface="Calibri" panose="020F0502020204030204" pitchFamily="34" charset="0"/>
               <a:buChar char="⁻"/>
             </a:pPr>
-            <a:endParaRPr lang="en-US" dirty="0"/>
+            <a:endParaRPr lang="en-US" sz="2400" dirty="0"/>
           </a:p>
           <a:p>
             <a:pPr>
@@ -5431,7 +5538,7 @@
               <a:buChar char="⁻"/>
             </a:pPr>
             <a:r>
-              <a:rPr lang="en-US" dirty="0"/>
+              <a:rPr lang="en-US" sz="2400" dirty="0"/>
               <a:t>The data connection is asynchronous, mimicking wire connections</a:t>
             </a:r>
           </a:p>
@@ -5492,7 +5599,7 @@
           <a:p>
             <a:r>
               <a:rPr lang="en-US" sz="4000" dirty="0"/>
-              <a:t>Design Step 4: Crossbar Data Switch (cont.)</a:t>
+              <a:t>Crossbar Data Switch (cont.)</a:t>
             </a:r>
           </a:p>
         </p:txBody>
@@ -6685,7 +6792,7 @@
           <a:p>
             <a:r>
               <a:rPr lang="en-US" sz="4000" dirty="0"/>
-              <a:t>Design Step 4: Crossbar Data Switch (cont.)</a:t>
+              <a:t>Crossbar Data Switch (cont.)</a:t>
             </a:r>
           </a:p>
         </p:txBody>
@@ -6750,7 +6857,7 @@
           <a:p>
             <a:r>
               <a:rPr lang="en-US" sz="4000" dirty="0"/>
-              <a:t>Design Step 5: Partial Reconfig Adder</a:t>
+              <a:t>Partial Reconfig Adder</a:t>
             </a:r>
           </a:p>
         </p:txBody>
@@ -6846,6 +6953,42 @@
           </a:p>
         </p:txBody>
       </p:sp>
+      <p:pic>
+        <p:nvPicPr>
+          <p:cNvPr id="4" name="Picture 3" descr="A close up of a logo&#10;&#10;Description automatically generated">
+            <a:extLst>
+              <a:ext uri="{FF2B5EF4-FFF2-40B4-BE49-F238E27FC236}">
+                <a16:creationId xmlns:a16="http://schemas.microsoft.com/office/drawing/2014/main" id="{66D6C413-DC96-4318-B820-7E372644DF53}"/>
+              </a:ext>
+            </a:extLst>
+          </p:cNvPr>
+          <p:cNvPicPr>
+            <a:picLocks noChangeAspect="1"/>
+          </p:cNvPicPr>
+          <p:nvPr/>
+        </p:nvPicPr>
+        <p:blipFill>
+          <a:blip r:embed="rId2">
+            <a:extLst>
+              <a:ext uri="{28A0092B-C50C-407E-A947-70E740481C1C}">
+                <a14:useLocalDpi xmlns:a14="http://schemas.microsoft.com/office/drawing/2010/main" val="0"/>
+              </a:ext>
+            </a:extLst>
+          </a:blip>
+          <a:stretch>
+            <a:fillRect/>
+          </a:stretch>
+        </p:blipFill>
+        <p:spPr>
+          <a:xfrm>
+            <a:off x="8496300" y="2898057"/>
+            <a:ext cx="2857500" cy="1695450"/>
+          </a:xfrm>
+          <a:prstGeom prst="rect">
+            <a:avLst/>
+          </a:prstGeom>
+        </p:spPr>
+      </p:pic>
     </p:spTree>
     <p:extLst>
       <p:ext uri="{BB962C8B-B14F-4D97-AF65-F5344CB8AC3E}">
@@ -6906,7 +7049,7 @@
           <a:p>
             <a:r>
               <a:rPr lang="en-US" sz="4000" dirty="0"/>
-              <a:t>Design Step 6: Matrix Accelerator</a:t>
+              <a:t>Matrix Accelerator</a:t>
             </a:r>
           </a:p>
         </p:txBody>
@@ -6934,7 +7077,9 @@
           </a:xfrm>
         </p:spPr>
         <p:txBody>
-          <a:bodyPr/>
+          <a:bodyPr>
+            <a:normAutofit/>
+          </a:bodyPr>
           <a:lstStyle/>
           <a:p>
             <a:pPr>
@@ -6942,14 +7087,700 @@
               <a:buChar char="⁻"/>
             </a:pPr>
             <a:r>
-              <a:rPr lang="en-US" dirty="0"/>
+              <a:rPr lang="en-US" sz="2000" dirty="0"/>
               <a:t>The devices were then packaged into a single IP, </a:t>
             </a:r>
             <a:r>
-              <a:rPr lang="en-US" dirty="0" err="1"/>
+              <a:rPr lang="en-US" sz="2000" dirty="0" err="1"/>
               <a:t>matrixAcclerator</a:t>
             </a:r>
-            <a:endParaRPr lang="en-US" dirty="0"/>
+            <a:endParaRPr lang="en-US" sz="2000" dirty="0"/>
+          </a:p>
+          <a:p>
+            <a:pPr lvl="1">
+              <a:buFont typeface="Calibri" panose="020F0502020204030204" pitchFamily="34" charset="0"/>
+              <a:buChar char="⁻"/>
+            </a:pPr>
+            <a:r>
+              <a:rPr lang="en-US" sz="1800" dirty="0"/>
+              <a:t>This device has a lot of I/O and no control logic</a:t>
+            </a:r>
+          </a:p>
+          <a:p>
+            <a:pPr lvl="1">
+              <a:buFont typeface="Calibri" panose="020F0502020204030204" pitchFamily="34" charset="0"/>
+              <a:buChar char="⁻"/>
+            </a:pPr>
+            <a:r>
+              <a:rPr lang="en-US" sz="1800" dirty="0"/>
+              <a:t>It must be packaged with a controller IP</a:t>
+            </a:r>
+          </a:p>
+          <a:p>
+            <a:pPr>
+              <a:buFont typeface="Calibri" panose="020F0502020204030204" pitchFamily="34" charset="0"/>
+              <a:buChar char="⁻"/>
+            </a:pPr>
+            <a:endParaRPr lang="en-US" sz="2400" dirty="0"/>
+          </a:p>
+        </p:txBody>
+      </p:sp>
+      <p:grpSp>
+        <p:nvGrpSpPr>
+          <p:cNvPr id="13" name="Group 12">
+            <a:extLst>
+              <a:ext uri="{FF2B5EF4-FFF2-40B4-BE49-F238E27FC236}">
+                <a16:creationId xmlns:a16="http://schemas.microsoft.com/office/drawing/2014/main" id="{1D2747B3-13A3-4FB1-A5FF-8367661F4A4F}"/>
+              </a:ext>
+            </a:extLst>
+          </p:cNvPr>
+          <p:cNvGrpSpPr/>
+          <p:nvPr/>
+        </p:nvGrpSpPr>
+        <p:grpSpPr>
+          <a:xfrm>
+            <a:off x="610092" y="3010943"/>
+            <a:ext cx="3267607" cy="3759739"/>
+            <a:chOff x="1180362" y="2493915"/>
+            <a:chExt cx="3267607" cy="3759739"/>
+          </a:xfrm>
+        </p:grpSpPr>
+        <p:grpSp>
+          <p:nvGrpSpPr>
+            <p:cNvPr id="11" name="Group 10">
+              <a:extLst>
+                <a:ext uri="{FF2B5EF4-FFF2-40B4-BE49-F238E27FC236}">
+                  <a16:creationId xmlns:a16="http://schemas.microsoft.com/office/drawing/2014/main" id="{8CE28DEF-3538-40EB-B145-2BD02BD124EC}"/>
+                </a:ext>
+              </a:extLst>
+            </p:cNvPr>
+            <p:cNvGrpSpPr/>
+            <p:nvPr/>
+          </p:nvGrpSpPr>
+          <p:grpSpPr>
+            <a:xfrm>
+              <a:off x="1180362" y="2789288"/>
+              <a:ext cx="3267607" cy="3464366"/>
+              <a:chOff x="4462196" y="2712597"/>
+              <a:chExt cx="3267607" cy="3464366"/>
+            </a:xfrm>
+          </p:grpSpPr>
+          <p:pic>
+            <p:nvPicPr>
+              <p:cNvPr id="7" name="Picture 6" descr="A screenshot of a cell phone&#10;&#10;Description automatically generated">
+                <a:extLst>
+                  <a:ext uri="{FF2B5EF4-FFF2-40B4-BE49-F238E27FC236}">
+                    <a16:creationId xmlns:a16="http://schemas.microsoft.com/office/drawing/2014/main" id="{8CBD1D8D-D4F0-409E-9570-48C748F5A023}"/>
+                  </a:ext>
+                </a:extLst>
+              </p:cNvPr>
+              <p:cNvPicPr>
+                <a:picLocks noChangeAspect="1"/>
+              </p:cNvPicPr>
+              <p:nvPr/>
+            </p:nvPicPr>
+            <p:blipFill>
+              <a:blip r:embed="rId2">
+                <a:extLst>
+                  <a:ext uri="{28A0092B-C50C-407E-A947-70E740481C1C}">
+                    <a14:useLocalDpi xmlns:a14="http://schemas.microsoft.com/office/drawing/2010/main" val="0"/>
+                  </a:ext>
+                </a:extLst>
+              </a:blip>
+              <a:stretch>
+                <a:fillRect/>
+              </a:stretch>
+            </p:blipFill>
+            <p:spPr>
+              <a:xfrm>
+                <a:off x="4462196" y="2712597"/>
+                <a:ext cx="3267607" cy="3464366"/>
+              </a:xfrm>
+              <a:prstGeom prst="rect">
+                <a:avLst/>
+              </a:prstGeom>
+            </p:spPr>
+          </p:pic>
+          <p:sp>
+            <p:nvSpPr>
+              <p:cNvPr id="8" name="Rectangle 7">
+                <a:extLst>
+                  <a:ext uri="{FF2B5EF4-FFF2-40B4-BE49-F238E27FC236}">
+                    <a16:creationId xmlns:a16="http://schemas.microsoft.com/office/drawing/2014/main" id="{21298A9F-A2C4-48C0-ADEE-29611AE70146}"/>
+                  </a:ext>
+                </a:extLst>
+              </p:cNvPr>
+              <p:cNvSpPr/>
+              <p:nvPr/>
+            </p:nvSpPr>
+            <p:spPr>
+              <a:xfrm>
+                <a:off x="4713586" y="3504216"/>
+                <a:ext cx="2300748" cy="1398147"/>
+              </a:xfrm>
+              <a:prstGeom prst="rect">
+                <a:avLst/>
+              </a:prstGeom>
+              <a:noFill/>
+              <a:ln w="38100">
+                <a:solidFill>
+                  <a:srgbClr val="C00000"/>
+                </a:solidFill>
+              </a:ln>
+            </p:spPr>
+            <p:style>
+              <a:lnRef idx="2">
+                <a:schemeClr val="accent1">
+                  <a:shade val="50000"/>
+                </a:schemeClr>
+              </a:lnRef>
+              <a:fillRef idx="1">
+                <a:schemeClr val="accent1"/>
+              </a:fillRef>
+              <a:effectRef idx="0">
+                <a:schemeClr val="accent1"/>
+              </a:effectRef>
+              <a:fontRef idx="minor">
+                <a:schemeClr val="lt1"/>
+              </a:fontRef>
+            </p:style>
+            <p:txBody>
+              <a:bodyPr rtlCol="0" anchor="ctr"/>
+              <a:lstStyle/>
+              <a:p>
+                <a:pPr algn="ctr"/>
+                <a:endParaRPr lang="en-US"/>
+              </a:p>
+            </p:txBody>
+          </p:sp>
+          <p:cxnSp>
+            <p:nvCxnSpPr>
+              <p:cNvPr id="10" name="Straight Connector 9">
+                <a:extLst>
+                  <a:ext uri="{FF2B5EF4-FFF2-40B4-BE49-F238E27FC236}">
+                    <a16:creationId xmlns:a16="http://schemas.microsoft.com/office/drawing/2014/main" id="{D4AA6F63-8519-4FC1-B2AC-923CB410D4BB}"/>
+                  </a:ext>
+                </a:extLst>
+              </p:cNvPr>
+              <p:cNvCxnSpPr/>
+              <p:nvPr/>
+            </p:nvCxnSpPr>
+            <p:spPr>
+              <a:xfrm>
+                <a:off x="4984955" y="3634003"/>
+                <a:ext cx="914400" cy="0"/>
+              </a:xfrm>
+              <a:prstGeom prst="line">
+                <a:avLst/>
+              </a:prstGeom>
+              <a:ln w="19050">
+                <a:solidFill>
+                  <a:srgbClr val="00B050"/>
+                </a:solidFill>
+              </a:ln>
+            </p:spPr>
+            <p:style>
+              <a:lnRef idx="1">
+                <a:schemeClr val="accent1"/>
+              </a:lnRef>
+              <a:fillRef idx="0">
+                <a:schemeClr val="accent1"/>
+              </a:fillRef>
+              <a:effectRef idx="0">
+                <a:schemeClr val="accent1"/>
+              </a:effectRef>
+              <a:fontRef idx="minor">
+                <a:schemeClr val="tx1"/>
+              </a:fontRef>
+            </p:style>
+          </p:cxnSp>
+        </p:grpSp>
+        <p:sp>
+          <p:nvSpPr>
+            <p:cNvPr id="12" name="TextBox 11">
+              <a:extLst>
+                <a:ext uri="{FF2B5EF4-FFF2-40B4-BE49-F238E27FC236}">
+                  <a16:creationId xmlns:a16="http://schemas.microsoft.com/office/drawing/2014/main" id="{EE1DE886-B194-4093-8B95-749D87F2663C}"/>
+                </a:ext>
+              </a:extLst>
+            </p:cNvPr>
+            <p:cNvSpPr txBox="1"/>
+            <p:nvPr/>
+          </p:nvSpPr>
+          <p:spPr>
+            <a:xfrm>
+              <a:off x="1821108" y="2493915"/>
+              <a:ext cx="1592826" cy="369332"/>
+            </a:xfrm>
+            <a:prstGeom prst="rect">
+              <a:avLst/>
+            </a:prstGeom>
+            <a:noFill/>
+          </p:spPr>
+          <p:txBody>
+            <a:bodyPr wrap="square" rtlCol="0">
+              <a:spAutoFit/>
+            </a:bodyPr>
+            <a:lstStyle/>
+            <a:p>
+              <a:r>
+                <a:rPr lang="en-US" dirty="0"/>
+                <a:t>Hierarchy View</a:t>
+              </a:r>
+            </a:p>
+          </p:txBody>
+        </p:sp>
+      </p:grpSp>
+      <p:grpSp>
+        <p:nvGrpSpPr>
+          <p:cNvPr id="24" name="Group 23">
+            <a:extLst>
+              <a:ext uri="{FF2B5EF4-FFF2-40B4-BE49-F238E27FC236}">
+                <a16:creationId xmlns:a16="http://schemas.microsoft.com/office/drawing/2014/main" id="{809B4F04-A2DA-4D81-8448-B544C8ADDFDE}"/>
+              </a:ext>
+            </a:extLst>
+          </p:cNvPr>
+          <p:cNvGrpSpPr/>
+          <p:nvPr/>
+        </p:nvGrpSpPr>
+        <p:grpSpPr>
+          <a:xfrm>
+            <a:off x="4618898" y="3010943"/>
+            <a:ext cx="7468697" cy="3588287"/>
+            <a:chOff x="4158902" y="2747925"/>
+            <a:chExt cx="8033098" cy="3415562"/>
+          </a:xfrm>
+        </p:grpSpPr>
+        <p:pic>
+          <p:nvPicPr>
+            <p:cNvPr id="21" name="Picture 20" descr="A picture containing screenshot&#10;&#10;Description automatically generated">
+              <a:extLst>
+                <a:ext uri="{FF2B5EF4-FFF2-40B4-BE49-F238E27FC236}">
+                  <a16:creationId xmlns:a16="http://schemas.microsoft.com/office/drawing/2014/main" id="{2C767C14-C72E-44F0-9F04-24983CF54E13}"/>
+                </a:ext>
+              </a:extLst>
+            </p:cNvPr>
+            <p:cNvPicPr>
+              <a:picLocks noChangeAspect="1"/>
+            </p:cNvPicPr>
+            <p:nvPr/>
+          </p:nvPicPr>
+          <p:blipFill>
+            <a:blip r:embed="rId3">
+              <a:extLst>
+                <a:ext uri="{28A0092B-C50C-407E-A947-70E740481C1C}">
+                  <a14:useLocalDpi xmlns:a14="http://schemas.microsoft.com/office/drawing/2010/main" val="0"/>
+                </a:ext>
+              </a:extLst>
+            </a:blip>
+            <a:stretch>
+              <a:fillRect/>
+            </a:stretch>
+          </p:blipFill>
+          <p:spPr>
+            <a:xfrm>
+              <a:off x="4158902" y="3357897"/>
+              <a:ext cx="8033098" cy="2805590"/>
+            </a:xfrm>
+            <a:prstGeom prst="rect">
+              <a:avLst/>
+            </a:prstGeom>
+          </p:spPr>
+        </p:pic>
+        <p:sp>
+          <p:nvSpPr>
+            <p:cNvPr id="23" name="TextBox 22">
+              <a:extLst>
+                <a:ext uri="{FF2B5EF4-FFF2-40B4-BE49-F238E27FC236}">
+                  <a16:creationId xmlns:a16="http://schemas.microsoft.com/office/drawing/2014/main" id="{882828E8-34A9-4971-9631-E480F1E16036}"/>
+                </a:ext>
+              </a:extLst>
+            </p:cNvPr>
+            <p:cNvSpPr txBox="1"/>
+            <p:nvPr/>
+          </p:nvSpPr>
+          <p:spPr>
+            <a:xfrm>
+              <a:off x="7291709" y="2747925"/>
+              <a:ext cx="1767481" cy="351554"/>
+            </a:xfrm>
+            <a:prstGeom prst="rect">
+              <a:avLst/>
+            </a:prstGeom>
+            <a:noFill/>
+          </p:spPr>
+          <p:txBody>
+            <a:bodyPr wrap="square" rtlCol="0">
+              <a:spAutoFit/>
+            </a:bodyPr>
+            <a:lstStyle/>
+            <a:p>
+              <a:r>
+                <a:rPr lang="en-US" dirty="0"/>
+                <a:t>Block Diagram</a:t>
+              </a:r>
+            </a:p>
+          </p:txBody>
+        </p:sp>
+      </p:grpSp>
+      <p:cxnSp>
+        <p:nvCxnSpPr>
+          <p:cNvPr id="5" name="Straight Arrow Connector 4">
+            <a:extLst>
+              <a:ext uri="{FF2B5EF4-FFF2-40B4-BE49-F238E27FC236}">
+                <a16:creationId xmlns:a16="http://schemas.microsoft.com/office/drawing/2014/main" id="{E0C8F10D-CD6C-4EFF-838A-FCF7CA2818EF}"/>
+              </a:ext>
+            </a:extLst>
+          </p:cNvPr>
+          <p:cNvCxnSpPr>
+            <a:cxnSpLocks/>
+          </p:cNvCxnSpPr>
+          <p:nvPr/>
+        </p:nvCxnSpPr>
+        <p:spPr>
+          <a:xfrm flipH="1">
+            <a:off x="2162176" y="4486275"/>
+            <a:ext cx="1209913" cy="0"/>
+          </a:xfrm>
+          <a:prstGeom prst="straightConnector1">
+            <a:avLst/>
+          </a:prstGeom>
+          <a:ln w="38100">
+            <a:solidFill>
+              <a:srgbClr val="00B0F0"/>
+            </a:solidFill>
+            <a:tailEnd type="triangle"/>
+          </a:ln>
+        </p:spPr>
+        <p:style>
+          <a:lnRef idx="1">
+            <a:schemeClr val="accent1"/>
+          </a:lnRef>
+          <a:fillRef idx="0">
+            <a:schemeClr val="accent1"/>
+          </a:fillRef>
+          <a:effectRef idx="0">
+            <a:schemeClr val="accent1"/>
+          </a:effectRef>
+          <a:fontRef idx="minor">
+            <a:schemeClr val="tx1"/>
+          </a:fontRef>
+        </p:style>
+      </p:cxnSp>
+      <p:cxnSp>
+        <p:nvCxnSpPr>
+          <p:cNvPr id="20" name="Straight Arrow Connector 19">
+            <a:extLst>
+              <a:ext uri="{FF2B5EF4-FFF2-40B4-BE49-F238E27FC236}">
+                <a16:creationId xmlns:a16="http://schemas.microsoft.com/office/drawing/2014/main" id="{8D6FAC47-5FE1-432E-A78A-4546927C9ACE}"/>
+              </a:ext>
+            </a:extLst>
+          </p:cNvPr>
+          <p:cNvCxnSpPr>
+            <a:cxnSpLocks/>
+          </p:cNvCxnSpPr>
+          <p:nvPr/>
+        </p:nvCxnSpPr>
+        <p:spPr>
+          <a:xfrm flipH="1">
+            <a:off x="3127377" y="4645025"/>
+            <a:ext cx="244712" cy="1"/>
+          </a:xfrm>
+          <a:prstGeom prst="straightConnector1">
+            <a:avLst/>
+          </a:prstGeom>
+          <a:ln w="38100">
+            <a:solidFill>
+              <a:srgbClr val="00B0F0"/>
+            </a:solidFill>
+            <a:tailEnd type="triangle"/>
+          </a:ln>
+        </p:spPr>
+        <p:style>
+          <a:lnRef idx="1">
+            <a:schemeClr val="accent1"/>
+          </a:lnRef>
+          <a:fillRef idx="0">
+            <a:schemeClr val="accent1"/>
+          </a:fillRef>
+          <a:effectRef idx="0">
+            <a:schemeClr val="accent1"/>
+          </a:effectRef>
+          <a:fontRef idx="minor">
+            <a:schemeClr val="tx1"/>
+          </a:fontRef>
+        </p:style>
+      </p:cxnSp>
+      <p:cxnSp>
+        <p:nvCxnSpPr>
+          <p:cNvPr id="22" name="Straight Arrow Connector 21">
+            <a:extLst>
+              <a:ext uri="{FF2B5EF4-FFF2-40B4-BE49-F238E27FC236}">
+                <a16:creationId xmlns:a16="http://schemas.microsoft.com/office/drawing/2014/main" id="{53302CA2-9CB4-43A3-B2F5-D3437DDA8C8D}"/>
+              </a:ext>
+            </a:extLst>
+          </p:cNvPr>
+          <p:cNvCxnSpPr>
+            <a:cxnSpLocks/>
+          </p:cNvCxnSpPr>
+          <p:nvPr/>
+        </p:nvCxnSpPr>
+        <p:spPr>
+          <a:xfrm flipH="1">
+            <a:off x="3127377" y="4803774"/>
+            <a:ext cx="244712" cy="0"/>
+          </a:xfrm>
+          <a:prstGeom prst="straightConnector1">
+            <a:avLst/>
+          </a:prstGeom>
+          <a:ln w="38100">
+            <a:solidFill>
+              <a:srgbClr val="00B0F0"/>
+            </a:solidFill>
+            <a:tailEnd type="triangle"/>
+          </a:ln>
+        </p:spPr>
+        <p:style>
+          <a:lnRef idx="1">
+            <a:schemeClr val="accent1"/>
+          </a:lnRef>
+          <a:fillRef idx="0">
+            <a:schemeClr val="accent1"/>
+          </a:fillRef>
+          <a:effectRef idx="0">
+            <a:schemeClr val="accent1"/>
+          </a:effectRef>
+          <a:fontRef idx="minor">
+            <a:schemeClr val="tx1"/>
+          </a:fontRef>
+        </p:style>
+      </p:cxnSp>
+      <p:cxnSp>
+        <p:nvCxnSpPr>
+          <p:cNvPr id="25" name="Straight Arrow Connector 24">
+            <a:extLst>
+              <a:ext uri="{FF2B5EF4-FFF2-40B4-BE49-F238E27FC236}">
+                <a16:creationId xmlns:a16="http://schemas.microsoft.com/office/drawing/2014/main" id="{9B71EF66-AA8D-4373-87D3-B8929C0FF196}"/>
+              </a:ext>
+            </a:extLst>
+          </p:cNvPr>
+          <p:cNvCxnSpPr>
+            <a:cxnSpLocks/>
+          </p:cNvCxnSpPr>
+          <p:nvPr/>
+        </p:nvCxnSpPr>
+        <p:spPr>
+          <a:xfrm flipH="1">
+            <a:off x="3127377" y="4962523"/>
+            <a:ext cx="244712" cy="0"/>
+          </a:xfrm>
+          <a:prstGeom prst="straightConnector1">
+            <a:avLst/>
+          </a:prstGeom>
+          <a:ln w="38100">
+            <a:solidFill>
+              <a:srgbClr val="00B0F0"/>
+            </a:solidFill>
+            <a:tailEnd type="triangle"/>
+          </a:ln>
+        </p:spPr>
+        <p:style>
+          <a:lnRef idx="1">
+            <a:schemeClr val="accent1"/>
+          </a:lnRef>
+          <a:fillRef idx="0">
+            <a:schemeClr val="accent1"/>
+          </a:fillRef>
+          <a:effectRef idx="0">
+            <a:schemeClr val="accent1"/>
+          </a:effectRef>
+          <a:fontRef idx="minor">
+            <a:schemeClr val="tx1"/>
+          </a:fontRef>
+        </p:style>
+      </p:cxnSp>
+      <p:cxnSp>
+        <p:nvCxnSpPr>
+          <p:cNvPr id="30" name="Straight Arrow Connector 29">
+            <a:extLst>
+              <a:ext uri="{FF2B5EF4-FFF2-40B4-BE49-F238E27FC236}">
+                <a16:creationId xmlns:a16="http://schemas.microsoft.com/office/drawing/2014/main" id="{02801525-56B7-48D6-87A2-7A58117BB01A}"/>
+              </a:ext>
+            </a:extLst>
+          </p:cNvPr>
+          <p:cNvCxnSpPr>
+            <a:cxnSpLocks/>
+          </p:cNvCxnSpPr>
+          <p:nvPr/>
+        </p:nvCxnSpPr>
+        <p:spPr>
+          <a:xfrm flipH="1">
+            <a:off x="2636717" y="5108573"/>
+            <a:ext cx="735372" cy="0"/>
+          </a:xfrm>
+          <a:prstGeom prst="straightConnector1">
+            <a:avLst/>
+          </a:prstGeom>
+          <a:ln w="38100">
+            <a:solidFill>
+              <a:srgbClr val="00B0F0"/>
+            </a:solidFill>
+            <a:tailEnd type="triangle"/>
+          </a:ln>
+        </p:spPr>
+        <p:style>
+          <a:lnRef idx="1">
+            <a:schemeClr val="accent1"/>
+          </a:lnRef>
+          <a:fillRef idx="0">
+            <a:schemeClr val="accent1"/>
+          </a:fillRef>
+          <a:effectRef idx="0">
+            <a:schemeClr val="accent1"/>
+          </a:effectRef>
+          <a:fontRef idx="minor">
+            <a:schemeClr val="tx1"/>
+          </a:fontRef>
+        </p:style>
+      </p:cxnSp>
+      <p:cxnSp>
+        <p:nvCxnSpPr>
+          <p:cNvPr id="32" name="Straight Arrow Connector 31">
+            <a:extLst>
+              <a:ext uri="{FF2B5EF4-FFF2-40B4-BE49-F238E27FC236}">
+                <a16:creationId xmlns:a16="http://schemas.microsoft.com/office/drawing/2014/main" id="{3AF3A623-D1AF-4284-8BDB-B933798A19BB}"/>
+              </a:ext>
+            </a:extLst>
+          </p:cNvPr>
+          <p:cNvCxnSpPr>
+            <a:cxnSpLocks/>
+          </p:cNvCxnSpPr>
+          <p:nvPr/>
+        </p:nvCxnSpPr>
+        <p:spPr>
+          <a:xfrm flipH="1">
+            <a:off x="2636717" y="5264148"/>
+            <a:ext cx="735372" cy="0"/>
+          </a:xfrm>
+          <a:prstGeom prst="straightConnector1">
+            <a:avLst/>
+          </a:prstGeom>
+          <a:ln w="38100">
+            <a:solidFill>
+              <a:srgbClr val="00B0F0"/>
+            </a:solidFill>
+            <a:tailEnd type="triangle"/>
+          </a:ln>
+        </p:spPr>
+        <p:style>
+          <a:lnRef idx="1">
+            <a:schemeClr val="accent1"/>
+          </a:lnRef>
+          <a:fillRef idx="0">
+            <a:schemeClr val="accent1"/>
+          </a:fillRef>
+          <a:effectRef idx="0">
+            <a:schemeClr val="accent1"/>
+          </a:effectRef>
+          <a:fontRef idx="minor">
+            <a:schemeClr val="tx1"/>
+          </a:fontRef>
+        </p:style>
+      </p:cxnSp>
+      <p:cxnSp>
+        <p:nvCxnSpPr>
+          <p:cNvPr id="33" name="Straight Arrow Connector 32">
+            <a:extLst>
+              <a:ext uri="{FF2B5EF4-FFF2-40B4-BE49-F238E27FC236}">
+                <a16:creationId xmlns:a16="http://schemas.microsoft.com/office/drawing/2014/main" id="{7851927F-62A1-4EC2-B2FF-4C1D99449780}"/>
+              </a:ext>
+            </a:extLst>
+          </p:cNvPr>
+          <p:cNvCxnSpPr>
+            <a:cxnSpLocks/>
+          </p:cNvCxnSpPr>
+          <p:nvPr/>
+        </p:nvCxnSpPr>
+        <p:spPr>
+          <a:xfrm flipH="1">
+            <a:off x="2636717" y="5410198"/>
+            <a:ext cx="735372" cy="0"/>
+          </a:xfrm>
+          <a:prstGeom prst="straightConnector1">
+            <a:avLst/>
+          </a:prstGeom>
+          <a:ln w="38100">
+            <a:solidFill>
+              <a:srgbClr val="00B0F0"/>
+            </a:solidFill>
+            <a:tailEnd type="triangle"/>
+          </a:ln>
+        </p:spPr>
+        <p:style>
+          <a:lnRef idx="1">
+            <a:schemeClr val="accent1"/>
+          </a:lnRef>
+          <a:fillRef idx="0">
+            <a:schemeClr val="accent1"/>
+          </a:fillRef>
+          <a:effectRef idx="0">
+            <a:schemeClr val="accent1"/>
+          </a:effectRef>
+          <a:fontRef idx="minor">
+            <a:schemeClr val="tx1"/>
+          </a:fontRef>
+        </p:style>
+      </p:cxnSp>
+      <p:sp>
+        <p:nvSpPr>
+          <p:cNvPr id="34" name="TextBox 33">
+            <a:extLst>
+              <a:ext uri="{FF2B5EF4-FFF2-40B4-BE49-F238E27FC236}">
+                <a16:creationId xmlns:a16="http://schemas.microsoft.com/office/drawing/2014/main" id="{C8250DF5-CEAA-44AC-850A-17FDAD034D53}"/>
+              </a:ext>
+            </a:extLst>
+          </p:cNvPr>
+          <p:cNvSpPr txBox="1"/>
+          <p:nvPr/>
+        </p:nvSpPr>
+        <p:spPr>
+          <a:xfrm>
+            <a:off x="3426688" y="4700913"/>
+            <a:ext cx="902021" cy="523220"/>
+          </a:xfrm>
+          <a:prstGeom prst="rect">
+            <a:avLst/>
+          </a:prstGeom>
+          <a:ln>
+            <a:solidFill>
+              <a:srgbClr val="00B0F0"/>
+            </a:solidFill>
+          </a:ln>
+        </p:spPr>
+        <p:style>
+          <a:lnRef idx="2">
+            <a:schemeClr val="dk1"/>
+          </a:lnRef>
+          <a:fillRef idx="1">
+            <a:schemeClr val="lt1"/>
+          </a:fillRef>
+          <a:effectRef idx="0">
+            <a:schemeClr val="dk1"/>
+          </a:effectRef>
+          <a:fontRef idx="minor">
+            <a:schemeClr val="dk1"/>
+          </a:fontRef>
+        </p:style>
+        <p:txBody>
+          <a:bodyPr vert="horz" wrap="square" rtlCol="0">
+            <a:spAutoFit/>
+          </a:bodyPr>
+          <a:lstStyle/>
+          <a:p>
+            <a:r>
+              <a:rPr lang="en-US" sz="1400" dirty="0"/>
+              <a:t>Dynamic Partitions</a:t>
+            </a:r>
           </a:p>
         </p:txBody>
       </p:sp>
@@ -6957,6 +7788,428 @@
     <p:extLst>
       <p:ext uri="{BB962C8B-B14F-4D97-AF65-F5344CB8AC3E}">
         <p14:creationId xmlns:p14="http://schemas.microsoft.com/office/powerpoint/2010/main" val="1748149249"/>
+      </p:ext>
+    </p:extLst>
+  </p:cSld>
+  <p:clrMapOvr>
+    <a:masterClrMapping/>
+  </p:clrMapOvr>
+</p:sld>
+</file>
+
+<file path=ppt/slides/slide19.xml><?xml version="1.0" encoding="utf-8"?>
+<p:sld xmlns:a="http://schemas.openxmlformats.org/drawingml/2006/main" xmlns:r="http://schemas.openxmlformats.org/officeDocument/2006/relationships" xmlns:p="http://schemas.openxmlformats.org/presentationml/2006/main">
+  <p:cSld>
+    <p:spTree>
+      <p:nvGrpSpPr>
+        <p:cNvPr id="1" name=""/>
+        <p:cNvGrpSpPr/>
+        <p:nvPr/>
+      </p:nvGrpSpPr>
+      <p:grpSpPr>
+        <a:xfrm>
+          <a:off x="0" y="0"/>
+          <a:ext cx="0" cy="0"/>
+          <a:chOff x="0" y="0"/>
+          <a:chExt cx="0" cy="0"/>
+        </a:xfrm>
+      </p:grpSpPr>
+      <p:sp>
+        <p:nvSpPr>
+          <p:cNvPr id="3" name="Content Placeholder 2">
+            <a:extLst>
+              <a:ext uri="{FF2B5EF4-FFF2-40B4-BE49-F238E27FC236}">
+                <a16:creationId xmlns:a16="http://schemas.microsoft.com/office/drawing/2014/main" id="{04E04D39-310D-4FB0-9FCB-B06A293B5C76}"/>
+              </a:ext>
+            </a:extLst>
+          </p:cNvPr>
+          <p:cNvSpPr>
+            <a:spLocks noGrp="1"/>
+          </p:cNvSpPr>
+          <p:nvPr>
+            <p:ph idx="1"/>
+          </p:nvPr>
+        </p:nvSpPr>
+        <p:spPr>
+          <a:xfrm>
+            <a:off x="838200" y="1690688"/>
+            <a:ext cx="5680587" cy="4098136"/>
+          </a:xfrm>
+        </p:spPr>
+        <p:txBody>
+          <a:bodyPr>
+            <a:normAutofit lnSpcReduction="10000"/>
+          </a:bodyPr>
+          <a:lstStyle/>
+          <a:p>
+            <a:pPr>
+              <a:buFont typeface="Calibri" panose="020F0502020204030204" pitchFamily="34" charset="0"/>
+              <a:buChar char="⁻"/>
+            </a:pPr>
+            <a:r>
+              <a:rPr lang="en-US" dirty="0"/>
+              <a:t>The matrix accelerator needs much data input</a:t>
+            </a:r>
+          </a:p>
+          <a:p>
+            <a:pPr lvl="1">
+              <a:buFont typeface="Calibri" panose="020F0502020204030204" pitchFamily="34" charset="0"/>
+              <a:buChar char="⁻"/>
+            </a:pPr>
+            <a:r>
+              <a:rPr lang="en-US" dirty="0"/>
+              <a:t>Data Set (Image Values)</a:t>
+            </a:r>
+          </a:p>
+          <a:p>
+            <a:pPr lvl="1">
+              <a:buFont typeface="Calibri" panose="020F0502020204030204" pitchFamily="34" charset="0"/>
+              <a:buChar char="⁻"/>
+            </a:pPr>
+            <a:r>
+              <a:rPr lang="en-US" dirty="0"/>
+              <a:t>Filter Set (Filter Values)</a:t>
+            </a:r>
+          </a:p>
+          <a:p>
+            <a:pPr marL="0" indent="0">
+              <a:buNone/>
+            </a:pPr>
+            <a:endParaRPr lang="en-US" dirty="0"/>
+          </a:p>
+          <a:p>
+            <a:pPr>
+              <a:buFont typeface="Calibri" panose="020F0502020204030204" pitchFamily="34" charset="0"/>
+              <a:buChar char="⁻"/>
+            </a:pPr>
+            <a:r>
+              <a:rPr lang="en-US" dirty="0"/>
+              <a:t>Since the program will not be able to load values and operate the FPGA properly, an asynchronous FIFO buffer was used to input a data set across the clock domains</a:t>
+            </a:r>
+          </a:p>
+          <a:p>
+            <a:pPr>
+              <a:buFont typeface="Calibri" panose="020F0502020204030204" pitchFamily="34" charset="0"/>
+              <a:buChar char="⁻"/>
+            </a:pPr>
+            <a:endParaRPr lang="en-US" dirty="0"/>
+          </a:p>
+        </p:txBody>
+      </p:sp>
+      <p:sp>
+        <p:nvSpPr>
+          <p:cNvPr id="4" name="Title 1">
+            <a:extLst>
+              <a:ext uri="{FF2B5EF4-FFF2-40B4-BE49-F238E27FC236}">
+                <a16:creationId xmlns:a16="http://schemas.microsoft.com/office/drawing/2014/main" id="{BF5A0F3B-FC60-42A1-9E17-D2A87EE1832B}"/>
+              </a:ext>
+            </a:extLst>
+          </p:cNvPr>
+          <p:cNvSpPr>
+            <a:spLocks noGrp="1"/>
+          </p:cNvSpPr>
+          <p:nvPr>
+            <p:ph type="title"/>
+          </p:nvPr>
+        </p:nvSpPr>
+        <p:spPr>
+          <a:xfrm>
+            <a:off x="838200" y="365125"/>
+            <a:ext cx="11125692" cy="1325563"/>
+          </a:xfrm>
+        </p:spPr>
+        <p:txBody>
+          <a:bodyPr>
+            <a:normAutofit/>
+          </a:bodyPr>
+          <a:lstStyle/>
+          <a:p>
+            <a:r>
+              <a:rPr lang="en-US" sz="4000" dirty="0"/>
+              <a:t>Asynchronous FIFO</a:t>
+            </a:r>
+          </a:p>
+        </p:txBody>
+      </p:sp>
+      <p:pic>
+        <p:nvPicPr>
+          <p:cNvPr id="8" name="Picture 7" descr="A close up of a map&#10;&#10;Description automatically generated">
+            <a:extLst>
+              <a:ext uri="{FF2B5EF4-FFF2-40B4-BE49-F238E27FC236}">
+                <a16:creationId xmlns:a16="http://schemas.microsoft.com/office/drawing/2014/main" id="{ED7264CA-0016-4BCD-8C77-4E0144E2939C}"/>
+              </a:ext>
+            </a:extLst>
+          </p:cNvPr>
+          <p:cNvPicPr>
+            <a:picLocks noChangeAspect="1"/>
+          </p:cNvPicPr>
+          <p:nvPr/>
+        </p:nvPicPr>
+        <p:blipFill>
+          <a:blip r:embed="rId2">
+            <a:extLst>
+              <a:ext uri="{28A0092B-C50C-407E-A947-70E740481C1C}">
+                <a14:useLocalDpi xmlns:a14="http://schemas.microsoft.com/office/drawing/2010/main" val="0"/>
+              </a:ext>
+            </a:extLst>
+          </a:blip>
+          <a:stretch>
+            <a:fillRect/>
+          </a:stretch>
+        </p:blipFill>
+        <p:spPr>
+          <a:xfrm>
+            <a:off x="7338797" y="1433041"/>
+            <a:ext cx="4015003" cy="3097782"/>
+          </a:xfrm>
+          <a:prstGeom prst="rect">
+            <a:avLst/>
+          </a:prstGeom>
+        </p:spPr>
+      </p:pic>
+      <p:sp>
+        <p:nvSpPr>
+          <p:cNvPr id="9" name="Content Placeholder 2">
+            <a:extLst>
+              <a:ext uri="{FF2B5EF4-FFF2-40B4-BE49-F238E27FC236}">
+                <a16:creationId xmlns:a16="http://schemas.microsoft.com/office/drawing/2014/main" id="{33397A4C-5E8F-4A10-8759-5B38C227BBCF}"/>
+              </a:ext>
+            </a:extLst>
+          </p:cNvPr>
+          <p:cNvSpPr txBox="1">
+            <a:spLocks/>
+          </p:cNvSpPr>
+          <p:nvPr/>
+        </p:nvSpPr>
+        <p:spPr>
+          <a:xfrm>
+            <a:off x="990600" y="4844907"/>
+            <a:ext cx="6095999" cy="1484456"/>
+          </a:xfrm>
+          <a:prstGeom prst="rect">
+            <a:avLst/>
+          </a:prstGeom>
+        </p:spPr>
+        <p:txBody>
+          <a:bodyPr vert="horz" lIns="91440" tIns="45720" rIns="91440" bIns="45720" rtlCol="0">
+            <a:normAutofit/>
+          </a:bodyPr>
+          <a:lstStyle>
+            <a:lvl1pPr marL="228600" indent="-228600" algn="l" defTabSz="914400" rtl="0" eaLnBrk="1" latinLnBrk="0" hangingPunct="1">
+              <a:lnSpc>
+                <a:spcPct val="90000"/>
+              </a:lnSpc>
+              <a:spcBef>
+                <a:spcPts val="1000"/>
+              </a:spcBef>
+              <a:buFont typeface="Arial" panose="020B0604020202020204" pitchFamily="34" charset="0"/>
+              <a:buChar char="•"/>
+              <a:defRPr sz="2800" kern="1200">
+                <a:solidFill>
+                  <a:schemeClr val="tx1"/>
+                </a:solidFill>
+                <a:latin typeface="+mn-lt"/>
+                <a:ea typeface="+mn-ea"/>
+                <a:cs typeface="+mn-cs"/>
+              </a:defRPr>
+            </a:lvl1pPr>
+            <a:lvl2pPr marL="685800" indent="-228600" algn="l" defTabSz="914400" rtl="0" eaLnBrk="1" latinLnBrk="0" hangingPunct="1">
+              <a:lnSpc>
+                <a:spcPct val="90000"/>
+              </a:lnSpc>
+              <a:spcBef>
+                <a:spcPts val="500"/>
+              </a:spcBef>
+              <a:buFont typeface="Arial" panose="020B0604020202020204" pitchFamily="34" charset="0"/>
+              <a:buChar char="•"/>
+              <a:defRPr sz="2400" kern="1200">
+                <a:solidFill>
+                  <a:schemeClr val="tx1"/>
+                </a:solidFill>
+                <a:latin typeface="+mn-lt"/>
+                <a:ea typeface="+mn-ea"/>
+                <a:cs typeface="+mn-cs"/>
+              </a:defRPr>
+            </a:lvl2pPr>
+            <a:lvl3pPr marL="1143000" indent="-228600" algn="l" defTabSz="914400" rtl="0" eaLnBrk="1" latinLnBrk="0" hangingPunct="1">
+              <a:lnSpc>
+                <a:spcPct val="90000"/>
+              </a:lnSpc>
+              <a:spcBef>
+                <a:spcPts val="500"/>
+              </a:spcBef>
+              <a:buFont typeface="Arial" panose="020B0604020202020204" pitchFamily="34" charset="0"/>
+              <a:buChar char="•"/>
+              <a:defRPr sz="2000" kern="1200">
+                <a:solidFill>
+                  <a:schemeClr val="tx1"/>
+                </a:solidFill>
+                <a:latin typeface="+mn-lt"/>
+                <a:ea typeface="+mn-ea"/>
+                <a:cs typeface="+mn-cs"/>
+              </a:defRPr>
+            </a:lvl3pPr>
+            <a:lvl4pPr marL="1600200" indent="-228600" algn="l" defTabSz="914400" rtl="0" eaLnBrk="1" latinLnBrk="0" hangingPunct="1">
+              <a:lnSpc>
+                <a:spcPct val="90000"/>
+              </a:lnSpc>
+              <a:spcBef>
+                <a:spcPts val="500"/>
+              </a:spcBef>
+              <a:buFont typeface="Arial" panose="020B0604020202020204" pitchFamily="34" charset="0"/>
+              <a:buChar char="•"/>
+              <a:defRPr sz="1800" kern="1200">
+                <a:solidFill>
+                  <a:schemeClr val="tx1"/>
+                </a:solidFill>
+                <a:latin typeface="+mn-lt"/>
+                <a:ea typeface="+mn-ea"/>
+                <a:cs typeface="+mn-cs"/>
+              </a:defRPr>
+            </a:lvl4pPr>
+            <a:lvl5pPr marL="2057400" indent="-228600" algn="l" defTabSz="914400" rtl="0" eaLnBrk="1" latinLnBrk="0" hangingPunct="1">
+              <a:lnSpc>
+                <a:spcPct val="90000"/>
+              </a:lnSpc>
+              <a:spcBef>
+                <a:spcPts val="500"/>
+              </a:spcBef>
+              <a:buFont typeface="Arial" panose="020B0604020202020204" pitchFamily="34" charset="0"/>
+              <a:buChar char="•"/>
+              <a:defRPr sz="1800" kern="1200">
+                <a:solidFill>
+                  <a:schemeClr val="tx1"/>
+                </a:solidFill>
+                <a:latin typeface="+mn-lt"/>
+                <a:ea typeface="+mn-ea"/>
+                <a:cs typeface="+mn-cs"/>
+              </a:defRPr>
+            </a:lvl5pPr>
+            <a:lvl6pPr marL="2514600" indent="-228600" algn="l" defTabSz="914400" rtl="0" eaLnBrk="1" latinLnBrk="0" hangingPunct="1">
+              <a:lnSpc>
+                <a:spcPct val="90000"/>
+              </a:lnSpc>
+              <a:spcBef>
+                <a:spcPts val="500"/>
+              </a:spcBef>
+              <a:buFont typeface="Arial" panose="020B0604020202020204" pitchFamily="34" charset="0"/>
+              <a:buChar char="•"/>
+              <a:defRPr sz="1800" kern="1200">
+                <a:solidFill>
+                  <a:schemeClr val="tx1"/>
+                </a:solidFill>
+                <a:latin typeface="+mn-lt"/>
+                <a:ea typeface="+mn-ea"/>
+                <a:cs typeface="+mn-cs"/>
+              </a:defRPr>
+            </a:lvl6pPr>
+            <a:lvl7pPr marL="2971800" indent="-228600" algn="l" defTabSz="914400" rtl="0" eaLnBrk="1" latinLnBrk="0" hangingPunct="1">
+              <a:lnSpc>
+                <a:spcPct val="90000"/>
+              </a:lnSpc>
+              <a:spcBef>
+                <a:spcPts val="500"/>
+              </a:spcBef>
+              <a:buFont typeface="Arial" panose="020B0604020202020204" pitchFamily="34" charset="0"/>
+              <a:buChar char="•"/>
+              <a:defRPr sz="1800" kern="1200">
+                <a:solidFill>
+                  <a:schemeClr val="tx1"/>
+                </a:solidFill>
+                <a:latin typeface="+mn-lt"/>
+                <a:ea typeface="+mn-ea"/>
+                <a:cs typeface="+mn-cs"/>
+              </a:defRPr>
+            </a:lvl7pPr>
+            <a:lvl8pPr marL="3429000" indent="-228600" algn="l" defTabSz="914400" rtl="0" eaLnBrk="1" latinLnBrk="0" hangingPunct="1">
+              <a:lnSpc>
+                <a:spcPct val="90000"/>
+              </a:lnSpc>
+              <a:spcBef>
+                <a:spcPts val="500"/>
+              </a:spcBef>
+              <a:buFont typeface="Arial" panose="020B0604020202020204" pitchFamily="34" charset="0"/>
+              <a:buChar char="•"/>
+              <a:defRPr sz="1800" kern="1200">
+                <a:solidFill>
+                  <a:schemeClr val="tx1"/>
+                </a:solidFill>
+                <a:latin typeface="+mn-lt"/>
+                <a:ea typeface="+mn-ea"/>
+                <a:cs typeface="+mn-cs"/>
+              </a:defRPr>
+            </a:lvl8pPr>
+            <a:lvl9pPr marL="3886200" indent="-228600" algn="l" defTabSz="914400" rtl="0" eaLnBrk="1" latinLnBrk="0" hangingPunct="1">
+              <a:lnSpc>
+                <a:spcPct val="90000"/>
+              </a:lnSpc>
+              <a:spcBef>
+                <a:spcPts val="500"/>
+              </a:spcBef>
+              <a:buFont typeface="Arial" panose="020B0604020202020204" pitchFamily="34" charset="0"/>
+              <a:buChar char="•"/>
+              <a:defRPr sz="1800" kern="1200">
+                <a:solidFill>
+                  <a:schemeClr val="tx1"/>
+                </a:solidFill>
+                <a:latin typeface="+mn-lt"/>
+                <a:ea typeface="+mn-ea"/>
+                <a:cs typeface="+mn-cs"/>
+              </a:defRPr>
+            </a:lvl9pPr>
+          </a:lstStyle>
+          <a:p>
+            <a:pPr>
+              <a:buFont typeface="Calibri" panose="020F0502020204030204" pitchFamily="34" charset="0"/>
+              <a:buChar char="⁻"/>
+            </a:pPr>
+            <a:endParaRPr lang="en-US" dirty="0"/>
+          </a:p>
+        </p:txBody>
+      </p:sp>
+      <p:pic>
+        <p:nvPicPr>
+          <p:cNvPr id="11" name="Graphic 10">
+            <a:extLst>
+              <a:ext uri="{FF2B5EF4-FFF2-40B4-BE49-F238E27FC236}">
+                <a16:creationId xmlns:a16="http://schemas.microsoft.com/office/drawing/2014/main" id="{2095D9CB-449B-485F-A5D5-1C9669ED97DC}"/>
+              </a:ext>
+            </a:extLst>
+          </p:cNvPr>
+          <p:cNvPicPr>
+            <a:picLocks noChangeAspect="1"/>
+          </p:cNvPicPr>
+          <p:nvPr/>
+        </p:nvPicPr>
+        <p:blipFill>
+          <a:blip r:embed="rId3">
+            <a:extLst>
+              <a:ext uri="{28A0092B-C50C-407E-A947-70E740481C1C}">
+                <a14:useLocalDpi xmlns:a14="http://schemas.microsoft.com/office/drawing/2010/main" val="0"/>
+              </a:ext>
+              <a:ext uri="{96DAC541-7B7A-43D3-8B79-37D633B846F1}">
+                <asvg:svgBlip xmlns:asvg="http://schemas.microsoft.com/office/drawing/2016/SVG/main" r:embed="rId4"/>
+              </a:ext>
+            </a:extLst>
+          </a:blip>
+          <a:stretch>
+            <a:fillRect/>
+          </a:stretch>
+        </p:blipFill>
+        <p:spPr>
+          <a:xfrm>
+            <a:off x="7702099" y="4530823"/>
+            <a:ext cx="3651701" cy="2112623"/>
+          </a:xfrm>
+          <a:prstGeom prst="rect">
+            <a:avLst/>
+          </a:prstGeom>
+        </p:spPr>
+      </p:pic>
+    </p:spTree>
+    <p:extLst>
+      <p:ext uri="{BB962C8B-B14F-4D97-AF65-F5344CB8AC3E}">
+        <p14:creationId xmlns:p14="http://schemas.microsoft.com/office/powerpoint/2010/main" val="4081919051"/>
       </p:ext>
     </p:extLst>
   </p:cSld>
@@ -7119,7 +8372,17 @@
             </a:pPr>
             <a:r>
               <a:rPr lang="en-US" sz="2400" dirty="0"/>
-              <a:t>This is a computationally intensive process used in many image processing algorithms that can benefit from hardware acceleration</a:t>
+              <a:t>This is a computationally intensive step used in many image processing algorithms </a:t>
+            </a:r>
+          </a:p>
+          <a:p>
+            <a:pPr marL="800100" lvl="1" indent="-342900">
+              <a:buFont typeface="Calibri" panose="020F0502020204030204" pitchFamily="34" charset="0"/>
+              <a:buChar char="⁻"/>
+            </a:pPr>
+            <a:r>
+              <a:rPr lang="en-US" sz="2400" dirty="0"/>
+              <a:t>can benefit from hardware acceleration</a:t>
             </a:r>
           </a:p>
           <a:p>
@@ -7189,6 +8452,1971 @@
     <p:extLst>
       <p:ext uri="{BB962C8B-B14F-4D97-AF65-F5344CB8AC3E}">
         <p14:creationId xmlns:p14="http://schemas.microsoft.com/office/powerpoint/2010/main" val="2108001970"/>
+      </p:ext>
+    </p:extLst>
+  </p:cSld>
+  <p:clrMapOvr>
+    <a:masterClrMapping/>
+  </p:clrMapOvr>
+</p:sld>
+</file>
+
+<file path=ppt/slides/slide20.xml><?xml version="1.0" encoding="utf-8"?>
+<p:sld xmlns:a="http://schemas.openxmlformats.org/drawingml/2006/main" xmlns:r="http://schemas.openxmlformats.org/officeDocument/2006/relationships" xmlns:p="http://schemas.openxmlformats.org/presentationml/2006/main">
+  <p:cSld>
+    <p:spTree>
+      <p:nvGrpSpPr>
+        <p:cNvPr id="1" name=""/>
+        <p:cNvGrpSpPr/>
+        <p:nvPr/>
+      </p:nvGrpSpPr>
+      <p:grpSpPr>
+        <a:xfrm>
+          <a:off x="0" y="0"/>
+          <a:ext cx="0" cy="0"/>
+          <a:chOff x="0" y="0"/>
+          <a:chExt cx="0" cy="0"/>
+        </a:xfrm>
+      </p:grpSpPr>
+      <p:sp>
+        <p:nvSpPr>
+          <p:cNvPr id="4" name="Title 1">
+            <a:extLst>
+              <a:ext uri="{FF2B5EF4-FFF2-40B4-BE49-F238E27FC236}">
+                <a16:creationId xmlns:a16="http://schemas.microsoft.com/office/drawing/2014/main" id="{BF5A0F3B-FC60-42A1-9E17-D2A87EE1832B}"/>
+              </a:ext>
+            </a:extLst>
+          </p:cNvPr>
+          <p:cNvSpPr>
+            <a:spLocks noGrp="1"/>
+          </p:cNvSpPr>
+          <p:nvPr>
+            <p:ph type="title"/>
+          </p:nvPr>
+        </p:nvSpPr>
+        <p:spPr>
+          <a:xfrm>
+            <a:off x="838200" y="365125"/>
+            <a:ext cx="11125692" cy="1325563"/>
+          </a:xfrm>
+        </p:spPr>
+        <p:txBody>
+          <a:bodyPr>
+            <a:normAutofit/>
+          </a:bodyPr>
+          <a:lstStyle/>
+          <a:p>
+            <a:r>
+              <a:rPr lang="en-US" sz="4000" dirty="0"/>
+              <a:t>Asynchronous FIFO (cont.)</a:t>
+            </a:r>
+          </a:p>
+        </p:txBody>
+      </p:sp>
+      <p:pic>
+        <p:nvPicPr>
+          <p:cNvPr id="7" name="Graphic 6">
+            <a:extLst>
+              <a:ext uri="{FF2B5EF4-FFF2-40B4-BE49-F238E27FC236}">
+                <a16:creationId xmlns:a16="http://schemas.microsoft.com/office/drawing/2014/main" id="{0F9ED507-B8FE-492C-8FE0-0045532747E0}"/>
+              </a:ext>
+            </a:extLst>
+          </p:cNvPr>
+          <p:cNvPicPr>
+            <a:picLocks noChangeAspect="1"/>
+          </p:cNvPicPr>
+          <p:nvPr/>
+        </p:nvPicPr>
+        <p:blipFill>
+          <a:blip r:embed="rId2">
+            <a:extLst>
+              <a:ext uri="{28A0092B-C50C-407E-A947-70E740481C1C}">
+                <a14:useLocalDpi xmlns:a14="http://schemas.microsoft.com/office/drawing/2010/main" val="0"/>
+              </a:ext>
+              <a:ext uri="{96DAC541-7B7A-43D3-8B79-37D633B846F1}">
+                <asvg:svgBlip xmlns:asvg="http://schemas.microsoft.com/office/drawing/2016/SVG/main" r:embed="rId3"/>
+              </a:ext>
+            </a:extLst>
+          </a:blip>
+          <a:stretch>
+            <a:fillRect/>
+          </a:stretch>
+        </p:blipFill>
+        <p:spPr>
+          <a:xfrm>
+            <a:off x="4943659" y="3583860"/>
+            <a:ext cx="6011443" cy="2431740"/>
+          </a:xfrm>
+          <a:prstGeom prst="rect">
+            <a:avLst/>
+          </a:prstGeom>
+        </p:spPr>
+      </p:pic>
+      <p:sp>
+        <p:nvSpPr>
+          <p:cNvPr id="8" name="Content Placeholder 2">
+            <a:extLst>
+              <a:ext uri="{FF2B5EF4-FFF2-40B4-BE49-F238E27FC236}">
+                <a16:creationId xmlns:a16="http://schemas.microsoft.com/office/drawing/2014/main" id="{5B67FB98-139E-4963-B201-FF0942952A28}"/>
+              </a:ext>
+            </a:extLst>
+          </p:cNvPr>
+          <p:cNvSpPr>
+            <a:spLocks noGrp="1"/>
+          </p:cNvSpPr>
+          <p:nvPr>
+            <p:ph idx="1"/>
+          </p:nvPr>
+        </p:nvSpPr>
+        <p:spPr>
+          <a:xfrm>
+            <a:off x="838200" y="1825624"/>
+            <a:ext cx="10116902" cy="1448517"/>
+          </a:xfrm>
+        </p:spPr>
+        <p:txBody>
+          <a:bodyPr>
+            <a:normAutofit/>
+          </a:bodyPr>
+          <a:lstStyle/>
+          <a:p>
+            <a:pPr>
+              <a:buFont typeface="Calibri" panose="020F0502020204030204" pitchFamily="34" charset="0"/>
+              <a:buChar char="⁻"/>
+            </a:pPr>
+            <a:r>
+              <a:rPr lang="en-US" dirty="0"/>
+              <a:t>There was a helpful online project:</a:t>
+            </a:r>
+          </a:p>
+          <a:p>
+            <a:pPr lvl="1">
+              <a:buFont typeface="Calibri" panose="020F0502020204030204" pitchFamily="34" charset="0"/>
+              <a:buChar char="⁻"/>
+            </a:pPr>
+            <a:r>
+              <a:rPr lang="en-US" i="1" dirty="0"/>
+              <a:t>Crossing Clock Domains with an Asynchronous FIFO</a:t>
+            </a:r>
+            <a:r>
+              <a:rPr lang="en-US" dirty="0"/>
+              <a:t>, Dan </a:t>
+            </a:r>
+            <a:r>
+              <a:rPr lang="en-US" dirty="0" err="1"/>
+              <a:t>Gisselquist</a:t>
+            </a:r>
+            <a:r>
+              <a:rPr lang="en-US" dirty="0"/>
+              <a:t>, 2018</a:t>
+            </a:r>
+          </a:p>
+          <a:p>
+            <a:pPr lvl="1">
+              <a:buFont typeface="Calibri" panose="020F0502020204030204" pitchFamily="34" charset="0"/>
+              <a:buChar char="⁻"/>
+            </a:pPr>
+            <a:r>
+              <a:rPr lang="en-US" sz="2000" dirty="0"/>
+              <a:t>https://zipcpu.com/blog/2018/07/06/afifo.html</a:t>
+            </a:r>
+          </a:p>
+          <a:p>
+            <a:pPr>
+              <a:buFont typeface="Calibri" panose="020F0502020204030204" pitchFamily="34" charset="0"/>
+              <a:buChar char="⁻"/>
+            </a:pPr>
+            <a:endParaRPr lang="en-US" sz="2000" dirty="0"/>
+          </a:p>
+        </p:txBody>
+      </p:sp>
+      <p:sp>
+        <p:nvSpPr>
+          <p:cNvPr id="10" name="TextBox 9">
+            <a:extLst>
+              <a:ext uri="{FF2B5EF4-FFF2-40B4-BE49-F238E27FC236}">
+                <a16:creationId xmlns:a16="http://schemas.microsoft.com/office/drawing/2014/main" id="{744E3766-9CE3-49A5-9F11-C9DD81BE9EB8}"/>
+              </a:ext>
+            </a:extLst>
+          </p:cNvPr>
+          <p:cNvSpPr txBox="1"/>
+          <p:nvPr/>
+        </p:nvSpPr>
+        <p:spPr>
+          <a:xfrm>
+            <a:off x="838200" y="3645568"/>
+            <a:ext cx="4105459" cy="2308324"/>
+          </a:xfrm>
+          <a:prstGeom prst="rect">
+            <a:avLst/>
+          </a:prstGeom>
+          <a:noFill/>
+        </p:spPr>
+        <p:txBody>
+          <a:bodyPr wrap="square" rtlCol="0">
+            <a:spAutoFit/>
+          </a:bodyPr>
+          <a:lstStyle/>
+          <a:p>
+            <a:pPr marL="285750" indent="-285750">
+              <a:buFont typeface="Calibri" panose="020F0502020204030204" pitchFamily="34" charset="0"/>
+              <a:buChar char="⁻"/>
+            </a:pPr>
+            <a:r>
+              <a:rPr lang="en-US" dirty="0"/>
+              <a:t>I attempted to write this IP from scratch, but the problem was difficult</a:t>
+            </a:r>
+          </a:p>
+          <a:p>
+            <a:endParaRPr lang="en-US" dirty="0"/>
+          </a:p>
+          <a:p>
+            <a:pPr marL="285750" indent="-285750">
+              <a:buFont typeface="Calibri" panose="020F0502020204030204" pitchFamily="34" charset="0"/>
+              <a:buChar char="⁻"/>
+            </a:pPr>
+            <a:r>
+              <a:rPr lang="en-US" dirty="0"/>
+              <a:t>This write-up by </a:t>
+            </a:r>
+            <a:r>
+              <a:rPr lang="en-US" dirty="0" err="1"/>
+              <a:t>Gisselquist</a:t>
+            </a:r>
+            <a:r>
+              <a:rPr lang="en-US" dirty="0"/>
+              <a:t> was an extensive overview of the device problems, behavior, and similar work</a:t>
+            </a:r>
+          </a:p>
+          <a:p>
+            <a:pPr marL="285750" indent="-285750">
+              <a:buFont typeface="Calibri" panose="020F0502020204030204" pitchFamily="34" charset="0"/>
+              <a:buChar char="⁻"/>
+            </a:pPr>
+            <a:endParaRPr lang="en-US" dirty="0"/>
+          </a:p>
+          <a:p>
+            <a:endParaRPr lang="en-US" dirty="0"/>
+          </a:p>
+        </p:txBody>
+      </p:sp>
+    </p:spTree>
+    <p:extLst>
+      <p:ext uri="{BB962C8B-B14F-4D97-AF65-F5344CB8AC3E}">
+        <p14:creationId xmlns:p14="http://schemas.microsoft.com/office/powerpoint/2010/main" val="2465346555"/>
+      </p:ext>
+    </p:extLst>
+  </p:cSld>
+  <p:clrMapOvr>
+    <a:masterClrMapping/>
+  </p:clrMapOvr>
+</p:sld>
+</file>
+
+<file path=ppt/slides/slide21.xml><?xml version="1.0" encoding="utf-8"?>
+<p:sld xmlns:a="http://schemas.openxmlformats.org/drawingml/2006/main" xmlns:r="http://schemas.openxmlformats.org/officeDocument/2006/relationships" xmlns:p="http://schemas.openxmlformats.org/presentationml/2006/main">
+  <p:cSld>
+    <p:spTree>
+      <p:nvGrpSpPr>
+        <p:cNvPr id="1" name=""/>
+        <p:cNvGrpSpPr/>
+        <p:nvPr/>
+      </p:nvGrpSpPr>
+      <p:grpSpPr>
+        <a:xfrm>
+          <a:off x="0" y="0"/>
+          <a:ext cx="0" cy="0"/>
+          <a:chOff x="0" y="0"/>
+          <a:chExt cx="0" cy="0"/>
+        </a:xfrm>
+      </p:grpSpPr>
+      <p:sp>
+        <p:nvSpPr>
+          <p:cNvPr id="4" name="Title 1">
+            <a:extLst>
+              <a:ext uri="{FF2B5EF4-FFF2-40B4-BE49-F238E27FC236}">
+                <a16:creationId xmlns:a16="http://schemas.microsoft.com/office/drawing/2014/main" id="{BF5A0F3B-FC60-42A1-9E17-D2A87EE1832B}"/>
+              </a:ext>
+            </a:extLst>
+          </p:cNvPr>
+          <p:cNvSpPr>
+            <a:spLocks noGrp="1"/>
+          </p:cNvSpPr>
+          <p:nvPr>
+            <p:ph type="title"/>
+          </p:nvPr>
+        </p:nvSpPr>
+        <p:spPr>
+          <a:xfrm>
+            <a:off x="838200" y="365125"/>
+            <a:ext cx="11125692" cy="1325563"/>
+          </a:xfrm>
+        </p:spPr>
+        <p:txBody>
+          <a:bodyPr>
+            <a:normAutofit/>
+          </a:bodyPr>
+          <a:lstStyle/>
+          <a:p>
+            <a:r>
+              <a:rPr lang="en-US" sz="4000" dirty="0"/>
+              <a:t>Asynchronous FIFO (cont.)</a:t>
+            </a:r>
+          </a:p>
+        </p:txBody>
+      </p:sp>
+      <p:sp>
+        <p:nvSpPr>
+          <p:cNvPr id="10" name="TextBox 9">
+            <a:extLst>
+              <a:ext uri="{FF2B5EF4-FFF2-40B4-BE49-F238E27FC236}">
+                <a16:creationId xmlns:a16="http://schemas.microsoft.com/office/drawing/2014/main" id="{744E3766-9CE3-49A5-9F11-C9DD81BE9EB8}"/>
+              </a:ext>
+            </a:extLst>
+          </p:cNvPr>
+          <p:cNvSpPr txBox="1"/>
+          <p:nvPr/>
+        </p:nvSpPr>
+        <p:spPr>
+          <a:xfrm>
+            <a:off x="838200" y="1690688"/>
+            <a:ext cx="10515600" cy="646331"/>
+          </a:xfrm>
+          <a:prstGeom prst="rect">
+            <a:avLst/>
+          </a:prstGeom>
+          <a:noFill/>
+        </p:spPr>
+        <p:txBody>
+          <a:bodyPr wrap="square" rtlCol="0">
+            <a:spAutoFit/>
+          </a:bodyPr>
+          <a:lstStyle/>
+          <a:p>
+            <a:pPr marL="285750" indent="-285750">
+              <a:buFont typeface="Calibri" panose="020F0502020204030204" pitchFamily="34" charset="0"/>
+              <a:buChar char="⁻"/>
+            </a:pPr>
+            <a:r>
+              <a:rPr lang="en-US" dirty="0"/>
+              <a:t>To verify this FIFO design was suitable, it was first tested in Vivado simulation</a:t>
+            </a:r>
+          </a:p>
+          <a:p>
+            <a:pPr marL="285750" indent="-285750">
+              <a:buFont typeface="Calibri" panose="020F0502020204030204" pitchFamily="34" charset="0"/>
+              <a:buChar char="⁻"/>
+            </a:pPr>
+            <a:r>
+              <a:rPr lang="en-US" dirty="0"/>
+              <a:t>Next, a bitstream and block diagram was generated to program the FPGA with the Python3 interface</a:t>
+            </a:r>
+          </a:p>
+        </p:txBody>
+      </p:sp>
+      <p:sp>
+        <p:nvSpPr>
+          <p:cNvPr id="3" name="TextBox 2">
+            <a:extLst>
+              <a:ext uri="{FF2B5EF4-FFF2-40B4-BE49-F238E27FC236}">
+                <a16:creationId xmlns:a16="http://schemas.microsoft.com/office/drawing/2014/main" id="{A19155B0-39C0-46AE-BC96-33808FF677DB}"/>
+              </a:ext>
+            </a:extLst>
+          </p:cNvPr>
+          <p:cNvSpPr txBox="1"/>
+          <p:nvPr/>
+        </p:nvSpPr>
+        <p:spPr>
+          <a:xfrm>
+            <a:off x="879496" y="3427354"/>
+            <a:ext cx="4882034" cy="2031325"/>
+          </a:xfrm>
+          <a:prstGeom prst="rect">
+            <a:avLst/>
+          </a:prstGeom>
+          <a:noFill/>
+        </p:spPr>
+        <p:txBody>
+          <a:bodyPr wrap="square" rtlCol="0">
+            <a:spAutoFit/>
+          </a:bodyPr>
+          <a:lstStyle/>
+          <a:p>
+            <a:pPr marL="285750" indent="-285750">
+              <a:buFont typeface="Calibri" panose="020F0502020204030204" pitchFamily="34" charset="0"/>
+              <a:buChar char="⁻"/>
+            </a:pPr>
+            <a:r>
+              <a:rPr lang="en-US" dirty="0"/>
+              <a:t>In the Python environment, the buffer would be filled with a random data set</a:t>
+            </a:r>
+          </a:p>
+          <a:p>
+            <a:endParaRPr lang="en-US" dirty="0"/>
+          </a:p>
+          <a:p>
+            <a:pPr marL="285750" indent="-285750">
+              <a:buFont typeface="Calibri" panose="020F0502020204030204" pitchFamily="34" charset="0"/>
+              <a:buChar char="⁻"/>
+            </a:pPr>
+            <a:r>
+              <a:rPr lang="en-US" dirty="0"/>
+              <a:t>Next, the buffer data would be extracted and compared with original input</a:t>
+            </a:r>
+          </a:p>
+          <a:p>
+            <a:pPr marL="285750" indent="-285750">
+              <a:buFont typeface="Calibri" panose="020F0502020204030204" pitchFamily="34" charset="0"/>
+              <a:buChar char="⁻"/>
+            </a:pPr>
+            <a:endParaRPr lang="en-US" dirty="0"/>
+          </a:p>
+          <a:p>
+            <a:pPr marL="285750" indent="-285750">
+              <a:buFont typeface="Calibri" panose="020F0502020204030204" pitchFamily="34" charset="0"/>
+              <a:buChar char="⁻"/>
+            </a:pPr>
+            <a:r>
+              <a:rPr lang="en-US" dirty="0"/>
+              <a:t>The load/compare times were also tracked</a:t>
+            </a:r>
+          </a:p>
+        </p:txBody>
+      </p:sp>
+      <p:pic>
+        <p:nvPicPr>
+          <p:cNvPr id="6" name="Picture 5" descr="A screenshot of a cell phone&#10;&#10;Description automatically generated">
+            <a:extLst>
+              <a:ext uri="{FF2B5EF4-FFF2-40B4-BE49-F238E27FC236}">
+                <a16:creationId xmlns:a16="http://schemas.microsoft.com/office/drawing/2014/main" id="{0D7B169C-C81B-4024-AF06-77E384485282}"/>
+              </a:ext>
+            </a:extLst>
+          </p:cNvPr>
+          <p:cNvPicPr>
+            <a:picLocks noChangeAspect="1"/>
+          </p:cNvPicPr>
+          <p:nvPr/>
+        </p:nvPicPr>
+        <p:blipFill>
+          <a:blip r:embed="rId2">
+            <a:extLst>
+              <a:ext uri="{28A0092B-C50C-407E-A947-70E740481C1C}">
+                <a14:useLocalDpi xmlns:a14="http://schemas.microsoft.com/office/drawing/2010/main" val="0"/>
+              </a:ext>
+            </a:extLst>
+          </a:blip>
+          <a:stretch>
+            <a:fillRect/>
+          </a:stretch>
+        </p:blipFill>
+        <p:spPr>
+          <a:xfrm>
+            <a:off x="5761530" y="2831585"/>
+            <a:ext cx="5633566" cy="3222864"/>
+          </a:xfrm>
+          <a:prstGeom prst="rect">
+            <a:avLst/>
+          </a:prstGeom>
+        </p:spPr>
+      </p:pic>
+    </p:spTree>
+    <p:extLst>
+      <p:ext uri="{BB962C8B-B14F-4D97-AF65-F5344CB8AC3E}">
+        <p14:creationId xmlns:p14="http://schemas.microsoft.com/office/powerpoint/2010/main" val="2295288187"/>
+      </p:ext>
+    </p:extLst>
+  </p:cSld>
+  <p:clrMapOvr>
+    <a:masterClrMapping/>
+  </p:clrMapOvr>
+</p:sld>
+</file>
+
+<file path=ppt/slides/slide22.xml><?xml version="1.0" encoding="utf-8"?>
+<p:sld xmlns:a="http://schemas.openxmlformats.org/drawingml/2006/main" xmlns:r="http://schemas.openxmlformats.org/officeDocument/2006/relationships" xmlns:p="http://schemas.openxmlformats.org/presentationml/2006/main">
+  <p:cSld>
+    <p:spTree>
+      <p:nvGrpSpPr>
+        <p:cNvPr id="1" name=""/>
+        <p:cNvGrpSpPr/>
+        <p:nvPr/>
+      </p:nvGrpSpPr>
+      <p:grpSpPr>
+        <a:xfrm>
+          <a:off x="0" y="0"/>
+          <a:ext cx="0" cy="0"/>
+          <a:chOff x="0" y="0"/>
+          <a:chExt cx="0" cy="0"/>
+        </a:xfrm>
+      </p:grpSpPr>
+      <p:sp>
+        <p:nvSpPr>
+          <p:cNvPr id="2" name="Title 1">
+            <a:extLst>
+              <a:ext uri="{FF2B5EF4-FFF2-40B4-BE49-F238E27FC236}">
+                <a16:creationId xmlns:a16="http://schemas.microsoft.com/office/drawing/2014/main" id="{225AA634-FC89-4BA3-9CDD-060B6FCF017A}"/>
+              </a:ext>
+            </a:extLst>
+          </p:cNvPr>
+          <p:cNvSpPr>
+            <a:spLocks noGrp="1"/>
+          </p:cNvSpPr>
+          <p:nvPr>
+            <p:ph type="title"/>
+          </p:nvPr>
+        </p:nvSpPr>
+        <p:spPr>
+          <a:xfrm>
+            <a:off x="838200" y="365125"/>
+            <a:ext cx="11125692" cy="1325563"/>
+          </a:xfrm>
+        </p:spPr>
+        <p:txBody>
+          <a:bodyPr>
+            <a:normAutofit/>
+          </a:bodyPr>
+          <a:lstStyle/>
+          <a:p>
+            <a:r>
+              <a:rPr lang="en-US" sz="4000" dirty="0"/>
+              <a:t>Matrix Controller</a:t>
+            </a:r>
+          </a:p>
+        </p:txBody>
+      </p:sp>
+      <p:sp>
+        <p:nvSpPr>
+          <p:cNvPr id="4" name="Content Placeholder 2">
+            <a:extLst>
+              <a:ext uri="{FF2B5EF4-FFF2-40B4-BE49-F238E27FC236}">
+                <a16:creationId xmlns:a16="http://schemas.microsoft.com/office/drawing/2014/main" id="{447C0C06-9D20-4E1C-B34C-85D135AC9320}"/>
+              </a:ext>
+            </a:extLst>
+          </p:cNvPr>
+          <p:cNvSpPr>
+            <a:spLocks noGrp="1"/>
+          </p:cNvSpPr>
+          <p:nvPr>
+            <p:ph idx="1"/>
+          </p:nvPr>
+        </p:nvSpPr>
+        <p:spPr>
+          <a:xfrm>
+            <a:off x="838200" y="1690688"/>
+            <a:ext cx="10515600" cy="4904791"/>
+          </a:xfrm>
+        </p:spPr>
+        <p:txBody>
+          <a:bodyPr>
+            <a:normAutofit/>
+          </a:bodyPr>
+          <a:lstStyle/>
+          <a:p>
+            <a:pPr>
+              <a:buFont typeface="Calibri" panose="020F0502020204030204" pitchFamily="34" charset="0"/>
+              <a:buChar char="⁻"/>
+            </a:pPr>
+            <a:r>
+              <a:rPr lang="en-US" sz="2400" dirty="0"/>
+              <a:t>Now with hardware to allow for external data input, a state machine controller is needed to complete computation</a:t>
+            </a:r>
+          </a:p>
+          <a:p>
+            <a:pPr marL="0" indent="0">
+              <a:buNone/>
+            </a:pPr>
+            <a:endParaRPr lang="en-US" sz="2400" dirty="0"/>
+          </a:p>
+          <a:p>
+            <a:pPr>
+              <a:buFont typeface="Calibri" panose="020F0502020204030204" pitchFamily="34" charset="0"/>
+              <a:buChar char="⁻"/>
+            </a:pPr>
+            <a:r>
+              <a:rPr lang="en-US" sz="2400" dirty="0"/>
+              <a:t>The controller needs to:</a:t>
+            </a:r>
+          </a:p>
+          <a:p>
+            <a:pPr lvl="1">
+              <a:buFont typeface="Calibri" panose="020F0502020204030204" pitchFamily="34" charset="0"/>
+              <a:buChar char="⁻"/>
+            </a:pPr>
+            <a:r>
+              <a:rPr lang="en-US" dirty="0"/>
+              <a:t>Read data in the input buffer</a:t>
+            </a:r>
+          </a:p>
+          <a:p>
+            <a:pPr lvl="1">
+              <a:buFont typeface="Calibri" panose="020F0502020204030204" pitchFamily="34" charset="0"/>
+              <a:buChar char="⁻"/>
+            </a:pPr>
+            <a:r>
+              <a:rPr lang="en-US" dirty="0"/>
+              <a:t>Pipeline data into the matrix accelerator</a:t>
+            </a:r>
+          </a:p>
+          <a:p>
+            <a:pPr lvl="1">
+              <a:buFont typeface="Calibri" panose="020F0502020204030204" pitchFamily="34" charset="0"/>
+              <a:buChar char="⁻"/>
+            </a:pPr>
+            <a:r>
+              <a:rPr lang="en-US" dirty="0"/>
+              <a:t>Use matrix accelerator control signals to generate convolution sum</a:t>
+            </a:r>
+          </a:p>
+          <a:p>
+            <a:pPr lvl="1">
+              <a:buFont typeface="Calibri" panose="020F0502020204030204" pitchFamily="34" charset="0"/>
+              <a:buChar char="⁻"/>
+            </a:pPr>
+            <a:endParaRPr lang="en-US" sz="1800" dirty="0"/>
+          </a:p>
+          <a:p>
+            <a:pPr>
+              <a:buFont typeface="Calibri" panose="020F0502020204030204" pitchFamily="34" charset="0"/>
+              <a:buChar char="⁻"/>
+            </a:pPr>
+            <a:r>
+              <a:rPr lang="en-US" sz="2400" dirty="0"/>
+              <a:t>The controller has three main states:</a:t>
+            </a:r>
+          </a:p>
+          <a:p>
+            <a:pPr lvl="1">
+              <a:buFont typeface="Calibri" panose="020F0502020204030204" pitchFamily="34" charset="0"/>
+              <a:buChar char="⁻"/>
+            </a:pPr>
+            <a:r>
+              <a:rPr lang="en-US" dirty="0"/>
+              <a:t>Reading data from the buffer</a:t>
+            </a:r>
+          </a:p>
+          <a:p>
+            <a:pPr lvl="1">
+              <a:buFont typeface="Calibri" panose="020F0502020204030204" pitchFamily="34" charset="0"/>
+              <a:buChar char="⁻"/>
+            </a:pPr>
+            <a:r>
+              <a:rPr lang="en-US" dirty="0"/>
+              <a:t>Multiplying the input values</a:t>
+            </a:r>
+          </a:p>
+          <a:p>
+            <a:pPr lvl="1">
+              <a:buFont typeface="Calibri" panose="020F0502020204030204" pitchFamily="34" charset="0"/>
+              <a:buChar char="⁻"/>
+            </a:pPr>
+            <a:r>
+              <a:rPr lang="en-US" dirty="0"/>
+              <a:t>Add the resulting products</a:t>
+            </a:r>
+          </a:p>
+        </p:txBody>
+      </p:sp>
+    </p:spTree>
+    <p:extLst>
+      <p:ext uri="{BB962C8B-B14F-4D97-AF65-F5344CB8AC3E}">
+        <p14:creationId xmlns:p14="http://schemas.microsoft.com/office/powerpoint/2010/main" val="1501556686"/>
+      </p:ext>
+    </p:extLst>
+  </p:cSld>
+  <p:clrMapOvr>
+    <a:masterClrMapping/>
+  </p:clrMapOvr>
+</p:sld>
+</file>
+
+<file path=ppt/slides/slide23.xml><?xml version="1.0" encoding="utf-8"?>
+<p:sld xmlns:a="http://schemas.openxmlformats.org/drawingml/2006/main" xmlns:r="http://schemas.openxmlformats.org/officeDocument/2006/relationships" xmlns:p="http://schemas.openxmlformats.org/presentationml/2006/main">
+  <p:cSld>
+    <p:spTree>
+      <p:nvGrpSpPr>
+        <p:cNvPr id="1" name=""/>
+        <p:cNvGrpSpPr/>
+        <p:nvPr/>
+      </p:nvGrpSpPr>
+      <p:grpSpPr>
+        <a:xfrm>
+          <a:off x="0" y="0"/>
+          <a:ext cx="0" cy="0"/>
+          <a:chOff x="0" y="0"/>
+          <a:chExt cx="0" cy="0"/>
+        </a:xfrm>
+      </p:grpSpPr>
+      <p:sp>
+        <p:nvSpPr>
+          <p:cNvPr id="2" name="Title 1">
+            <a:extLst>
+              <a:ext uri="{FF2B5EF4-FFF2-40B4-BE49-F238E27FC236}">
+                <a16:creationId xmlns:a16="http://schemas.microsoft.com/office/drawing/2014/main" id="{225AA634-FC89-4BA3-9CDD-060B6FCF017A}"/>
+              </a:ext>
+            </a:extLst>
+          </p:cNvPr>
+          <p:cNvSpPr>
+            <a:spLocks noGrp="1"/>
+          </p:cNvSpPr>
+          <p:nvPr>
+            <p:ph type="title"/>
+          </p:nvPr>
+        </p:nvSpPr>
+        <p:spPr>
+          <a:xfrm>
+            <a:off x="838200" y="365125"/>
+            <a:ext cx="11125692" cy="1325563"/>
+          </a:xfrm>
+        </p:spPr>
+        <p:txBody>
+          <a:bodyPr>
+            <a:normAutofit/>
+          </a:bodyPr>
+          <a:lstStyle/>
+          <a:p>
+            <a:r>
+              <a:rPr lang="en-US" sz="4000" dirty="0"/>
+              <a:t>Convolution Accelerator Top Wrapper</a:t>
+            </a:r>
+          </a:p>
+        </p:txBody>
+      </p:sp>
+      <p:sp>
+        <p:nvSpPr>
+          <p:cNvPr id="4" name="Content Placeholder 2">
+            <a:extLst>
+              <a:ext uri="{FF2B5EF4-FFF2-40B4-BE49-F238E27FC236}">
+                <a16:creationId xmlns:a16="http://schemas.microsoft.com/office/drawing/2014/main" id="{447C0C06-9D20-4E1C-B34C-85D135AC9320}"/>
+              </a:ext>
+            </a:extLst>
+          </p:cNvPr>
+          <p:cNvSpPr>
+            <a:spLocks noGrp="1"/>
+          </p:cNvSpPr>
+          <p:nvPr>
+            <p:ph idx="1"/>
+          </p:nvPr>
+        </p:nvSpPr>
+        <p:spPr>
+          <a:xfrm>
+            <a:off x="838200" y="1690688"/>
+            <a:ext cx="10515600" cy="4486275"/>
+          </a:xfrm>
+        </p:spPr>
+        <p:txBody>
+          <a:bodyPr/>
+          <a:lstStyle/>
+          <a:p>
+            <a:pPr>
+              <a:buFont typeface="Calibri" panose="020F0502020204030204" pitchFamily="34" charset="0"/>
+              <a:buChar char="⁻"/>
+            </a:pPr>
+            <a:r>
+              <a:rPr lang="en-US" sz="2400" dirty="0"/>
+              <a:t>A top-level package was created to wrap the input buffer, matrix accelerator, and controller into one design</a:t>
+            </a:r>
+          </a:p>
+          <a:p>
+            <a:pPr>
+              <a:buFont typeface="Calibri" panose="020F0502020204030204" pitchFamily="34" charset="0"/>
+              <a:buChar char="⁻"/>
+            </a:pPr>
+            <a:r>
+              <a:rPr lang="en-US" sz="2400" dirty="0"/>
+              <a:t>Convolution Accelerator block diagram</a:t>
+            </a:r>
+          </a:p>
+          <a:p>
+            <a:pPr>
+              <a:buFont typeface="Calibri" panose="020F0502020204030204" pitchFamily="34" charset="0"/>
+              <a:buChar char="⁻"/>
+            </a:pPr>
+            <a:r>
+              <a:rPr lang="en-US" sz="2400" dirty="0"/>
+              <a:t>This device has three dynamic configurations: Integer, Floating Point, Fixed Point</a:t>
+            </a:r>
+          </a:p>
+        </p:txBody>
+      </p:sp>
+      <p:pic>
+        <p:nvPicPr>
+          <p:cNvPr id="5" name="Picture 4" descr="A picture containing light, photo, sitting, hanging&#10;&#10;Description automatically generated">
+            <a:extLst>
+              <a:ext uri="{FF2B5EF4-FFF2-40B4-BE49-F238E27FC236}">
+                <a16:creationId xmlns:a16="http://schemas.microsoft.com/office/drawing/2014/main" id="{0C26DC2B-72B8-4736-9D66-70FF67DB9A40}"/>
+              </a:ext>
+            </a:extLst>
+          </p:cNvPr>
+          <p:cNvPicPr>
+            <a:picLocks noChangeAspect="1"/>
+          </p:cNvPicPr>
+          <p:nvPr/>
+        </p:nvPicPr>
+        <p:blipFill>
+          <a:blip r:embed="rId2">
+            <a:extLst>
+              <a:ext uri="{28A0092B-C50C-407E-A947-70E740481C1C}">
+                <a14:useLocalDpi xmlns:a14="http://schemas.microsoft.com/office/drawing/2010/main" val="0"/>
+              </a:ext>
+            </a:extLst>
+          </a:blip>
+          <a:stretch>
+            <a:fillRect/>
+          </a:stretch>
+        </p:blipFill>
+        <p:spPr>
+          <a:xfrm>
+            <a:off x="533154" y="3429000"/>
+            <a:ext cx="11125692" cy="3053935"/>
+          </a:xfrm>
+          <a:prstGeom prst="rect">
+            <a:avLst/>
+          </a:prstGeom>
+        </p:spPr>
+      </p:pic>
+    </p:spTree>
+    <p:extLst>
+      <p:ext uri="{BB962C8B-B14F-4D97-AF65-F5344CB8AC3E}">
+        <p14:creationId xmlns:p14="http://schemas.microsoft.com/office/powerpoint/2010/main" val="2330474005"/>
+      </p:ext>
+    </p:extLst>
+  </p:cSld>
+  <p:clrMapOvr>
+    <a:masterClrMapping/>
+  </p:clrMapOvr>
+</p:sld>
+</file>
+
+<file path=ppt/slides/slide24.xml><?xml version="1.0" encoding="utf-8"?>
+<p:sld xmlns:a="http://schemas.openxmlformats.org/drawingml/2006/main" xmlns:r="http://schemas.openxmlformats.org/officeDocument/2006/relationships" xmlns:p="http://schemas.openxmlformats.org/presentationml/2006/main">
+  <p:cSld>
+    <p:spTree>
+      <p:nvGrpSpPr>
+        <p:cNvPr id="1" name=""/>
+        <p:cNvGrpSpPr/>
+        <p:nvPr/>
+      </p:nvGrpSpPr>
+      <p:grpSpPr>
+        <a:xfrm>
+          <a:off x="0" y="0"/>
+          <a:ext cx="0" cy="0"/>
+          <a:chOff x="0" y="0"/>
+          <a:chExt cx="0" cy="0"/>
+        </a:xfrm>
+      </p:grpSpPr>
+      <p:sp>
+        <p:nvSpPr>
+          <p:cNvPr id="2" name="Title 1">
+            <a:extLst>
+              <a:ext uri="{FF2B5EF4-FFF2-40B4-BE49-F238E27FC236}">
+                <a16:creationId xmlns:a16="http://schemas.microsoft.com/office/drawing/2014/main" id="{225AA634-FC89-4BA3-9CDD-060B6FCF017A}"/>
+              </a:ext>
+            </a:extLst>
+          </p:cNvPr>
+          <p:cNvSpPr>
+            <a:spLocks noGrp="1"/>
+          </p:cNvSpPr>
+          <p:nvPr>
+            <p:ph type="title"/>
+          </p:nvPr>
+        </p:nvSpPr>
+        <p:spPr>
+          <a:xfrm>
+            <a:off x="838200" y="365125"/>
+            <a:ext cx="11125692" cy="1325563"/>
+          </a:xfrm>
+        </p:spPr>
+        <p:txBody>
+          <a:bodyPr>
+            <a:normAutofit/>
+          </a:bodyPr>
+          <a:lstStyle/>
+          <a:p>
+            <a:r>
+              <a:rPr lang="en-US" sz="4000" dirty="0"/>
+              <a:t>Convolution Accelerator Top Wrapper (cont.)</a:t>
+            </a:r>
+          </a:p>
+        </p:txBody>
+      </p:sp>
+      <p:sp>
+        <p:nvSpPr>
+          <p:cNvPr id="4" name="Content Placeholder 2">
+            <a:extLst>
+              <a:ext uri="{FF2B5EF4-FFF2-40B4-BE49-F238E27FC236}">
+                <a16:creationId xmlns:a16="http://schemas.microsoft.com/office/drawing/2014/main" id="{447C0C06-9D20-4E1C-B34C-85D135AC9320}"/>
+              </a:ext>
+            </a:extLst>
+          </p:cNvPr>
+          <p:cNvSpPr>
+            <a:spLocks noGrp="1"/>
+          </p:cNvSpPr>
+          <p:nvPr>
+            <p:ph idx="1"/>
+          </p:nvPr>
+        </p:nvSpPr>
+        <p:spPr>
+          <a:xfrm>
+            <a:off x="838200" y="1690688"/>
+            <a:ext cx="10515600" cy="4486275"/>
+          </a:xfrm>
+        </p:spPr>
+        <p:txBody>
+          <a:bodyPr/>
+          <a:lstStyle/>
+          <a:p>
+            <a:pPr>
+              <a:buFont typeface="Calibri" panose="020F0502020204030204" pitchFamily="34" charset="0"/>
+              <a:buChar char="⁻"/>
+            </a:pPr>
+            <a:r>
+              <a:rPr lang="en-US" sz="2400" dirty="0"/>
+              <a:t>This package is currently being prototyped and fails the implementation phase due to timing issues</a:t>
+            </a:r>
+          </a:p>
+          <a:p>
+            <a:pPr marL="0" indent="0">
+              <a:buNone/>
+            </a:pPr>
+            <a:endParaRPr lang="en-US" sz="2400" dirty="0"/>
+          </a:p>
+          <a:p>
+            <a:pPr>
+              <a:buFont typeface="Calibri" panose="020F0502020204030204" pitchFamily="34" charset="0"/>
+              <a:buChar char="⁻"/>
+            </a:pPr>
+            <a:r>
+              <a:rPr lang="en-US" sz="2400" dirty="0"/>
+              <a:t>Timing issues are generally caused by unstable signals or undesirable combinational logic delay</a:t>
+            </a:r>
+          </a:p>
+          <a:p>
+            <a:pPr marL="0" indent="0">
+              <a:buNone/>
+            </a:pPr>
+            <a:endParaRPr lang="en-US" sz="2400" dirty="0"/>
+          </a:p>
+          <a:p>
+            <a:pPr>
+              <a:buFont typeface="Calibri" panose="020F0502020204030204" pitchFamily="34" charset="0"/>
+              <a:buChar char="⁻"/>
+            </a:pPr>
+            <a:endParaRPr lang="en-US" sz="2400" dirty="0"/>
+          </a:p>
+        </p:txBody>
+      </p:sp>
+      <p:grpSp>
+        <p:nvGrpSpPr>
+          <p:cNvPr id="18" name="Group 17">
+            <a:extLst>
+              <a:ext uri="{FF2B5EF4-FFF2-40B4-BE49-F238E27FC236}">
+                <a16:creationId xmlns:a16="http://schemas.microsoft.com/office/drawing/2014/main" id="{631C4D9B-2DD9-4D36-BC03-5FDED2D5A4D1}"/>
+              </a:ext>
+            </a:extLst>
+          </p:cNvPr>
+          <p:cNvGrpSpPr/>
+          <p:nvPr/>
+        </p:nvGrpSpPr>
+        <p:grpSpPr>
+          <a:xfrm>
+            <a:off x="2148763" y="3923071"/>
+            <a:ext cx="7894473" cy="2569804"/>
+            <a:chOff x="1654615" y="3016251"/>
+            <a:chExt cx="8882769" cy="2938029"/>
+          </a:xfrm>
+        </p:grpSpPr>
+        <p:pic>
+          <p:nvPicPr>
+            <p:cNvPr id="6" name="Picture 5" descr="A screenshot of a computer&#10;&#10;Description automatically generated">
+              <a:extLst>
+                <a:ext uri="{FF2B5EF4-FFF2-40B4-BE49-F238E27FC236}">
+                  <a16:creationId xmlns:a16="http://schemas.microsoft.com/office/drawing/2014/main" id="{D8E22361-788E-41A2-9BF9-D94345B0815F}"/>
+                </a:ext>
+              </a:extLst>
+            </p:cNvPr>
+            <p:cNvPicPr>
+              <a:picLocks noChangeAspect="1"/>
+            </p:cNvPicPr>
+            <p:nvPr/>
+          </p:nvPicPr>
+          <p:blipFill>
+            <a:blip r:embed="rId2">
+              <a:extLst>
+                <a:ext uri="{28A0092B-C50C-407E-A947-70E740481C1C}">
+                  <a14:useLocalDpi xmlns:a14="http://schemas.microsoft.com/office/drawing/2010/main" val="0"/>
+                </a:ext>
+              </a:extLst>
+            </a:blip>
+            <a:stretch>
+              <a:fillRect/>
+            </a:stretch>
+          </p:blipFill>
+          <p:spPr>
+            <a:xfrm>
+              <a:off x="1654615" y="3016251"/>
+              <a:ext cx="8882769" cy="2938029"/>
+            </a:xfrm>
+            <a:prstGeom prst="rect">
+              <a:avLst/>
+            </a:prstGeom>
+          </p:spPr>
+        </p:pic>
+        <p:sp>
+          <p:nvSpPr>
+            <p:cNvPr id="15" name="Rectangle 14">
+              <a:extLst>
+                <a:ext uri="{FF2B5EF4-FFF2-40B4-BE49-F238E27FC236}">
+                  <a16:creationId xmlns:a16="http://schemas.microsoft.com/office/drawing/2014/main" id="{494AC8DF-8879-40E0-8F2C-2EB165D58EB7}"/>
+                </a:ext>
+              </a:extLst>
+            </p:cNvPr>
+            <p:cNvSpPr/>
+            <p:nvPr/>
+          </p:nvSpPr>
+          <p:spPr>
+            <a:xfrm>
+              <a:off x="5250426" y="4029259"/>
+              <a:ext cx="672526" cy="182880"/>
+            </a:xfrm>
+            <a:prstGeom prst="rect">
+              <a:avLst/>
+            </a:prstGeom>
+            <a:noFill/>
+            <a:ln w="28575">
+              <a:solidFill>
+                <a:srgbClr val="00B0F0"/>
+              </a:solidFill>
+            </a:ln>
+          </p:spPr>
+          <p:style>
+            <a:lnRef idx="2">
+              <a:schemeClr val="accent1">
+                <a:shade val="50000"/>
+              </a:schemeClr>
+            </a:lnRef>
+            <a:fillRef idx="1">
+              <a:schemeClr val="accent1"/>
+            </a:fillRef>
+            <a:effectRef idx="0">
+              <a:schemeClr val="accent1"/>
+            </a:effectRef>
+            <a:fontRef idx="minor">
+              <a:schemeClr val="lt1"/>
+            </a:fontRef>
+          </p:style>
+          <p:txBody>
+            <a:bodyPr rtlCol="0" anchor="ctr"/>
+            <a:lstStyle/>
+            <a:p>
+              <a:pPr algn="ctr"/>
+              <a:endParaRPr lang="en-US"/>
+            </a:p>
+          </p:txBody>
+        </p:sp>
+        <p:sp>
+          <p:nvSpPr>
+            <p:cNvPr id="17" name="Rectangle 16">
+              <a:extLst>
+                <a:ext uri="{FF2B5EF4-FFF2-40B4-BE49-F238E27FC236}">
+                  <a16:creationId xmlns:a16="http://schemas.microsoft.com/office/drawing/2014/main" id="{B45FC6D7-D406-462B-A585-047E73681C57}"/>
+                </a:ext>
+              </a:extLst>
+            </p:cNvPr>
+            <p:cNvSpPr/>
+            <p:nvPr/>
+          </p:nvSpPr>
+          <p:spPr>
+            <a:xfrm>
+              <a:off x="5250426" y="4212139"/>
+              <a:ext cx="247773" cy="182880"/>
+            </a:xfrm>
+            <a:prstGeom prst="rect">
+              <a:avLst/>
+            </a:prstGeom>
+            <a:noFill/>
+            <a:ln w="28575">
+              <a:solidFill>
+                <a:srgbClr val="00B0F0"/>
+              </a:solidFill>
+            </a:ln>
+          </p:spPr>
+          <p:style>
+            <a:lnRef idx="2">
+              <a:schemeClr val="accent1">
+                <a:shade val="50000"/>
+              </a:schemeClr>
+            </a:lnRef>
+            <a:fillRef idx="1">
+              <a:schemeClr val="accent1"/>
+            </a:fillRef>
+            <a:effectRef idx="0">
+              <a:schemeClr val="accent1"/>
+            </a:effectRef>
+            <a:fontRef idx="minor">
+              <a:schemeClr val="lt1"/>
+            </a:fontRef>
+          </p:style>
+          <p:txBody>
+            <a:bodyPr rtlCol="0" anchor="ctr"/>
+            <a:lstStyle/>
+            <a:p>
+              <a:pPr algn="ctr"/>
+              <a:endParaRPr lang="en-US"/>
+            </a:p>
+          </p:txBody>
+        </p:sp>
+      </p:grpSp>
+    </p:spTree>
+    <p:extLst>
+      <p:ext uri="{BB962C8B-B14F-4D97-AF65-F5344CB8AC3E}">
+        <p14:creationId xmlns:p14="http://schemas.microsoft.com/office/powerpoint/2010/main" val="1222651902"/>
+      </p:ext>
+    </p:extLst>
+  </p:cSld>
+  <p:clrMapOvr>
+    <a:masterClrMapping/>
+  </p:clrMapOvr>
+</p:sld>
+</file>
+
+<file path=ppt/slides/slide25.xml><?xml version="1.0" encoding="utf-8"?>
+<p:sld xmlns:a="http://schemas.openxmlformats.org/drawingml/2006/main" xmlns:r="http://schemas.openxmlformats.org/officeDocument/2006/relationships" xmlns:p="http://schemas.openxmlformats.org/presentationml/2006/main">
+  <p:cSld>
+    <p:spTree>
+      <p:nvGrpSpPr>
+        <p:cNvPr id="1" name=""/>
+        <p:cNvGrpSpPr/>
+        <p:nvPr/>
+      </p:nvGrpSpPr>
+      <p:grpSpPr>
+        <a:xfrm>
+          <a:off x="0" y="0"/>
+          <a:ext cx="0" cy="0"/>
+          <a:chOff x="0" y="0"/>
+          <a:chExt cx="0" cy="0"/>
+        </a:xfrm>
+      </p:grpSpPr>
+      <p:sp>
+        <p:nvSpPr>
+          <p:cNvPr id="2" name="Title 1">
+            <a:extLst>
+              <a:ext uri="{FF2B5EF4-FFF2-40B4-BE49-F238E27FC236}">
+                <a16:creationId xmlns:a16="http://schemas.microsoft.com/office/drawing/2014/main" id="{225AA634-FC89-4BA3-9CDD-060B6FCF017A}"/>
+              </a:ext>
+            </a:extLst>
+          </p:cNvPr>
+          <p:cNvSpPr>
+            <a:spLocks noGrp="1"/>
+          </p:cNvSpPr>
+          <p:nvPr>
+            <p:ph type="title"/>
+          </p:nvPr>
+        </p:nvSpPr>
+        <p:spPr>
+          <a:xfrm>
+            <a:off x="838200" y="365125"/>
+            <a:ext cx="11125692" cy="1325563"/>
+          </a:xfrm>
+        </p:spPr>
+        <p:txBody>
+          <a:bodyPr>
+            <a:normAutofit/>
+          </a:bodyPr>
+          <a:lstStyle/>
+          <a:p>
+            <a:r>
+              <a:rPr lang="en-US" sz="4000" dirty="0"/>
+              <a:t>Dynamic Resources</a:t>
+            </a:r>
+          </a:p>
+        </p:txBody>
+      </p:sp>
+      <p:pic>
+        <p:nvPicPr>
+          <p:cNvPr id="7" name="Picture 6" descr="A screenshot of a computer&#10;&#10;Description automatically generated">
+            <a:extLst>
+              <a:ext uri="{FF2B5EF4-FFF2-40B4-BE49-F238E27FC236}">
+                <a16:creationId xmlns:a16="http://schemas.microsoft.com/office/drawing/2014/main" id="{9899CE91-C1A7-4B30-B91E-5C4C3A4EAB8B}"/>
+              </a:ext>
+            </a:extLst>
+          </p:cNvPr>
+          <p:cNvPicPr>
+            <a:picLocks noChangeAspect="1"/>
+          </p:cNvPicPr>
+          <p:nvPr/>
+        </p:nvPicPr>
+        <p:blipFill>
+          <a:blip r:embed="rId2">
+            <a:extLst>
+              <a:ext uri="{28A0092B-C50C-407E-A947-70E740481C1C}">
+                <a14:useLocalDpi xmlns:a14="http://schemas.microsoft.com/office/drawing/2010/main" val="0"/>
+              </a:ext>
+            </a:extLst>
+          </a:blip>
+          <a:stretch>
+            <a:fillRect/>
+          </a:stretch>
+        </p:blipFill>
+        <p:spPr>
+          <a:xfrm>
+            <a:off x="2564316" y="5227806"/>
+            <a:ext cx="7063367" cy="1601818"/>
+          </a:xfrm>
+          <a:prstGeom prst="rect">
+            <a:avLst/>
+          </a:prstGeom>
+        </p:spPr>
+      </p:pic>
+      <p:pic>
+        <p:nvPicPr>
+          <p:cNvPr id="8" name="Picture 7">
+            <a:extLst>
+              <a:ext uri="{FF2B5EF4-FFF2-40B4-BE49-F238E27FC236}">
+                <a16:creationId xmlns:a16="http://schemas.microsoft.com/office/drawing/2014/main" id="{A0679DAD-CBB5-478C-9C01-A8E5DCCACAC6}"/>
+              </a:ext>
+            </a:extLst>
+          </p:cNvPr>
+          <p:cNvPicPr>
+            <a:picLocks noChangeAspect="1"/>
+          </p:cNvPicPr>
+          <p:nvPr/>
+        </p:nvPicPr>
+        <p:blipFill rotWithShape="1">
+          <a:blip r:embed="rId3"/>
+          <a:srcRect l="12791" t="11775" r="12994" b="2336"/>
+          <a:stretch/>
+        </p:blipFill>
+        <p:spPr>
+          <a:xfrm>
+            <a:off x="6272063" y="704281"/>
+            <a:ext cx="4516887" cy="4492138"/>
+          </a:xfrm>
+          <a:prstGeom prst="rect">
+            <a:avLst/>
+          </a:prstGeom>
+        </p:spPr>
+      </p:pic>
+      <p:sp>
+        <p:nvSpPr>
+          <p:cNvPr id="10" name="Content Placeholder 2">
+            <a:extLst>
+              <a:ext uri="{FF2B5EF4-FFF2-40B4-BE49-F238E27FC236}">
+                <a16:creationId xmlns:a16="http://schemas.microsoft.com/office/drawing/2014/main" id="{C0BCAE40-ACDE-416D-936C-07C4AB1CFB89}"/>
+              </a:ext>
+            </a:extLst>
+          </p:cNvPr>
+          <p:cNvSpPr>
+            <a:spLocks noGrp="1"/>
+          </p:cNvSpPr>
+          <p:nvPr>
+            <p:ph idx="1"/>
+          </p:nvPr>
+        </p:nvSpPr>
+        <p:spPr>
+          <a:xfrm>
+            <a:off x="838200" y="1690689"/>
+            <a:ext cx="4318686" cy="1325564"/>
+          </a:xfrm>
+        </p:spPr>
+        <p:txBody>
+          <a:bodyPr/>
+          <a:lstStyle/>
+          <a:p>
+            <a:pPr marL="0" indent="0">
+              <a:buNone/>
+            </a:pPr>
+            <a:r>
+              <a:rPr lang="en-US" sz="2400" dirty="0"/>
+              <a:t>Floating Point Resources:</a:t>
+            </a:r>
+          </a:p>
+          <a:p>
+            <a:pPr>
+              <a:buFont typeface="Calibri" panose="020F0502020204030204" pitchFamily="34" charset="0"/>
+              <a:buChar char="⁻"/>
+            </a:pPr>
+            <a:endParaRPr lang="en-US" sz="2400" dirty="0"/>
+          </a:p>
+        </p:txBody>
+      </p:sp>
+      <p:pic>
+        <p:nvPicPr>
+          <p:cNvPr id="11" name="Picture 10">
+            <a:extLst>
+              <a:ext uri="{FF2B5EF4-FFF2-40B4-BE49-F238E27FC236}">
+                <a16:creationId xmlns:a16="http://schemas.microsoft.com/office/drawing/2014/main" id="{50153BAB-9BF4-4414-942D-AFAE5681B93F}"/>
+              </a:ext>
+            </a:extLst>
+          </p:cNvPr>
+          <p:cNvPicPr>
+            <a:picLocks noChangeAspect="1"/>
+          </p:cNvPicPr>
+          <p:nvPr/>
+        </p:nvPicPr>
+        <p:blipFill>
+          <a:blip r:embed="rId4"/>
+          <a:stretch>
+            <a:fillRect/>
+          </a:stretch>
+        </p:blipFill>
+        <p:spPr>
+          <a:xfrm>
+            <a:off x="838200" y="3047640"/>
+            <a:ext cx="5081739" cy="2148779"/>
+          </a:xfrm>
+          <a:prstGeom prst="rect">
+            <a:avLst/>
+          </a:prstGeom>
+        </p:spPr>
+      </p:pic>
+    </p:spTree>
+    <p:extLst>
+      <p:ext uri="{BB962C8B-B14F-4D97-AF65-F5344CB8AC3E}">
+        <p14:creationId xmlns:p14="http://schemas.microsoft.com/office/powerpoint/2010/main" val="1280411534"/>
+      </p:ext>
+    </p:extLst>
+  </p:cSld>
+  <p:clrMapOvr>
+    <a:masterClrMapping/>
+  </p:clrMapOvr>
+</p:sld>
+</file>
+
+<file path=ppt/slides/slide26.xml><?xml version="1.0" encoding="utf-8"?>
+<p:sld xmlns:a="http://schemas.openxmlformats.org/drawingml/2006/main" xmlns:r="http://schemas.openxmlformats.org/officeDocument/2006/relationships" xmlns:p="http://schemas.openxmlformats.org/presentationml/2006/main">
+  <p:cSld>
+    <p:spTree>
+      <p:nvGrpSpPr>
+        <p:cNvPr id="1" name=""/>
+        <p:cNvGrpSpPr/>
+        <p:nvPr/>
+      </p:nvGrpSpPr>
+      <p:grpSpPr>
+        <a:xfrm>
+          <a:off x="0" y="0"/>
+          <a:ext cx="0" cy="0"/>
+          <a:chOff x="0" y="0"/>
+          <a:chExt cx="0" cy="0"/>
+        </a:xfrm>
+      </p:grpSpPr>
+      <p:sp>
+        <p:nvSpPr>
+          <p:cNvPr id="2" name="Title 1">
+            <a:extLst>
+              <a:ext uri="{FF2B5EF4-FFF2-40B4-BE49-F238E27FC236}">
+                <a16:creationId xmlns:a16="http://schemas.microsoft.com/office/drawing/2014/main" id="{225AA634-FC89-4BA3-9CDD-060B6FCF017A}"/>
+              </a:ext>
+            </a:extLst>
+          </p:cNvPr>
+          <p:cNvSpPr>
+            <a:spLocks noGrp="1"/>
+          </p:cNvSpPr>
+          <p:nvPr>
+            <p:ph type="title"/>
+          </p:nvPr>
+        </p:nvSpPr>
+        <p:spPr>
+          <a:xfrm>
+            <a:off x="838200" y="365125"/>
+            <a:ext cx="11125692" cy="1325563"/>
+          </a:xfrm>
+        </p:spPr>
+        <p:txBody>
+          <a:bodyPr>
+            <a:normAutofit/>
+          </a:bodyPr>
+          <a:lstStyle/>
+          <a:p>
+            <a:r>
+              <a:rPr lang="en-US" sz="4000" dirty="0"/>
+              <a:t>Dynamic Resources</a:t>
+            </a:r>
+          </a:p>
+        </p:txBody>
+      </p:sp>
+      <p:pic>
+        <p:nvPicPr>
+          <p:cNvPr id="12" name="Picture 11" descr="A screenshot of a computer&#10;&#10;Description automatically generated">
+            <a:extLst>
+              <a:ext uri="{FF2B5EF4-FFF2-40B4-BE49-F238E27FC236}">
+                <a16:creationId xmlns:a16="http://schemas.microsoft.com/office/drawing/2014/main" id="{6AF4D8D5-0E8A-4687-BD9C-3F682700DEAB}"/>
+              </a:ext>
+            </a:extLst>
+          </p:cNvPr>
+          <p:cNvPicPr>
+            <a:picLocks noChangeAspect="1"/>
+          </p:cNvPicPr>
+          <p:nvPr/>
+        </p:nvPicPr>
+        <p:blipFill rotWithShape="1">
+          <a:blip r:embed="rId2">
+            <a:extLst>
+              <a:ext uri="{28A0092B-C50C-407E-A947-70E740481C1C}">
+                <a14:useLocalDpi xmlns:a14="http://schemas.microsoft.com/office/drawing/2010/main" val="0"/>
+              </a:ext>
+            </a:extLst>
+          </a:blip>
+          <a:srcRect b="27869"/>
+          <a:stretch/>
+        </p:blipFill>
+        <p:spPr>
+          <a:xfrm>
+            <a:off x="2564316" y="5227806"/>
+            <a:ext cx="7063368" cy="1408428"/>
+          </a:xfrm>
+          <a:prstGeom prst="rect">
+            <a:avLst/>
+          </a:prstGeom>
+        </p:spPr>
+      </p:pic>
+      <p:pic>
+        <p:nvPicPr>
+          <p:cNvPr id="13" name="Picture 12">
+            <a:extLst>
+              <a:ext uri="{FF2B5EF4-FFF2-40B4-BE49-F238E27FC236}">
+                <a16:creationId xmlns:a16="http://schemas.microsoft.com/office/drawing/2014/main" id="{C91A0CE7-82BE-4435-9910-C09F07665A78}"/>
+              </a:ext>
+            </a:extLst>
+          </p:cNvPr>
+          <p:cNvPicPr>
+            <a:picLocks noChangeAspect="1"/>
+          </p:cNvPicPr>
+          <p:nvPr/>
+        </p:nvPicPr>
+        <p:blipFill rotWithShape="1">
+          <a:blip r:embed="rId3"/>
+          <a:srcRect l="12339" t="10330" r="12019" b="3303"/>
+          <a:stretch/>
+        </p:blipFill>
+        <p:spPr>
+          <a:xfrm>
+            <a:off x="6272063" y="785892"/>
+            <a:ext cx="4538126" cy="4426220"/>
+          </a:xfrm>
+          <a:prstGeom prst="rect">
+            <a:avLst/>
+          </a:prstGeom>
+        </p:spPr>
+      </p:pic>
+      <p:sp>
+        <p:nvSpPr>
+          <p:cNvPr id="10" name="Content Placeholder 2">
+            <a:extLst>
+              <a:ext uri="{FF2B5EF4-FFF2-40B4-BE49-F238E27FC236}">
+                <a16:creationId xmlns:a16="http://schemas.microsoft.com/office/drawing/2014/main" id="{C0BCAE40-ACDE-416D-936C-07C4AB1CFB89}"/>
+              </a:ext>
+            </a:extLst>
+          </p:cNvPr>
+          <p:cNvSpPr>
+            <a:spLocks noGrp="1"/>
+          </p:cNvSpPr>
+          <p:nvPr>
+            <p:ph idx="1"/>
+          </p:nvPr>
+        </p:nvSpPr>
+        <p:spPr>
+          <a:xfrm>
+            <a:off x="838200" y="1690689"/>
+            <a:ext cx="4318686" cy="1325564"/>
+          </a:xfrm>
+        </p:spPr>
+        <p:txBody>
+          <a:bodyPr/>
+          <a:lstStyle/>
+          <a:p>
+            <a:pPr marL="0" indent="0">
+              <a:buNone/>
+            </a:pPr>
+            <a:r>
+              <a:rPr lang="en-US" sz="2400" dirty="0"/>
+              <a:t>Fixed Point Resources:</a:t>
+            </a:r>
+          </a:p>
+          <a:p>
+            <a:pPr>
+              <a:buFont typeface="Calibri" panose="020F0502020204030204" pitchFamily="34" charset="0"/>
+              <a:buChar char="⁻"/>
+            </a:pPr>
+            <a:endParaRPr lang="en-US" sz="2400" dirty="0"/>
+          </a:p>
+        </p:txBody>
+      </p:sp>
+      <p:pic>
+        <p:nvPicPr>
+          <p:cNvPr id="5" name="Picture 4" descr="A screenshot of a social media post&#10;&#10;Description automatically generated">
+            <a:extLst>
+              <a:ext uri="{FF2B5EF4-FFF2-40B4-BE49-F238E27FC236}">
+                <a16:creationId xmlns:a16="http://schemas.microsoft.com/office/drawing/2014/main" id="{23DD8E57-BE4D-4750-B350-A74FEE3FD695}"/>
+              </a:ext>
+            </a:extLst>
+          </p:cNvPr>
+          <p:cNvPicPr>
+            <a:picLocks noChangeAspect="1"/>
+          </p:cNvPicPr>
+          <p:nvPr/>
+        </p:nvPicPr>
+        <p:blipFill rotWithShape="1">
+          <a:blip r:embed="rId4">
+            <a:extLst>
+              <a:ext uri="{28A0092B-C50C-407E-A947-70E740481C1C}">
+                <a14:useLocalDpi xmlns:a14="http://schemas.microsoft.com/office/drawing/2010/main" val="0"/>
+              </a:ext>
+            </a:extLst>
+          </a:blip>
+          <a:srcRect l="17073" t="7441" r="26711" b="32022"/>
+          <a:stretch/>
+        </p:blipFill>
+        <p:spPr>
+          <a:xfrm>
+            <a:off x="662138" y="3098144"/>
+            <a:ext cx="5257800" cy="2129662"/>
+          </a:xfrm>
+          <a:prstGeom prst="rect">
+            <a:avLst/>
+          </a:prstGeom>
+        </p:spPr>
+      </p:pic>
+    </p:spTree>
+    <p:extLst>
+      <p:ext uri="{BB962C8B-B14F-4D97-AF65-F5344CB8AC3E}">
+        <p14:creationId xmlns:p14="http://schemas.microsoft.com/office/powerpoint/2010/main" val="1335754314"/>
+      </p:ext>
+    </p:extLst>
+  </p:cSld>
+  <p:clrMapOvr>
+    <a:masterClrMapping/>
+  </p:clrMapOvr>
+</p:sld>
+</file>
+
+<file path=ppt/slides/slide27.xml><?xml version="1.0" encoding="utf-8"?>
+<p:sld xmlns:a="http://schemas.openxmlformats.org/drawingml/2006/main" xmlns:r="http://schemas.openxmlformats.org/officeDocument/2006/relationships" xmlns:p="http://schemas.openxmlformats.org/presentationml/2006/main">
+  <p:cSld>
+    <p:spTree>
+      <p:nvGrpSpPr>
+        <p:cNvPr id="1" name=""/>
+        <p:cNvGrpSpPr/>
+        <p:nvPr/>
+      </p:nvGrpSpPr>
+      <p:grpSpPr>
+        <a:xfrm>
+          <a:off x="0" y="0"/>
+          <a:ext cx="0" cy="0"/>
+          <a:chOff x="0" y="0"/>
+          <a:chExt cx="0" cy="0"/>
+        </a:xfrm>
+      </p:grpSpPr>
+      <p:sp>
+        <p:nvSpPr>
+          <p:cNvPr id="2" name="Title 1">
+            <a:extLst>
+              <a:ext uri="{FF2B5EF4-FFF2-40B4-BE49-F238E27FC236}">
+                <a16:creationId xmlns:a16="http://schemas.microsoft.com/office/drawing/2014/main" id="{225AA634-FC89-4BA3-9CDD-060B6FCF017A}"/>
+              </a:ext>
+            </a:extLst>
+          </p:cNvPr>
+          <p:cNvSpPr>
+            <a:spLocks noGrp="1"/>
+          </p:cNvSpPr>
+          <p:nvPr>
+            <p:ph type="title"/>
+          </p:nvPr>
+        </p:nvSpPr>
+        <p:spPr>
+          <a:xfrm>
+            <a:off x="838200" y="365125"/>
+            <a:ext cx="11125692" cy="1325563"/>
+          </a:xfrm>
+        </p:spPr>
+        <p:txBody>
+          <a:bodyPr>
+            <a:normAutofit/>
+          </a:bodyPr>
+          <a:lstStyle/>
+          <a:p>
+            <a:r>
+              <a:rPr lang="en-US" sz="4000" dirty="0"/>
+              <a:t>Dynamic Resources</a:t>
+            </a:r>
+          </a:p>
+        </p:txBody>
+      </p:sp>
+      <p:pic>
+        <p:nvPicPr>
+          <p:cNvPr id="5" name="Picture 4" descr="A screenshot of a computer screen&#10;&#10;Description automatically generated">
+            <a:extLst>
+              <a:ext uri="{FF2B5EF4-FFF2-40B4-BE49-F238E27FC236}">
+                <a16:creationId xmlns:a16="http://schemas.microsoft.com/office/drawing/2014/main" id="{FE13CA56-6111-4FFD-81D1-48A0EEDDB7C7}"/>
+              </a:ext>
+            </a:extLst>
+          </p:cNvPr>
+          <p:cNvPicPr>
+            <a:picLocks noChangeAspect="1"/>
+          </p:cNvPicPr>
+          <p:nvPr/>
+        </p:nvPicPr>
+        <p:blipFill rotWithShape="1">
+          <a:blip r:embed="rId2">
+            <a:extLst>
+              <a:ext uri="{28A0092B-C50C-407E-A947-70E740481C1C}">
+                <a14:useLocalDpi xmlns:a14="http://schemas.microsoft.com/office/drawing/2010/main" val="0"/>
+              </a:ext>
+            </a:extLst>
+          </a:blip>
+          <a:srcRect l="12752" t="10269" r="12342" b="3543"/>
+          <a:stretch/>
+        </p:blipFill>
+        <p:spPr>
+          <a:xfrm>
+            <a:off x="6272063" y="756833"/>
+            <a:ext cx="4516887" cy="4439585"/>
+          </a:xfrm>
+          <a:prstGeom prst="rect">
+            <a:avLst/>
+          </a:prstGeom>
+        </p:spPr>
+      </p:pic>
+      <p:sp>
+        <p:nvSpPr>
+          <p:cNvPr id="10" name="Content Placeholder 2">
+            <a:extLst>
+              <a:ext uri="{FF2B5EF4-FFF2-40B4-BE49-F238E27FC236}">
+                <a16:creationId xmlns:a16="http://schemas.microsoft.com/office/drawing/2014/main" id="{C0BCAE40-ACDE-416D-936C-07C4AB1CFB89}"/>
+              </a:ext>
+            </a:extLst>
+          </p:cNvPr>
+          <p:cNvSpPr>
+            <a:spLocks noGrp="1"/>
+          </p:cNvSpPr>
+          <p:nvPr>
+            <p:ph idx="1"/>
+          </p:nvPr>
+        </p:nvSpPr>
+        <p:spPr>
+          <a:xfrm>
+            <a:off x="838200" y="1690689"/>
+            <a:ext cx="4318686" cy="1325564"/>
+          </a:xfrm>
+        </p:spPr>
+        <p:txBody>
+          <a:bodyPr/>
+          <a:lstStyle/>
+          <a:p>
+            <a:pPr marL="0" indent="0">
+              <a:buNone/>
+            </a:pPr>
+            <a:r>
+              <a:rPr lang="en-US" sz="2400" dirty="0"/>
+              <a:t>Integer Resources:</a:t>
+            </a:r>
+          </a:p>
+          <a:p>
+            <a:pPr>
+              <a:buFont typeface="Calibri" panose="020F0502020204030204" pitchFamily="34" charset="0"/>
+              <a:buChar char="⁻"/>
+            </a:pPr>
+            <a:endParaRPr lang="en-US" sz="2400" dirty="0"/>
+          </a:p>
+        </p:txBody>
+      </p:sp>
+      <p:pic>
+        <p:nvPicPr>
+          <p:cNvPr id="6" name="Picture 5">
+            <a:extLst>
+              <a:ext uri="{FF2B5EF4-FFF2-40B4-BE49-F238E27FC236}">
+                <a16:creationId xmlns:a16="http://schemas.microsoft.com/office/drawing/2014/main" id="{C4C84CCB-8506-4D56-A2ED-8BAE5A602BB2}"/>
+              </a:ext>
+            </a:extLst>
+          </p:cNvPr>
+          <p:cNvPicPr>
+            <a:picLocks noChangeAspect="1"/>
+          </p:cNvPicPr>
+          <p:nvPr/>
+        </p:nvPicPr>
+        <p:blipFill>
+          <a:blip r:embed="rId3"/>
+          <a:stretch>
+            <a:fillRect/>
+          </a:stretch>
+        </p:blipFill>
+        <p:spPr>
+          <a:xfrm>
+            <a:off x="994377" y="3016253"/>
+            <a:ext cx="5101624" cy="2151058"/>
+          </a:xfrm>
+          <a:prstGeom prst="rect">
+            <a:avLst/>
+          </a:prstGeom>
+        </p:spPr>
+      </p:pic>
+      <p:pic>
+        <p:nvPicPr>
+          <p:cNvPr id="12" name="Picture 11">
+            <a:extLst>
+              <a:ext uri="{FF2B5EF4-FFF2-40B4-BE49-F238E27FC236}">
+                <a16:creationId xmlns:a16="http://schemas.microsoft.com/office/drawing/2014/main" id="{0CD0F183-C789-40DE-B3F6-F4C8568D18E9}"/>
+              </a:ext>
+            </a:extLst>
+          </p:cNvPr>
+          <p:cNvPicPr>
+            <a:picLocks noChangeAspect="1"/>
+          </p:cNvPicPr>
+          <p:nvPr/>
+        </p:nvPicPr>
+        <p:blipFill rotWithShape="1">
+          <a:blip r:embed="rId4"/>
+          <a:srcRect b="28268"/>
+          <a:stretch/>
+        </p:blipFill>
+        <p:spPr>
+          <a:xfrm>
+            <a:off x="2268537" y="5196418"/>
+            <a:ext cx="7654925" cy="1384413"/>
+          </a:xfrm>
+          <a:prstGeom prst="rect">
+            <a:avLst/>
+          </a:prstGeom>
+        </p:spPr>
+      </p:pic>
+    </p:spTree>
+    <p:extLst>
+      <p:ext uri="{BB962C8B-B14F-4D97-AF65-F5344CB8AC3E}">
+        <p14:creationId xmlns:p14="http://schemas.microsoft.com/office/powerpoint/2010/main" val="1359887795"/>
+      </p:ext>
+    </p:extLst>
+  </p:cSld>
+  <p:clrMapOvr>
+    <a:masterClrMapping/>
+  </p:clrMapOvr>
+</p:sld>
+</file>
+
+<file path=ppt/slides/slide28.xml><?xml version="1.0" encoding="utf-8"?>
+<p:sld xmlns:a="http://schemas.openxmlformats.org/drawingml/2006/main" xmlns:r="http://schemas.openxmlformats.org/officeDocument/2006/relationships" xmlns:p="http://schemas.openxmlformats.org/presentationml/2006/main">
+  <p:cSld>
+    <p:spTree>
+      <p:nvGrpSpPr>
+        <p:cNvPr id="1" name=""/>
+        <p:cNvGrpSpPr/>
+        <p:nvPr/>
+      </p:nvGrpSpPr>
+      <p:grpSpPr>
+        <a:xfrm>
+          <a:off x="0" y="0"/>
+          <a:ext cx="0" cy="0"/>
+          <a:chOff x="0" y="0"/>
+          <a:chExt cx="0" cy="0"/>
+        </a:xfrm>
+      </p:grpSpPr>
+      <p:sp>
+        <p:nvSpPr>
+          <p:cNvPr id="2" name="Title 1">
+            <a:extLst>
+              <a:ext uri="{FF2B5EF4-FFF2-40B4-BE49-F238E27FC236}">
+                <a16:creationId xmlns:a16="http://schemas.microsoft.com/office/drawing/2014/main" id="{225AA634-FC89-4BA3-9CDD-060B6FCF017A}"/>
+              </a:ext>
+            </a:extLst>
+          </p:cNvPr>
+          <p:cNvSpPr>
+            <a:spLocks noGrp="1"/>
+          </p:cNvSpPr>
+          <p:nvPr>
+            <p:ph type="title"/>
+          </p:nvPr>
+        </p:nvSpPr>
+        <p:spPr>
+          <a:xfrm>
+            <a:off x="838200" y="365125"/>
+            <a:ext cx="11125692" cy="1325563"/>
+          </a:xfrm>
+        </p:spPr>
+        <p:txBody>
+          <a:bodyPr>
+            <a:normAutofit/>
+          </a:bodyPr>
+          <a:lstStyle/>
+          <a:p>
+            <a:r>
+              <a:rPr lang="en-US" sz="4000" dirty="0"/>
+              <a:t>Conclusions</a:t>
+            </a:r>
+          </a:p>
+        </p:txBody>
+      </p:sp>
+      <p:sp>
+        <p:nvSpPr>
+          <p:cNvPr id="4" name="Content Placeholder 2">
+            <a:extLst>
+              <a:ext uri="{FF2B5EF4-FFF2-40B4-BE49-F238E27FC236}">
+                <a16:creationId xmlns:a16="http://schemas.microsoft.com/office/drawing/2014/main" id="{447C0C06-9D20-4E1C-B34C-85D135AC9320}"/>
+              </a:ext>
+            </a:extLst>
+          </p:cNvPr>
+          <p:cNvSpPr>
+            <a:spLocks noGrp="1"/>
+          </p:cNvSpPr>
+          <p:nvPr>
+            <p:ph idx="1"/>
+          </p:nvPr>
+        </p:nvSpPr>
+        <p:spPr>
+          <a:xfrm>
+            <a:off x="838200" y="1690688"/>
+            <a:ext cx="10515600" cy="4486275"/>
+          </a:xfrm>
+        </p:spPr>
+        <p:txBody>
+          <a:bodyPr>
+            <a:normAutofit/>
+          </a:bodyPr>
+          <a:lstStyle/>
+          <a:p>
+            <a:pPr>
+              <a:buFont typeface="Calibri" panose="020F0502020204030204" pitchFamily="34" charset="0"/>
+              <a:buChar char="⁻"/>
+            </a:pPr>
+            <a:r>
+              <a:rPr lang="en-US" sz="2400" dirty="0"/>
+              <a:t>While much of the development process for RTL has streamlined by Xilinx, many times development and debugging could be quite strenuous</a:t>
+            </a:r>
+          </a:p>
+          <a:p>
+            <a:pPr lvl="1">
+              <a:buFont typeface="Calibri" panose="020F0502020204030204" pitchFamily="34" charset="0"/>
+              <a:buChar char="⁻"/>
+            </a:pPr>
+            <a:r>
+              <a:rPr lang="en-US" sz="2000" dirty="0"/>
+              <a:t>Much of the development process is very well documented for users of </a:t>
+            </a:r>
+            <a:r>
+              <a:rPr lang="en-US" sz="2000" dirty="0" err="1"/>
+              <a:t>Tcl</a:t>
+            </a:r>
+            <a:r>
+              <a:rPr lang="en-US" sz="2000" dirty="0"/>
+              <a:t> but nothing else</a:t>
+            </a:r>
+          </a:p>
+          <a:p>
+            <a:pPr lvl="2">
+              <a:buFont typeface="Calibri" panose="020F0502020204030204" pitchFamily="34" charset="0"/>
+              <a:buChar char="⁻"/>
+            </a:pPr>
+            <a:r>
+              <a:rPr lang="en-US" sz="1600" dirty="0"/>
+              <a:t>This often led to scrolling through forum posting for information rather than being able to rely on the official documentation</a:t>
+            </a:r>
+          </a:p>
+          <a:p>
+            <a:pPr>
+              <a:buFont typeface="Calibri" panose="020F0502020204030204" pitchFamily="34" charset="0"/>
+              <a:buChar char="⁻"/>
+            </a:pPr>
+            <a:endParaRPr lang="en-US" sz="1600" dirty="0"/>
+          </a:p>
+          <a:p>
+            <a:pPr>
+              <a:buFont typeface="Calibri" panose="020F0502020204030204" pitchFamily="34" charset="0"/>
+              <a:buChar char="⁻"/>
+            </a:pPr>
+            <a:r>
+              <a:rPr lang="en-US" sz="2400" dirty="0"/>
+              <a:t>The Convolution Accelerator design needs to be refined</a:t>
+            </a:r>
+          </a:p>
+          <a:p>
+            <a:pPr lvl="1">
+              <a:buFont typeface="Calibri" panose="020F0502020204030204" pitchFamily="34" charset="0"/>
+              <a:buChar char="⁻"/>
+            </a:pPr>
+            <a:r>
+              <a:rPr lang="en-US" sz="2000" dirty="0"/>
+              <a:t>Due to the mentioned timing issues, the design would not function properly on the Pynq-Z2</a:t>
+            </a:r>
+          </a:p>
+          <a:p>
+            <a:pPr lvl="1">
+              <a:buFont typeface="Calibri" panose="020F0502020204030204" pitchFamily="34" charset="0"/>
+              <a:buChar char="⁻"/>
+            </a:pPr>
+            <a:r>
+              <a:rPr lang="en-US" sz="2000" dirty="0"/>
+              <a:t>The floating-point adder uses much more resources than any other device in the project</a:t>
+            </a:r>
+          </a:p>
+        </p:txBody>
+      </p:sp>
+    </p:spTree>
+    <p:extLst>
+      <p:ext uri="{BB962C8B-B14F-4D97-AF65-F5344CB8AC3E}">
+        <p14:creationId xmlns:p14="http://schemas.microsoft.com/office/powerpoint/2010/main" val="1699274140"/>
+      </p:ext>
+    </p:extLst>
+  </p:cSld>
+  <p:clrMapOvr>
+    <a:masterClrMapping/>
+  </p:clrMapOvr>
+</p:sld>
+</file>
+
+<file path=ppt/slides/slide29.xml><?xml version="1.0" encoding="utf-8"?>
+<p:sld xmlns:a="http://schemas.openxmlformats.org/drawingml/2006/main" xmlns:r="http://schemas.openxmlformats.org/officeDocument/2006/relationships" xmlns:p="http://schemas.openxmlformats.org/presentationml/2006/main">
+  <p:cSld>
+    <p:spTree>
+      <p:nvGrpSpPr>
+        <p:cNvPr id="1" name=""/>
+        <p:cNvGrpSpPr/>
+        <p:nvPr/>
+      </p:nvGrpSpPr>
+      <p:grpSpPr>
+        <a:xfrm>
+          <a:off x="0" y="0"/>
+          <a:ext cx="0" cy="0"/>
+          <a:chOff x="0" y="0"/>
+          <a:chExt cx="0" cy="0"/>
+        </a:xfrm>
+      </p:grpSpPr>
+      <p:sp>
+        <p:nvSpPr>
+          <p:cNvPr id="2" name="Title 1">
+            <a:extLst>
+              <a:ext uri="{FF2B5EF4-FFF2-40B4-BE49-F238E27FC236}">
+                <a16:creationId xmlns:a16="http://schemas.microsoft.com/office/drawing/2014/main" id="{225AA634-FC89-4BA3-9CDD-060B6FCF017A}"/>
+              </a:ext>
+            </a:extLst>
+          </p:cNvPr>
+          <p:cNvSpPr>
+            <a:spLocks noGrp="1"/>
+          </p:cNvSpPr>
+          <p:nvPr>
+            <p:ph type="title"/>
+          </p:nvPr>
+        </p:nvSpPr>
+        <p:spPr>
+          <a:xfrm>
+            <a:off x="4789273" y="2828238"/>
+            <a:ext cx="2613454" cy="1325563"/>
+          </a:xfrm>
+        </p:spPr>
+        <p:txBody>
+          <a:bodyPr>
+            <a:normAutofit/>
+          </a:bodyPr>
+          <a:lstStyle/>
+          <a:p>
+            <a:pPr algn="ctr"/>
+            <a:r>
+              <a:rPr lang="en-US" sz="4000" dirty="0"/>
+              <a:t>Thank You</a:t>
+            </a:r>
+          </a:p>
+        </p:txBody>
+      </p:sp>
+    </p:spTree>
+    <p:extLst>
+      <p:ext uri="{BB962C8B-B14F-4D97-AF65-F5344CB8AC3E}">
+        <p14:creationId xmlns:p14="http://schemas.microsoft.com/office/powerpoint/2010/main" val="3094347130"/>
       </p:ext>
     </p:extLst>
   </p:cSld>
@@ -7298,7 +10526,7 @@
             </a:pPr>
             <a:r>
               <a:rPr lang="en-US" dirty="0"/>
-              <a:t>These block diagrams can compose of either default IPs provided by Xilinx or user custom IPs that are imported/created within the project</a:t>
+              <a:t>These block diagrams can compose of either base IPs provided by Xilinx or user custom IPs that are imported/created within the project</a:t>
             </a:r>
           </a:p>
           <a:p>
@@ -7533,7 +10761,7 @@
           <a:p>
             <a:r>
               <a:rPr lang="en-US" sz="4000" dirty="0"/>
-              <a:t>Design Step 1: Learn Verilog</a:t>
+              <a:t>Learn Verilog</a:t>
             </a:r>
           </a:p>
         </p:txBody>
@@ -7731,7 +10959,7 @@
           <a:p>
             <a:r>
               <a:rPr lang="en-US" sz="4000" dirty="0"/>
-              <a:t>Design Step 1: Learn Verilog (cont.)</a:t>
+              <a:t>Learn Verilog (cont.)</a:t>
             </a:r>
           </a:p>
         </p:txBody>
@@ -7768,7 +10996,7 @@
             </a:pPr>
             <a:r>
               <a:rPr lang="en-US" dirty="0"/>
-              <a:t>With a simple understanding of Verilog, basic designs were created and tested to verify understanding:</a:t>
+              <a:t>With a simple understanding of Verilog, basic designs were created and tested:</a:t>
             </a:r>
           </a:p>
           <a:p>
@@ -7979,7 +11207,7 @@
           <a:p>
             <a:r>
               <a:rPr lang="en-US" sz="4000" dirty="0"/>
-              <a:t>Design Step 2: Partial Reconfig Multipliers</a:t>
+              <a:t>Partial Reconfig Multipliers</a:t>
             </a:r>
           </a:p>
         </p:txBody>
@@ -8043,7 +11271,7 @@
             </a:pPr>
             <a:r>
               <a:rPr lang="en-US" dirty="0"/>
-              <a:t>This was initially designed to buffer input data internally, allowing for parallel computations. The buffered input was removed due to adding unnecessary delay while pipelining data streams</a:t>
+              <a:t>This was initially designed to buffer input data internally, allowing for parallel computations. The buffered input was removed due to adding undesirable delay while pipelining data streams</a:t>
             </a:r>
           </a:p>
         </p:txBody>
@@ -8108,7 +11336,7 @@
           <a:p>
             <a:r>
               <a:rPr lang="en-US" sz="4000" dirty="0"/>
-              <a:t>Design Step 2: Partial Reconfig Multipliers (cont.)</a:t>
+              <a:t>Partial Reconfig Multipliers (cont.)</a:t>
             </a:r>
           </a:p>
         </p:txBody>
@@ -8258,7 +11486,7 @@
           <a:p>
             <a:r>
               <a:rPr lang="en-US" sz="4000" dirty="0"/>
-              <a:t>Design Step 2: Partial Reconfig Multipliers (cont.)</a:t>
+              <a:t>Partial Reconfig Multipliers (cont.)</a:t>
             </a:r>
           </a:p>
         </p:txBody>
